--- a/network interface.pptx
+++ b/network interface.pptx
@@ -5,7 +5,7 @@
     <p:sldMasterId id="2147483660" r:id="rId1"/>
   </p:sldMasterIdLst>
   <p:handoutMasterIdLst>
-    <p:handoutMasterId r:id="rId24"/>
+    <p:handoutMasterId r:id="rId31"/>
   </p:handoutMasterIdLst>
   <p:sldIdLst>
     <p:sldId id="256" r:id="rId2"/>
@@ -26,10 +26,17 @@
     <p:sldId id="272" r:id="rId17"/>
     <p:sldId id="273" r:id="rId18"/>
     <p:sldId id="274" r:id="rId19"/>
-    <p:sldId id="276" r:id="rId20"/>
-    <p:sldId id="275" r:id="rId21"/>
-    <p:sldId id="277" r:id="rId22"/>
-    <p:sldId id="278" r:id="rId23"/>
+    <p:sldId id="279" r:id="rId20"/>
+    <p:sldId id="285" r:id="rId21"/>
+    <p:sldId id="280" r:id="rId22"/>
+    <p:sldId id="281" r:id="rId23"/>
+    <p:sldId id="282" r:id="rId24"/>
+    <p:sldId id="283" r:id="rId25"/>
+    <p:sldId id="284" r:id="rId26"/>
+    <p:sldId id="286" r:id="rId27"/>
+    <p:sldId id="275" r:id="rId28"/>
+    <p:sldId id="277" r:id="rId29"/>
+    <p:sldId id="278" r:id="rId30"/>
   </p:sldIdLst>
   <p:sldSz cx="9144000" cy="6858000" type="screen4x3"/>
   <p:notesSz cx="6858000" cy="9144000"/>
@@ -213,7 +220,7 @@
           <a:p>
             <a:fld id="{C036EB72-EA28-4BA6-B931-52763D403A9F}" type="datetimeFigureOut">
               <a:rPr lang="ko-KR" altLang="en-US" smtClean="0"/>
-              <a:t>2017-03-30</a:t>
+              <a:t>2017-04-06</a:t>
             </a:fld>
             <a:endParaRPr lang="ko-KR" altLang="en-US"/>
           </a:p>
@@ -4818,13 +4825,8 @@
             </a:pPr>
             <a:r>
               <a:rPr lang="en-US" altLang="ko-KR" sz="3200" b="1" dirty="0" smtClean="0"/>
-              <a:t>DCE</a:t>
-            </a:r>
-            <a:r>
-              <a:rPr lang="en-US" altLang="ko-KR" sz="3200" b="1" dirty="0" smtClean="0"/>
-              <a:t> (Data Communication Equipment)</a:t>
-            </a:r>
-            <a:endParaRPr lang="en-US" altLang="ko-KR" sz="3200" b="1" dirty="0" smtClean="0"/>
+              <a:t>DCE (Data Communication Equipment)</a:t>
+            </a:r>
           </a:p>
           <a:p>
             <a:r>
@@ -6250,13 +6252,13 @@
       </p:sp>
       <p:pic>
         <p:nvPicPr>
-          <p:cNvPr id="17410" name="Picture 2" descr="http://cfile24.uf.tistory.com/image/176CC5214CC6CC125F4CD9"/>
+          <p:cNvPr id="1026" name="Picture 2"/>
           <p:cNvPicPr>
             <a:picLocks noChangeAspect="1" noChangeArrowheads="1"/>
           </p:cNvPicPr>
           <p:nvPr/>
         </p:nvPicPr>
-        <p:blipFill rotWithShape="1">
+        <p:blipFill>
           <a:blip r:embed="rId2">
             <a:extLst>
               <a:ext uri="{28A0092B-C50C-407E-A947-70E740481C1C}">
@@ -6264,25 +6266,50 @@
               </a:ext>
             </a:extLst>
           </a:blip>
-          <a:srcRect t="5863" r="929" b="48535"/>
-          <a:stretch/>
+          <a:srcRect/>
+          <a:stretch>
+            <a:fillRect/>
+          </a:stretch>
         </p:blipFill>
         <p:spPr bwMode="auto">
           <a:xfrm>
-            <a:off x="24036" y="2420888"/>
-            <a:ext cx="8846963" cy="2812132"/>
+            <a:off x="990600" y="2005013"/>
+            <a:ext cx="7162800" cy="2847975"/>
           </a:xfrm>
           <a:prstGeom prst="rect">
             <a:avLst/>
           </a:prstGeom>
           <a:noFill/>
+          <a:ln>
+            <a:noFill/>
+          </a:ln>
+          <a:effectLst/>
           <a:extLst>
             <a:ext uri="{909E8E84-426E-40DD-AFC4-6F175D3DCCD1}">
               <a14:hiddenFill xmlns:a14="http://schemas.microsoft.com/office/drawing/2010/main">
                 <a:solidFill>
-                  <a:srgbClr val="FFFFFF"/>
+                  <a:schemeClr val="accent1"/>
                 </a:solidFill>
               </a14:hiddenFill>
+            </a:ext>
+            <a:ext uri="{91240B29-F687-4F45-9708-019B960494DF}">
+              <a14:hiddenLine xmlns:a14="http://schemas.microsoft.com/office/drawing/2010/main" w="9525">
+                <a:solidFill>
+                  <a:schemeClr val="tx1"/>
+                </a:solidFill>
+                <a:miter lim="800000"/>
+                <a:headEnd/>
+                <a:tailEnd/>
+              </a14:hiddenLine>
+            </a:ext>
+            <a:ext uri="{AF507438-7753-43E0-B8FC-AC1667EBCBE1}">
+              <a14:hiddenEffects xmlns:a14="http://schemas.microsoft.com/office/drawing/2010/main">
+                <a:effectLst>
+                  <a:outerShdw dist="35921" dir="2700000" algn="ctr" rotWithShape="0">
+                    <a:schemeClr val="bg2"/>
+                  </a:outerShdw>
+                </a:effectLst>
+              </a14:hiddenEffects>
             </a:ext>
           </a:extLst>
         </p:spPr>
@@ -6318,7 +6345,7 @@
                             </p:stCondLst>
                             <p:childTnLst>
                               <p:par>
-                                <p:cTn id="5" presetID="4" presetClass="entr" presetSubtype="16" fill="hold" nodeType="clickEffect">
+                                <p:cTn id="5" presetID="16" presetClass="entr" presetSubtype="21" fill="hold" nodeType="clickEffect">
                                   <p:stCondLst>
                                     <p:cond delay="0"/>
                                   </p:stCondLst>
@@ -6331,7 +6358,7 @@
                                           </p:stCondLst>
                                         </p:cTn>
                                         <p:tgtEl>
-                                          <p:spTgt spid="17410"/>
+                                          <p:spTgt spid="1026"/>
                                         </p:tgtEl>
                                         <p:attrNameLst>
                                           <p:attrName>style.visibility</p:attrName>
@@ -6341,11 +6368,11 @@
                                         <p:strVal val="visible"/>
                                       </p:to>
                                     </p:set>
-                                    <p:animEffect transition="in" filter="box(in)">
+                                    <p:animEffect transition="in" filter="barn(inVertical)">
                                       <p:cBhvr>
-                                        <p:cTn id="7" dur="2000"/>
+                                        <p:cTn id="7" dur="500"/>
                                         <p:tgtEl>
-                                          <p:spTgt spid="17410"/>
+                                          <p:spTgt spid="1026"/>
                                         </p:tgtEl>
                                       </p:cBhvr>
                                     </p:animEffect>
@@ -6502,7 +6529,7 @@
       </p:sp>
       <p:pic>
         <p:nvPicPr>
-          <p:cNvPr id="18434" name="Picture 2" descr="http://cfile26.uf.tistory.com/image/1375F31E4CC6D7C308663C"/>
+          <p:cNvPr id="2050" name="Picture 2"/>
           <p:cNvPicPr>
             <a:picLocks noChangeAspect="1" noChangeArrowheads="1"/>
           </p:cNvPicPr>
@@ -6523,20 +6550,297 @@
         </p:blipFill>
         <p:spPr bwMode="auto">
           <a:xfrm>
-            <a:off x="442764" y="2107456"/>
-            <a:ext cx="8301082" cy="1584176"/>
+            <a:off x="251520" y="1916833"/>
+            <a:ext cx="2952328" cy="1684662"/>
           </a:xfrm>
           <a:prstGeom prst="rect">
             <a:avLst/>
           </a:prstGeom>
           <a:noFill/>
+          <a:ln>
+            <a:noFill/>
+          </a:ln>
+          <a:effectLst/>
           <a:extLst>
             <a:ext uri="{909E8E84-426E-40DD-AFC4-6F175D3DCCD1}">
               <a14:hiddenFill xmlns:a14="http://schemas.microsoft.com/office/drawing/2010/main">
                 <a:solidFill>
-                  <a:srgbClr val="FFFFFF"/>
+                  <a:schemeClr val="accent1"/>
                 </a:solidFill>
               </a14:hiddenFill>
+            </a:ext>
+            <a:ext uri="{91240B29-F687-4F45-9708-019B960494DF}">
+              <a14:hiddenLine xmlns:a14="http://schemas.microsoft.com/office/drawing/2010/main" w="9525">
+                <a:solidFill>
+                  <a:schemeClr val="tx1"/>
+                </a:solidFill>
+                <a:miter lim="800000"/>
+                <a:headEnd/>
+                <a:tailEnd/>
+              </a14:hiddenLine>
+            </a:ext>
+            <a:ext uri="{AF507438-7753-43E0-B8FC-AC1667EBCBE1}">
+              <a14:hiddenEffects xmlns:a14="http://schemas.microsoft.com/office/drawing/2010/main">
+                <a:effectLst>
+                  <a:outerShdw dist="35921" dir="2700000" algn="ctr" rotWithShape="0">
+                    <a:schemeClr val="bg2"/>
+                  </a:outerShdw>
+                </a:effectLst>
+              </a14:hiddenEffects>
+            </a:ext>
+          </a:extLst>
+        </p:spPr>
+      </p:pic>
+      <p:pic>
+        <p:nvPicPr>
+          <p:cNvPr id="2051" name="Picture 3"/>
+          <p:cNvPicPr>
+            <a:picLocks noChangeAspect="1" noChangeArrowheads="1"/>
+          </p:cNvPicPr>
+          <p:nvPr/>
+        </p:nvPicPr>
+        <p:blipFill rotWithShape="1">
+          <a:blip r:embed="rId3">
+            <a:extLst>
+              <a:ext uri="{28A0092B-C50C-407E-A947-70E740481C1C}">
+                <a14:useLocalDpi xmlns:a14="http://schemas.microsoft.com/office/drawing/2010/main" val="0"/>
+              </a:ext>
+            </a:extLst>
+          </a:blip>
+          <a:srcRect r="6663" b="18868"/>
+          <a:stretch/>
+        </p:blipFill>
+        <p:spPr bwMode="auto">
+          <a:xfrm>
+            <a:off x="6948884" y="2138097"/>
+            <a:ext cx="1052785" cy="1083202"/>
+          </a:xfrm>
+          <a:prstGeom prst="rect">
+            <a:avLst/>
+          </a:prstGeom>
+          <a:noFill/>
+          <a:ln>
+            <a:noFill/>
+          </a:ln>
+          <a:effectLst/>
+          <a:extLst>
+            <a:ext uri="{909E8E84-426E-40DD-AFC4-6F175D3DCCD1}">
+              <a14:hiddenFill xmlns:a14="http://schemas.microsoft.com/office/drawing/2010/main">
+                <a:solidFill>
+                  <a:schemeClr val="accent1"/>
+                </a:solidFill>
+              </a14:hiddenFill>
+            </a:ext>
+            <a:ext uri="{91240B29-F687-4F45-9708-019B960494DF}">
+              <a14:hiddenLine xmlns:a14="http://schemas.microsoft.com/office/drawing/2010/main" w="9525">
+                <a:solidFill>
+                  <a:schemeClr val="tx1"/>
+                </a:solidFill>
+                <a:miter lim="800000"/>
+                <a:headEnd/>
+                <a:tailEnd/>
+              </a14:hiddenLine>
+            </a:ext>
+            <a:ext uri="{AF507438-7753-43E0-B8FC-AC1667EBCBE1}">
+              <a14:hiddenEffects xmlns:a14="http://schemas.microsoft.com/office/drawing/2010/main">
+                <a:effectLst>
+                  <a:outerShdw dist="35921" dir="2700000" algn="ctr" rotWithShape="0">
+                    <a:schemeClr val="bg2"/>
+                  </a:outerShdw>
+                </a:effectLst>
+              </a14:hiddenEffects>
+            </a:ext>
+          </a:extLst>
+        </p:spPr>
+      </p:pic>
+      <p:pic>
+        <p:nvPicPr>
+          <p:cNvPr id="2052" name="Picture 4"/>
+          <p:cNvPicPr>
+            <a:picLocks noChangeAspect="1" noChangeArrowheads="1"/>
+          </p:cNvPicPr>
+          <p:nvPr/>
+        </p:nvPicPr>
+        <p:blipFill>
+          <a:blip r:embed="rId4">
+            <a:extLst>
+              <a:ext uri="{28A0092B-C50C-407E-A947-70E740481C1C}">
+                <a14:useLocalDpi xmlns:a14="http://schemas.microsoft.com/office/drawing/2010/main" val="0"/>
+              </a:ext>
+            </a:extLst>
+          </a:blip>
+          <a:srcRect/>
+          <a:stretch>
+            <a:fillRect/>
+          </a:stretch>
+        </p:blipFill>
+        <p:spPr bwMode="auto">
+          <a:xfrm>
+            <a:off x="3529592" y="2172714"/>
+            <a:ext cx="970400" cy="988710"/>
+          </a:xfrm>
+          <a:prstGeom prst="rect">
+            <a:avLst/>
+          </a:prstGeom>
+          <a:noFill/>
+          <a:ln>
+            <a:noFill/>
+          </a:ln>
+          <a:effectLst/>
+          <a:extLst>
+            <a:ext uri="{909E8E84-426E-40DD-AFC4-6F175D3DCCD1}">
+              <a14:hiddenFill xmlns:a14="http://schemas.microsoft.com/office/drawing/2010/main">
+                <a:solidFill>
+                  <a:schemeClr val="accent1"/>
+                </a:solidFill>
+              </a14:hiddenFill>
+            </a:ext>
+            <a:ext uri="{91240B29-F687-4F45-9708-019B960494DF}">
+              <a14:hiddenLine xmlns:a14="http://schemas.microsoft.com/office/drawing/2010/main" w="9525">
+                <a:solidFill>
+                  <a:schemeClr val="tx1"/>
+                </a:solidFill>
+                <a:miter lim="800000"/>
+                <a:headEnd/>
+                <a:tailEnd/>
+              </a14:hiddenLine>
+            </a:ext>
+            <a:ext uri="{AF507438-7753-43E0-B8FC-AC1667EBCBE1}">
+              <a14:hiddenEffects xmlns:a14="http://schemas.microsoft.com/office/drawing/2010/main">
+                <a:effectLst>
+                  <a:outerShdw dist="35921" dir="2700000" algn="ctr" rotWithShape="0">
+                    <a:schemeClr val="bg2"/>
+                  </a:outerShdw>
+                </a:effectLst>
+              </a14:hiddenEffects>
+            </a:ext>
+          </a:extLst>
+        </p:spPr>
+      </p:pic>
+      <p:pic>
+        <p:nvPicPr>
+          <p:cNvPr id="2053" name="Picture 5"/>
+          <p:cNvPicPr>
+            <a:picLocks noChangeAspect="1" noChangeArrowheads="1"/>
+          </p:cNvPicPr>
+          <p:nvPr/>
+        </p:nvPicPr>
+        <p:blipFill>
+          <a:blip r:embed="rId5">
+            <a:extLst>
+              <a:ext uri="{28A0092B-C50C-407E-A947-70E740481C1C}">
+                <a14:useLocalDpi xmlns:a14="http://schemas.microsoft.com/office/drawing/2010/main" val="0"/>
+              </a:ext>
+            </a:extLst>
+          </a:blip>
+          <a:srcRect/>
+          <a:stretch>
+            <a:fillRect/>
+          </a:stretch>
+        </p:blipFill>
+        <p:spPr bwMode="auto">
+          <a:xfrm>
+            <a:off x="4615530" y="2172713"/>
+            <a:ext cx="892574" cy="996361"/>
+          </a:xfrm>
+          <a:prstGeom prst="rect">
+            <a:avLst/>
+          </a:prstGeom>
+          <a:noFill/>
+          <a:ln>
+            <a:noFill/>
+          </a:ln>
+          <a:effectLst/>
+          <a:extLst>
+            <a:ext uri="{909E8E84-426E-40DD-AFC4-6F175D3DCCD1}">
+              <a14:hiddenFill xmlns:a14="http://schemas.microsoft.com/office/drawing/2010/main">
+                <a:solidFill>
+                  <a:schemeClr val="accent1"/>
+                </a:solidFill>
+              </a14:hiddenFill>
+            </a:ext>
+            <a:ext uri="{91240B29-F687-4F45-9708-019B960494DF}">
+              <a14:hiddenLine xmlns:a14="http://schemas.microsoft.com/office/drawing/2010/main" w="9525">
+                <a:solidFill>
+                  <a:schemeClr val="tx1"/>
+                </a:solidFill>
+                <a:miter lim="800000"/>
+                <a:headEnd/>
+                <a:tailEnd/>
+              </a14:hiddenLine>
+            </a:ext>
+            <a:ext uri="{AF507438-7753-43E0-B8FC-AC1667EBCBE1}">
+              <a14:hiddenEffects xmlns:a14="http://schemas.microsoft.com/office/drawing/2010/main">
+                <a:effectLst>
+                  <a:outerShdw dist="35921" dir="2700000" algn="ctr" rotWithShape="0">
+                    <a:schemeClr val="bg2"/>
+                  </a:outerShdw>
+                </a:effectLst>
+              </a14:hiddenEffects>
+            </a:ext>
+          </a:extLst>
+        </p:spPr>
+      </p:pic>
+      <p:pic>
+        <p:nvPicPr>
+          <p:cNvPr id="2054" name="Picture 6"/>
+          <p:cNvPicPr>
+            <a:picLocks noChangeAspect="1" noChangeArrowheads="1"/>
+          </p:cNvPicPr>
+          <p:nvPr/>
+        </p:nvPicPr>
+        <p:blipFill>
+          <a:blip r:embed="rId6">
+            <a:extLst>
+              <a:ext uri="{28A0092B-C50C-407E-A947-70E740481C1C}">
+                <a14:useLocalDpi xmlns:a14="http://schemas.microsoft.com/office/drawing/2010/main" val="0"/>
+              </a:ext>
+            </a:extLst>
+          </a:blip>
+          <a:srcRect/>
+          <a:stretch>
+            <a:fillRect/>
+          </a:stretch>
+        </p:blipFill>
+        <p:spPr bwMode="auto">
+          <a:xfrm>
+            <a:off x="5724128" y="2172713"/>
+            <a:ext cx="946638" cy="988711"/>
+          </a:xfrm>
+          <a:prstGeom prst="rect">
+            <a:avLst/>
+          </a:prstGeom>
+          <a:noFill/>
+          <a:ln>
+            <a:noFill/>
+          </a:ln>
+          <a:effectLst/>
+          <a:extLst>
+            <a:ext uri="{909E8E84-426E-40DD-AFC4-6F175D3DCCD1}">
+              <a14:hiddenFill xmlns:a14="http://schemas.microsoft.com/office/drawing/2010/main">
+                <a:solidFill>
+                  <a:schemeClr val="accent1"/>
+                </a:solidFill>
+              </a14:hiddenFill>
+            </a:ext>
+            <a:ext uri="{91240B29-F687-4F45-9708-019B960494DF}">
+              <a14:hiddenLine xmlns:a14="http://schemas.microsoft.com/office/drawing/2010/main" w="9525">
+                <a:solidFill>
+                  <a:schemeClr val="tx1"/>
+                </a:solidFill>
+                <a:miter lim="800000"/>
+                <a:headEnd/>
+                <a:tailEnd/>
+              </a14:hiddenLine>
+            </a:ext>
+            <a:ext uri="{AF507438-7753-43E0-B8FC-AC1667EBCBE1}">
+              <a14:hiddenEffects xmlns:a14="http://schemas.microsoft.com/office/drawing/2010/main">
+                <a:effectLst>
+                  <a:outerShdw dist="35921" dir="2700000" algn="ctr" rotWithShape="0">
+                    <a:schemeClr val="bg2"/>
+                  </a:outerShdw>
+                </a:effectLst>
+              </a14:hiddenEffects>
             </a:ext>
           </a:extLst>
         </p:spPr>
@@ -6572,7 +6876,7 @@
                             </p:stCondLst>
                             <p:childTnLst>
                               <p:par>
-                                <p:cTn id="5" presetID="10" presetClass="entr" presetSubtype="0" fill="hold" nodeType="clickEffect">
+                                <p:cTn id="5" presetID="53" presetClass="entr" presetSubtype="16" fill="hold" nodeType="clickEffect">
                                   <p:stCondLst>
                                     <p:cond delay="0"/>
                                   </p:stCondLst>
@@ -6580,59 +6884,6 @@
                                     <p:set>
                                       <p:cBhvr>
                                         <p:cTn id="6" dur="1" fill="hold">
-                                          <p:stCondLst>
-                                            <p:cond delay="0"/>
-                                          </p:stCondLst>
-                                        </p:cTn>
-                                        <p:tgtEl>
-                                          <p:spTgt spid="18434"/>
-                                        </p:tgtEl>
-                                        <p:attrNameLst>
-                                          <p:attrName>style.visibility</p:attrName>
-                                        </p:attrNameLst>
-                                      </p:cBhvr>
-                                      <p:to>
-                                        <p:strVal val="visible"/>
-                                      </p:to>
-                                    </p:set>
-                                    <p:animEffect transition="in" filter="fade">
-                                      <p:cBhvr>
-                                        <p:cTn id="7" dur="500"/>
-                                        <p:tgtEl>
-                                          <p:spTgt spid="18434"/>
-                                        </p:tgtEl>
-                                      </p:cBhvr>
-                                    </p:animEffect>
-                                  </p:childTnLst>
-                                </p:cTn>
-                              </p:par>
-                            </p:childTnLst>
-                          </p:cTn>
-                        </p:par>
-                      </p:childTnLst>
-                    </p:cTn>
-                  </p:par>
-                  <p:par>
-                    <p:cTn id="8" fill="hold">
-                      <p:stCondLst>
-                        <p:cond delay="indefinite"/>
-                      </p:stCondLst>
-                      <p:childTnLst>
-                        <p:par>
-                          <p:cTn id="9" fill="hold">
-                            <p:stCondLst>
-                              <p:cond delay="0"/>
-                            </p:stCondLst>
-                            <p:childTnLst>
-                              <p:par>
-                                <p:cTn id="10" presetID="53" presetClass="entr" presetSubtype="16" fill="hold" nodeType="clickEffect">
-                                  <p:stCondLst>
-                                    <p:cond delay="0"/>
-                                  </p:stCondLst>
-                                  <p:childTnLst>
-                                    <p:set>
-                                      <p:cBhvr>
-                                        <p:cTn id="11" dur="1" fill="hold">
                                           <p:stCondLst>
                                             <p:cond delay="0"/>
                                           </p:stCondLst>
@@ -6654,7 +6905,7 @@
                                     </p:set>
                                     <p:anim calcmode="lin" valueType="num">
                                       <p:cBhvr>
-                                        <p:cTn id="12" dur="500" fill="hold"/>
+                                        <p:cTn id="7" dur="500" fill="hold"/>
                                         <p:tgtEl>
                                           <p:spTgt spid="3">
                                             <p:txEl>
@@ -6681,7 +6932,7 @@
                                     </p:anim>
                                     <p:anim calcmode="lin" valueType="num">
                                       <p:cBhvr>
-                                        <p:cTn id="13" dur="500" fill="hold"/>
+                                        <p:cTn id="8" dur="500" fill="hold"/>
                                         <p:tgtEl>
                                           <p:spTgt spid="3">
                                             <p:txEl>
@@ -6708,7 +6959,7 @@
                                     </p:anim>
                                     <p:animEffect transition="in" filter="fade">
                                       <p:cBhvr>
-                                        <p:cTn id="14" dur="500"/>
+                                        <p:cTn id="9" dur="500"/>
                                         <p:tgtEl>
                                           <p:spTgt spid="3">
                                             <p:txEl>
@@ -6728,26 +6979,26 @@
                     </p:cTn>
                   </p:par>
                   <p:par>
-                    <p:cTn id="15" fill="hold">
+                    <p:cTn id="10" fill="hold">
                       <p:stCondLst>
                         <p:cond delay="indefinite"/>
                       </p:stCondLst>
                       <p:childTnLst>
                         <p:par>
-                          <p:cTn id="16" fill="hold">
+                          <p:cTn id="11" fill="hold">
                             <p:stCondLst>
                               <p:cond delay="0"/>
                             </p:stCondLst>
                             <p:childTnLst>
                               <p:par>
-                                <p:cTn id="17" presetID="53" presetClass="entr" presetSubtype="16" fill="hold" nodeType="clickEffect">
+                                <p:cTn id="12" presetID="53" presetClass="entr" presetSubtype="16" fill="hold" nodeType="clickEffect">
                                   <p:stCondLst>
                                     <p:cond delay="0"/>
                                   </p:stCondLst>
                                   <p:childTnLst>
                                     <p:set>
                                       <p:cBhvr>
-                                        <p:cTn id="18" dur="1" fill="hold">
+                                        <p:cTn id="13" dur="1" fill="hold">
                                           <p:stCondLst>
                                             <p:cond delay="0"/>
                                           </p:stCondLst>
@@ -6769,7 +7020,7 @@
                                     </p:set>
                                     <p:anim calcmode="lin" valueType="num">
                                       <p:cBhvr>
-                                        <p:cTn id="19" dur="500" fill="hold"/>
+                                        <p:cTn id="14" dur="500" fill="hold"/>
                                         <p:tgtEl>
                                           <p:spTgt spid="3">
                                             <p:txEl>
@@ -6796,7 +7047,7 @@
                                     </p:anim>
                                     <p:anim calcmode="lin" valueType="num">
                                       <p:cBhvr>
-                                        <p:cTn id="20" dur="500" fill="hold"/>
+                                        <p:cTn id="15" dur="500" fill="hold"/>
                                         <p:tgtEl>
                                           <p:spTgt spid="3">
                                             <p:txEl>
@@ -6823,7 +7074,7 @@
                                     </p:anim>
                                     <p:animEffect transition="in" filter="fade">
                                       <p:cBhvr>
-                                        <p:cTn id="21" dur="500"/>
+                                        <p:cTn id="16" dur="500"/>
                                         <p:tgtEl>
                                           <p:spTgt spid="3">
                                             <p:txEl>
@@ -6843,26 +7094,26 @@
                     </p:cTn>
                   </p:par>
                   <p:par>
-                    <p:cTn id="22" fill="hold">
+                    <p:cTn id="17" fill="hold">
                       <p:stCondLst>
                         <p:cond delay="indefinite"/>
                       </p:stCondLst>
                       <p:childTnLst>
                         <p:par>
-                          <p:cTn id="23" fill="hold">
+                          <p:cTn id="18" fill="hold">
                             <p:stCondLst>
                               <p:cond delay="0"/>
                             </p:stCondLst>
                             <p:childTnLst>
                               <p:par>
-                                <p:cTn id="24" presetID="53" presetClass="entr" presetSubtype="16" fill="hold" nodeType="clickEffect">
+                                <p:cTn id="19" presetID="53" presetClass="entr" presetSubtype="16" fill="hold" nodeType="clickEffect">
                                   <p:stCondLst>
                                     <p:cond delay="0"/>
                                   </p:stCondLst>
                                   <p:childTnLst>
                                     <p:set>
                                       <p:cBhvr>
-                                        <p:cTn id="25" dur="1" fill="hold">
+                                        <p:cTn id="20" dur="1" fill="hold">
                                           <p:stCondLst>
                                             <p:cond delay="0"/>
                                           </p:stCondLst>
@@ -6884,7 +7135,7 @@
                                     </p:set>
                                     <p:anim calcmode="lin" valueType="num">
                                       <p:cBhvr>
-                                        <p:cTn id="26" dur="500" fill="hold"/>
+                                        <p:cTn id="21" dur="500" fill="hold"/>
                                         <p:tgtEl>
                                           <p:spTgt spid="3">
                                             <p:txEl>
@@ -6911,7 +7162,7 @@
                                     </p:anim>
                                     <p:anim calcmode="lin" valueType="num">
                                       <p:cBhvr>
-                                        <p:cTn id="27" dur="500" fill="hold"/>
+                                        <p:cTn id="22" dur="500" fill="hold"/>
                                         <p:tgtEl>
                                           <p:spTgt spid="3">
                                             <p:txEl>
@@ -6938,7 +7189,7 @@
                                     </p:anim>
                                     <p:animEffect transition="in" filter="fade">
                                       <p:cBhvr>
-                                        <p:cTn id="28" dur="500"/>
+                                        <p:cTn id="23" dur="500"/>
                                         <p:tgtEl>
                                           <p:spTgt spid="3">
                                             <p:txEl>
@@ -6958,26 +7209,26 @@
                     </p:cTn>
                   </p:par>
                   <p:par>
-                    <p:cTn id="29" fill="hold">
+                    <p:cTn id="24" fill="hold">
                       <p:stCondLst>
                         <p:cond delay="indefinite"/>
                       </p:stCondLst>
                       <p:childTnLst>
                         <p:par>
-                          <p:cTn id="30" fill="hold">
+                          <p:cTn id="25" fill="hold">
                             <p:stCondLst>
                               <p:cond delay="0"/>
                             </p:stCondLst>
                             <p:childTnLst>
                               <p:par>
-                                <p:cTn id="31" presetID="53" presetClass="entr" presetSubtype="16" fill="hold" nodeType="clickEffect">
+                                <p:cTn id="26" presetID="53" presetClass="entr" presetSubtype="16" fill="hold" nodeType="clickEffect">
                                   <p:stCondLst>
                                     <p:cond delay="0"/>
                                   </p:stCondLst>
                                   <p:childTnLst>
                                     <p:set>
                                       <p:cBhvr>
-                                        <p:cTn id="32" dur="1" fill="hold">
+                                        <p:cTn id="27" dur="1" fill="hold">
                                           <p:stCondLst>
                                             <p:cond delay="0"/>
                                           </p:stCondLst>
@@ -6999,7 +7250,7 @@
                                     </p:set>
                                     <p:anim calcmode="lin" valueType="num">
                                       <p:cBhvr>
-                                        <p:cTn id="33" dur="500" fill="hold"/>
+                                        <p:cTn id="28" dur="500" fill="hold"/>
                                         <p:tgtEl>
                                           <p:spTgt spid="3">
                                             <p:txEl>
@@ -7026,7 +7277,7 @@
                                     </p:anim>
                                     <p:anim calcmode="lin" valueType="num">
                                       <p:cBhvr>
-                                        <p:cTn id="34" dur="500" fill="hold"/>
+                                        <p:cTn id="29" dur="500" fill="hold"/>
                                         <p:tgtEl>
                                           <p:spTgt spid="3">
                                             <p:txEl>
@@ -7053,7 +7304,7 @@
                                     </p:anim>
                                     <p:animEffect transition="in" filter="fade">
                                       <p:cBhvr>
-                                        <p:cTn id="35" dur="500"/>
+                                        <p:cTn id="30" dur="500"/>
                                         <p:tgtEl>
                                           <p:spTgt spid="3">
                                             <p:txEl>
@@ -7073,26 +7324,26 @@
                     </p:cTn>
                   </p:par>
                   <p:par>
-                    <p:cTn id="36" fill="hold">
+                    <p:cTn id="31" fill="hold">
                       <p:stCondLst>
                         <p:cond delay="indefinite"/>
                       </p:stCondLst>
                       <p:childTnLst>
                         <p:par>
-                          <p:cTn id="37" fill="hold">
+                          <p:cTn id="32" fill="hold">
                             <p:stCondLst>
                               <p:cond delay="0"/>
                             </p:stCondLst>
                             <p:childTnLst>
                               <p:par>
-                                <p:cTn id="38" presetID="53" presetClass="entr" presetSubtype="16" fill="hold" nodeType="clickEffect">
+                                <p:cTn id="33" presetID="53" presetClass="entr" presetSubtype="16" fill="hold" nodeType="clickEffect">
                                   <p:stCondLst>
                                     <p:cond delay="0"/>
                                   </p:stCondLst>
                                   <p:childTnLst>
                                     <p:set>
                                       <p:cBhvr>
-                                        <p:cTn id="39" dur="1" fill="hold">
+                                        <p:cTn id="34" dur="1" fill="hold">
                                           <p:stCondLst>
                                             <p:cond delay="0"/>
                                           </p:stCondLst>
@@ -7114,7 +7365,7 @@
                                     </p:set>
                                     <p:anim calcmode="lin" valueType="num">
                                       <p:cBhvr>
-                                        <p:cTn id="40" dur="500" fill="hold"/>
+                                        <p:cTn id="35" dur="500" fill="hold"/>
                                         <p:tgtEl>
                                           <p:spTgt spid="3">
                                             <p:txEl>
@@ -7141,7 +7392,7 @@
                                     </p:anim>
                                     <p:anim calcmode="lin" valueType="num">
                                       <p:cBhvr>
-                                        <p:cTn id="41" dur="500" fill="hold"/>
+                                        <p:cTn id="36" dur="500" fill="hold"/>
                                         <p:tgtEl>
                                           <p:spTgt spid="3">
                                             <p:txEl>
@@ -7168,7 +7419,7 @@
                                     </p:anim>
                                     <p:animEffect transition="in" filter="fade">
                                       <p:cBhvr>
-                                        <p:cTn id="42" dur="500"/>
+                                        <p:cTn id="37" dur="500"/>
                                         <p:tgtEl>
                                           <p:spTgt spid="3">
                                             <p:txEl>
@@ -7188,26 +7439,26 @@
                     </p:cTn>
                   </p:par>
                   <p:par>
-                    <p:cTn id="43" fill="hold">
+                    <p:cTn id="38" fill="hold">
                       <p:stCondLst>
                         <p:cond delay="indefinite"/>
                       </p:stCondLst>
                       <p:childTnLst>
                         <p:par>
-                          <p:cTn id="44" fill="hold">
+                          <p:cTn id="39" fill="hold">
                             <p:stCondLst>
                               <p:cond delay="0"/>
                             </p:stCondLst>
                             <p:childTnLst>
                               <p:par>
-                                <p:cTn id="45" presetID="53" presetClass="entr" presetSubtype="16" fill="hold" nodeType="clickEffect">
+                                <p:cTn id="40" presetID="53" presetClass="entr" presetSubtype="16" fill="hold" nodeType="clickEffect">
                                   <p:stCondLst>
                                     <p:cond delay="0"/>
                                   </p:stCondLst>
                                   <p:childTnLst>
                                     <p:set>
                                       <p:cBhvr>
-                                        <p:cTn id="46" dur="1" fill="hold">
+                                        <p:cTn id="41" dur="1" fill="hold">
                                           <p:stCondLst>
                                             <p:cond delay="0"/>
                                           </p:stCondLst>
@@ -7229,7 +7480,7 @@
                                     </p:set>
                                     <p:anim calcmode="lin" valueType="num">
                                       <p:cBhvr>
-                                        <p:cTn id="47" dur="500" fill="hold"/>
+                                        <p:cTn id="42" dur="500" fill="hold"/>
                                         <p:tgtEl>
                                           <p:spTgt spid="3">
                                             <p:txEl>
@@ -7256,7 +7507,7 @@
                                     </p:anim>
                                     <p:anim calcmode="lin" valueType="num">
                                       <p:cBhvr>
-                                        <p:cTn id="48" dur="500" fill="hold"/>
+                                        <p:cTn id="43" dur="500" fill="hold"/>
                                         <p:tgtEl>
                                           <p:spTgt spid="3">
                                             <p:txEl>
@@ -7283,7 +7534,7 @@
                                     </p:anim>
                                     <p:animEffect transition="in" filter="fade">
                                       <p:cBhvr>
-                                        <p:cTn id="49" dur="500"/>
+                                        <p:cTn id="44" dur="500"/>
                                         <p:tgtEl>
                                           <p:spTgt spid="3">
                                             <p:txEl>
@@ -7379,8 +7630,8 @@
         </p:nvSpPr>
         <p:spPr>
           <a:xfrm>
-            <a:off x="467544" y="3933056"/>
-            <a:ext cx="8229600" cy="2725763"/>
+            <a:off x="539552" y="1772816"/>
+            <a:ext cx="8229600" cy="4680520"/>
           </a:xfrm>
         </p:spPr>
         <p:txBody>
@@ -7388,72 +7639,106 @@
           <a:lstStyle/>
           <a:p>
             <a:r>
-              <a:rPr lang="ko-KR" altLang="en-US" sz="3600" dirty="0"/>
-              <a:t>왼쪽에는 </a:t>
+              <a:rPr lang="en-US" altLang="ko-KR" sz="3600" dirty="0" smtClean="0"/>
+              <a:t>R1 Serial</a:t>
+            </a:r>
+            <a:r>
+              <a:rPr lang="ko-KR" altLang="en-US" sz="3600" dirty="0" smtClean="0"/>
+              <a:t> </a:t>
+            </a:r>
+            <a:r>
+              <a:rPr lang="en-US" altLang="ko-KR" sz="3600" dirty="0" smtClean="0"/>
+              <a:t>192.168.2.1</a:t>
+            </a:r>
+            <a:r>
+              <a:rPr lang="en-US" altLang="ko-KR" sz="3600" dirty="0" smtClean="0"/>
+              <a:t> </a:t>
             </a:r>
             <a:r>
               <a:rPr lang="en-US" altLang="ko-KR" sz="3600" dirty="0"/>
-              <a:t>192.168.1.0 / 24 </a:t>
+              <a:t>/ 24 </a:t>
             </a:r>
             <a:endParaRPr lang="en-US" altLang="ko-KR" sz="3600" dirty="0" smtClean="0"/>
           </a:p>
           <a:p>
+            <a:pPr lvl="1"/>
+            <a:r>
+              <a:rPr lang="en-US" altLang="ko-KR" sz="3200" dirty="0" smtClean="0"/>
+              <a:t> fast </a:t>
+            </a:r>
+            <a:r>
+              <a:rPr lang="en-US" altLang="ko-KR" sz="3200" dirty="0" err="1" smtClean="0"/>
+              <a:t>ethernet</a:t>
+            </a:r>
+            <a:r>
+              <a:rPr lang="en-US" altLang="ko-KR" sz="3200" dirty="0" smtClean="0"/>
+              <a:t> 192.168.1.1/24</a:t>
+            </a:r>
+          </a:p>
+          <a:p>
+            <a:pPr lvl="1"/>
+            <a:r>
+              <a:rPr lang="en-US" altLang="ko-KR" sz="3200" dirty="0"/>
+              <a:t>pc </a:t>
+            </a:r>
+            <a:r>
+              <a:rPr lang="en-US" altLang="ko-KR" sz="3200" dirty="0" smtClean="0"/>
+              <a:t>192.168.1.2/24</a:t>
+            </a:r>
+            <a:endParaRPr lang="en-US" altLang="ko-KR" sz="3200" dirty="0" smtClean="0"/>
+          </a:p>
+          <a:p>
+            <a:r>
+              <a:rPr lang="en-US" altLang="ko-KR" sz="3600" dirty="0" smtClean="0"/>
+              <a:t>R2 </a:t>
+            </a:r>
+            <a:r>
+              <a:rPr lang="en-US" altLang="ko-KR" sz="3600" dirty="0"/>
+              <a:t>Serial</a:t>
+            </a:r>
+            <a:r>
+              <a:rPr lang="ko-KR" altLang="en-US" sz="3600" dirty="0" smtClean="0"/>
+              <a:t> </a:t>
+            </a:r>
+            <a:r>
+              <a:rPr lang="en-US" altLang="ko-KR" sz="3600" dirty="0" smtClean="0"/>
+              <a:t>192.168.2.2 </a:t>
+            </a:r>
+            <a:r>
+              <a:rPr lang="en-US" altLang="ko-KR" sz="3600" dirty="0"/>
+              <a:t>/24 </a:t>
+            </a:r>
             <a:endParaRPr lang="en-US" altLang="ko-KR" sz="3600" dirty="0" smtClean="0"/>
           </a:p>
           <a:p>
-            <a:r>
-              <a:rPr lang="ko-KR" altLang="en-US" sz="3600" dirty="0" smtClean="0"/>
-              <a:t>오른쪽에는 </a:t>
-            </a:r>
-            <a:r>
-              <a:rPr lang="en-US" altLang="ko-KR" sz="3600" dirty="0"/>
-              <a:t>192.168.2.0 /24 </a:t>
-            </a:r>
-            <a:endParaRPr lang="ko-KR" altLang="en-US" sz="3600" dirty="0"/>
+            <a:pPr lvl="1"/>
+            <a:r>
+              <a:rPr lang="en-US" altLang="ko-KR" sz="3200" dirty="0" smtClean="0"/>
+              <a:t> Loopback 192.168.3.1/24</a:t>
+            </a:r>
+            <a:endParaRPr lang="en-US" altLang="ko-KR" sz="3200" dirty="0"/>
+          </a:p>
+          <a:p>
+            <a:pPr marL="57150" indent="0">
+              <a:buNone/>
+            </a:pPr>
+            <a:r>
+              <a:rPr lang="en-US" altLang="ko-KR" sz="3600" dirty="0" smtClean="0"/>
+              <a:t>HDLC</a:t>
+            </a:r>
+          </a:p>
+          <a:p>
+            <a:pPr marL="57150" indent="0">
+              <a:buNone/>
+            </a:pPr>
+            <a:r>
+              <a:rPr lang="en-US" altLang="ko-KR" sz="3600" dirty="0" smtClean="0"/>
+              <a:t>64Kbps</a:t>
+            </a:r>
+            <a:endParaRPr lang="en-US" altLang="ko-KR" sz="3600" dirty="0" smtClean="0"/>
           </a:p>
         </p:txBody>
       </p:sp>
-      <p:pic>
-        <p:nvPicPr>
-          <p:cNvPr id="19458" name="Picture 2" descr="http://cfile5.uf.tistory.com/image/144BF8214CC6CC56A69CBF"/>
-          <p:cNvPicPr>
-            <a:picLocks noChangeAspect="1" noChangeArrowheads="1"/>
-          </p:cNvPicPr>
-          <p:nvPr/>
-        </p:nvPicPr>
-        <p:blipFill>
-          <a:blip r:embed="rId2">
-            <a:extLst>
-              <a:ext uri="{28A0092B-C50C-407E-A947-70E740481C1C}">
-                <a14:useLocalDpi xmlns:a14="http://schemas.microsoft.com/office/drawing/2010/main" val="0"/>
-              </a:ext>
-            </a:extLst>
-          </a:blip>
-          <a:srcRect/>
-          <a:stretch>
-            <a:fillRect/>
-          </a:stretch>
-        </p:blipFill>
-        <p:spPr bwMode="auto">
-          <a:xfrm>
-            <a:off x="827584" y="1988840"/>
-            <a:ext cx="6399705" cy="1944216"/>
-          </a:xfrm>
-          <a:prstGeom prst="rect">
-            <a:avLst/>
-          </a:prstGeom>
-          <a:noFill/>
-          <a:extLst>
-            <a:ext uri="{909E8E84-426E-40DD-AFC4-6F175D3DCCD1}">
-              <a14:hiddenFill xmlns:a14="http://schemas.microsoft.com/office/drawing/2010/main">
-                <a:solidFill>
-                  <a:srgbClr val="FFFFFF"/>
-                </a:solidFill>
-              </a14:hiddenFill>
-            </a:ext>
-          </a:extLst>
-        </p:spPr>
-      </p:pic>
     </p:spTree>
     <p:extLst>
       <p:ext uri="{BB962C8B-B14F-4D97-AF65-F5344CB8AC3E}">
@@ -7508,7 +7793,11 @@
           <a:p>
             <a:r>
               <a:rPr lang="ko-KR" altLang="en-US" dirty="0" err="1" smtClean="0"/>
-              <a:t>패킷트레이서</a:t>
+              <a:t>패킷트레이</a:t>
+            </a:r>
+            <a:r>
+              <a:rPr lang="ko-KR" altLang="en-US" dirty="0" err="1"/>
+              <a:t>서</a:t>
             </a:r>
             <a:endParaRPr lang="ko-KR" altLang="en-US" dirty="0"/>
           </a:p>
@@ -7529,19 +7818,19 @@
           <a:bodyPr/>
           <a:lstStyle/>
           <a:p>
-            <a:endParaRPr lang="ko-KR" altLang="en-US" dirty="0"/>
+            <a:endParaRPr lang="ko-KR" altLang="en-US"/>
           </a:p>
         </p:txBody>
       </p:sp>
       <p:pic>
         <p:nvPicPr>
-          <p:cNvPr id="21506" name="Picture 2"/>
+          <p:cNvPr id="3074" name="Picture 2"/>
           <p:cNvPicPr>
             <a:picLocks noChangeAspect="1" noChangeArrowheads="1"/>
           </p:cNvPicPr>
           <p:nvPr/>
         </p:nvPicPr>
-        <p:blipFill>
+        <p:blipFill rotWithShape="1">
           <a:blip r:embed="rId2">
             <a:extLst>
               <a:ext uri="{28A0092B-C50C-407E-A947-70E740481C1C}">
@@ -7549,15 +7838,13 @@
               </a:ext>
             </a:extLst>
           </a:blip>
-          <a:srcRect/>
-          <a:stretch>
-            <a:fillRect/>
-          </a:stretch>
+          <a:srcRect t="3971"/>
+          <a:stretch/>
         </p:blipFill>
         <p:spPr bwMode="auto">
           <a:xfrm>
-            <a:off x="539552" y="1844824"/>
-            <a:ext cx="2520280" cy="3277606"/>
+            <a:off x="251520" y="2076450"/>
+            <a:ext cx="5800725" cy="3859932"/>
           </a:xfrm>
           <a:prstGeom prst="rect">
             <a:avLst/>
@@ -7597,202 +7884,75 @@
           </a:extLst>
         </p:spPr>
       </p:pic>
-      <p:pic>
-        <p:nvPicPr>
-          <p:cNvPr id="21507" name="Picture 3"/>
-          <p:cNvPicPr>
-            <a:picLocks noChangeAspect="1" noChangeArrowheads="1"/>
-          </p:cNvPicPr>
+      <p:sp>
+        <p:nvSpPr>
+          <p:cNvPr id="4" name="직사각형 3"/>
+          <p:cNvSpPr/>
           <p:nvPr/>
-        </p:nvPicPr>
-        <p:blipFill>
-          <a:blip r:embed="rId3">
-            <a:extLst>
-              <a:ext uri="{28A0092B-C50C-407E-A947-70E740481C1C}">
-                <a14:useLocalDpi xmlns:a14="http://schemas.microsoft.com/office/drawing/2010/main" val="0"/>
-              </a:ext>
-            </a:extLst>
-          </a:blip>
-          <a:srcRect/>
-          <a:stretch>
-            <a:fillRect/>
-          </a:stretch>
-        </p:blipFill>
+        </p:nvSpPr>
         <p:spPr bwMode="auto">
           <a:xfrm>
-            <a:off x="5220072" y="1772816"/>
-            <a:ext cx="2582044" cy="3280568"/>
+            <a:off x="251520" y="4869160"/>
+            <a:ext cx="1224136" cy="216024"/>
           </a:xfrm>
           <a:prstGeom prst="rect">
             <a:avLst/>
           </a:prstGeom>
           <a:noFill/>
-          <a:ln>
-            <a:noFill/>
+          <a:ln w="57150" cap="flat" cmpd="sng" algn="ctr">
+            <a:solidFill>
+              <a:srgbClr val="FF0000"/>
+            </a:solidFill>
+            <a:prstDash val="solid"/>
+            <a:round/>
+            <a:headEnd type="none" w="med" len="med"/>
+            <a:tailEnd type="none" w="med" len="med"/>
           </a:ln>
           <a:effectLst/>
-          <a:extLst>
-            <a:ext uri="{909E8E84-426E-40DD-AFC4-6F175D3DCCD1}">
-              <a14:hiddenFill xmlns:a14="http://schemas.microsoft.com/office/drawing/2010/main">
-                <a:solidFill>
-                  <a:schemeClr val="accent1"/>
-                </a:solidFill>
-              </a14:hiddenFill>
-            </a:ext>
-            <a:ext uri="{91240B29-F687-4F45-9708-019B960494DF}">
-              <a14:hiddenLine xmlns:a14="http://schemas.microsoft.com/office/drawing/2010/main" w="9525">
-                <a:solidFill>
-                  <a:schemeClr val="tx1"/>
-                </a:solidFill>
-                <a:miter lim="800000"/>
-                <a:headEnd/>
-                <a:tailEnd/>
-              </a14:hiddenLine>
-            </a:ext>
-            <a:ext uri="{AF507438-7753-43E0-B8FC-AC1667EBCBE1}">
-              <a14:hiddenEffects xmlns:a14="http://schemas.microsoft.com/office/drawing/2010/main">
-                <a:effectLst>
-                  <a:outerShdw dist="35921" dir="2700000" algn="ctr" rotWithShape="0">
-                    <a:schemeClr val="bg2"/>
-                  </a:outerShdw>
-                </a:effectLst>
-              </a14:hiddenEffects>
-            </a:ext>
-          </a:extLst>
+          <a:extLst/>
         </p:spPr>
-      </p:pic>
-      <p:pic>
-        <p:nvPicPr>
-          <p:cNvPr id="21508" name="Picture 4"/>
-          <p:cNvPicPr>
-            <a:picLocks noChangeAspect="1" noChangeArrowheads="1"/>
-          </p:cNvPicPr>
-          <p:nvPr/>
-        </p:nvPicPr>
-        <p:blipFill>
-          <a:blip r:embed="rId4">
-            <a:extLst>
-              <a:ext uri="{28A0092B-C50C-407E-A947-70E740481C1C}">
-                <a14:useLocalDpi xmlns:a14="http://schemas.microsoft.com/office/drawing/2010/main" val="0"/>
-              </a:ext>
-            </a:extLst>
-          </a:blip>
-          <a:srcRect/>
-          <a:stretch>
-            <a:fillRect/>
-          </a:stretch>
-        </p:blipFill>
-        <p:spPr bwMode="auto">
-          <a:xfrm>
-            <a:off x="539552" y="5243462"/>
-            <a:ext cx="2465912" cy="849834"/>
-          </a:xfrm>
-          <a:prstGeom prst="rect">
-            <a:avLst/>
-          </a:prstGeom>
-          <a:noFill/>
-          <a:ln>
-            <a:noFill/>
-          </a:ln>
-          <a:effectLst/>
-          <a:extLst>
-            <a:ext uri="{909E8E84-426E-40DD-AFC4-6F175D3DCCD1}">
-              <a14:hiddenFill xmlns:a14="http://schemas.microsoft.com/office/drawing/2010/main">
-                <a:solidFill>
-                  <a:schemeClr val="accent1"/>
-                </a:solidFill>
-              </a14:hiddenFill>
-            </a:ext>
-            <a:ext uri="{91240B29-F687-4F45-9708-019B960494DF}">
-              <a14:hiddenLine xmlns:a14="http://schemas.microsoft.com/office/drawing/2010/main" w="9525">
-                <a:solidFill>
-                  <a:schemeClr val="tx1"/>
-                </a:solidFill>
-                <a:miter lim="800000"/>
-                <a:headEnd/>
-                <a:tailEnd/>
-              </a14:hiddenLine>
-            </a:ext>
-            <a:ext uri="{AF507438-7753-43E0-B8FC-AC1667EBCBE1}">
-              <a14:hiddenEffects xmlns:a14="http://schemas.microsoft.com/office/drawing/2010/main">
-                <a:effectLst>
-                  <a:outerShdw dist="35921" dir="2700000" algn="ctr" rotWithShape="0">
-                    <a:schemeClr val="bg2"/>
-                  </a:outerShdw>
-                </a:effectLst>
-              </a14:hiddenEffects>
-            </a:ext>
-          </a:extLst>
-        </p:spPr>
-      </p:pic>
-      <p:pic>
-        <p:nvPicPr>
-          <p:cNvPr id="21509" name="Picture 5"/>
-          <p:cNvPicPr>
-            <a:picLocks noChangeAspect="1" noChangeArrowheads="1"/>
-          </p:cNvPicPr>
-          <p:nvPr/>
-        </p:nvPicPr>
-        <p:blipFill>
-          <a:blip r:embed="rId5">
-            <a:extLst>
-              <a:ext uri="{28A0092B-C50C-407E-A947-70E740481C1C}">
-                <a14:useLocalDpi xmlns:a14="http://schemas.microsoft.com/office/drawing/2010/main" val="0"/>
-              </a:ext>
-            </a:extLst>
-          </a:blip>
-          <a:srcRect/>
-          <a:stretch>
-            <a:fillRect/>
-          </a:stretch>
-        </p:blipFill>
-        <p:spPr bwMode="auto">
-          <a:xfrm>
-            <a:off x="5182333" y="5259608"/>
-            <a:ext cx="2605272" cy="833687"/>
-          </a:xfrm>
-          <a:prstGeom prst="rect">
-            <a:avLst/>
-          </a:prstGeom>
-          <a:noFill/>
-          <a:ln>
-            <a:noFill/>
-          </a:ln>
-          <a:effectLst/>
-          <a:extLst>
-            <a:ext uri="{909E8E84-426E-40DD-AFC4-6F175D3DCCD1}">
-              <a14:hiddenFill xmlns:a14="http://schemas.microsoft.com/office/drawing/2010/main">
-                <a:solidFill>
-                  <a:schemeClr val="accent1"/>
-                </a:solidFill>
-              </a14:hiddenFill>
-            </a:ext>
-            <a:ext uri="{91240B29-F687-4F45-9708-019B960494DF}">
-              <a14:hiddenLine xmlns:a14="http://schemas.microsoft.com/office/drawing/2010/main" w="9525">
-                <a:solidFill>
-                  <a:schemeClr val="tx1"/>
-                </a:solidFill>
-                <a:miter lim="800000"/>
-                <a:headEnd/>
-                <a:tailEnd/>
-              </a14:hiddenLine>
-            </a:ext>
-            <a:ext uri="{AF507438-7753-43E0-B8FC-AC1667EBCBE1}">
-              <a14:hiddenEffects xmlns:a14="http://schemas.microsoft.com/office/drawing/2010/main">
-                <a:effectLst>
-                  <a:outerShdw dist="35921" dir="2700000" algn="ctr" rotWithShape="0">
-                    <a:schemeClr val="bg2"/>
-                  </a:outerShdw>
-                </a:effectLst>
-              </a14:hiddenEffects>
-            </a:ext>
-          </a:extLst>
-        </p:spPr>
-      </p:pic>
+        <p:txBody>
+          <a:bodyPr vert="horz" wrap="square" lIns="91440" tIns="45720" rIns="91440" bIns="45720" numCol="1" rtlCol="0" anchor="t" anchorCtr="0" compatLnSpc="1">
+            <a:prstTxWarp prst="textNoShape">
+              <a:avLst/>
+            </a:prstTxWarp>
+          </a:bodyPr>
+          <a:lstStyle/>
+          <a:p>
+            <a:pPr marL="0" marR="0" indent="0" algn="l" defTabSz="914400" rtl="0" eaLnBrk="1" fontAlgn="base" latinLnBrk="0" hangingPunct="1">
+              <a:lnSpc>
+                <a:spcPct val="100000"/>
+              </a:lnSpc>
+              <a:spcBef>
+                <a:spcPct val="0"/>
+              </a:spcBef>
+              <a:spcAft>
+                <a:spcPct val="0"/>
+              </a:spcAft>
+              <a:buClrTx/>
+              <a:buSzTx/>
+              <a:buFontTx/>
+              <a:buNone/>
+              <a:tabLst/>
+            </a:pPr>
+            <a:endParaRPr kumimoji="0" lang="ko-KR" altLang="en-US" sz="1800" b="0" i="0" u="none" strike="noStrike" cap="none" normalizeH="0" baseline="0" smtClean="0">
+              <a:ln>
+                <a:noFill/>
+              </a:ln>
+              <a:solidFill>
+                <a:schemeClr val="tx1"/>
+              </a:solidFill>
+              <a:effectLst/>
+              <a:latin typeface="Arial" charset="0"/>
+              <a:cs typeface="Arial" charset="0"/>
+            </a:endParaRPr>
+          </a:p>
+        </p:txBody>
+      </p:sp>
     </p:spTree>
     <p:extLst>
       <p:ext uri="{BB962C8B-B14F-4D97-AF65-F5344CB8AC3E}">
-        <p14:creationId xmlns:p14="http://schemas.microsoft.com/office/powerpoint/2010/main" val="3541051662"/>
+        <p14:creationId xmlns:p14="http://schemas.microsoft.com/office/powerpoint/2010/main" val="1903043458"/>
       </p:ext>
     </p:extLst>
   </p:cSld>
@@ -7820,7 +7980,7 @@
                             </p:stCondLst>
                             <p:childTnLst>
                               <p:par>
-                                <p:cTn id="5" presetID="10" presetClass="entr" presetSubtype="0" fill="hold" nodeType="clickEffect">
+                                <p:cTn id="5" presetID="16" presetClass="entr" presetSubtype="21" fill="hold" grpId="0" nodeType="clickEffect">
                                   <p:stCondLst>
                                     <p:cond delay="0"/>
                                   </p:stCondLst>
@@ -7833,7 +7993,7 @@
                                           </p:stCondLst>
                                         </p:cTn>
                                         <p:tgtEl>
-                                          <p:spTgt spid="21506"/>
+                                          <p:spTgt spid="4"/>
                                         </p:tgtEl>
                                         <p:attrNameLst>
                                           <p:attrName>style.visibility</p:attrName>
@@ -7843,170 +8003,11 @@
                                         <p:strVal val="visible"/>
                                       </p:to>
                                     </p:set>
-                                    <p:animEffect transition="in" filter="fade">
+                                    <p:animEffect transition="in" filter="barn(inVertical)">
                                       <p:cBhvr>
                                         <p:cTn id="7" dur="500"/>
                                         <p:tgtEl>
-                                          <p:spTgt spid="21506"/>
-                                        </p:tgtEl>
-                                      </p:cBhvr>
-                                    </p:animEffect>
-                                  </p:childTnLst>
-                                </p:cTn>
-                              </p:par>
-                            </p:childTnLst>
-                          </p:cTn>
-                        </p:par>
-                      </p:childTnLst>
-                    </p:cTn>
-                  </p:par>
-                  <p:par>
-                    <p:cTn id="8" fill="hold">
-                      <p:stCondLst>
-                        <p:cond delay="indefinite"/>
-                      </p:stCondLst>
-                      <p:childTnLst>
-                        <p:par>
-                          <p:cTn id="9" fill="hold">
-                            <p:stCondLst>
-                              <p:cond delay="0"/>
-                            </p:stCondLst>
-                            <p:childTnLst>
-                              <p:par>
-                                <p:cTn id="10" presetID="10" presetClass="entr" presetSubtype="0" fill="hold" nodeType="clickEffect">
-                                  <p:stCondLst>
-                                    <p:cond delay="0"/>
-                                  </p:stCondLst>
-                                  <p:childTnLst>
-                                    <p:set>
-                                      <p:cBhvr>
-                                        <p:cTn id="11" dur="1" fill="hold">
-                                          <p:stCondLst>
-                                            <p:cond delay="0"/>
-                                          </p:stCondLst>
-                                        </p:cTn>
-                                        <p:tgtEl>
-                                          <p:spTgt spid="21507"/>
-                                        </p:tgtEl>
-                                        <p:attrNameLst>
-                                          <p:attrName>style.visibility</p:attrName>
-                                        </p:attrNameLst>
-                                      </p:cBhvr>
-                                      <p:to>
-                                        <p:strVal val="visible"/>
-                                      </p:to>
-                                    </p:set>
-                                    <p:animEffect transition="in" filter="fade">
-                                      <p:cBhvr>
-                                        <p:cTn id="12" dur="500"/>
-                                        <p:tgtEl>
-                                          <p:spTgt spid="21507"/>
-                                        </p:tgtEl>
-                                      </p:cBhvr>
-                                    </p:animEffect>
-                                  </p:childTnLst>
-                                </p:cTn>
-                              </p:par>
-                            </p:childTnLst>
-                          </p:cTn>
-                        </p:par>
-                      </p:childTnLst>
-                    </p:cTn>
-                  </p:par>
-                  <p:par>
-                    <p:cTn id="13" fill="hold">
-                      <p:stCondLst>
-                        <p:cond delay="indefinite"/>
-                      </p:stCondLst>
-                      <p:childTnLst>
-                        <p:par>
-                          <p:cTn id="14" fill="hold">
-                            <p:stCondLst>
-                              <p:cond delay="0"/>
-                            </p:stCondLst>
-                            <p:childTnLst>
-                              <p:par>
-                                <p:cTn id="15" presetID="10" presetClass="entr" presetSubtype="0" fill="hold" nodeType="clickEffect">
-                                  <p:stCondLst>
-                                    <p:cond delay="0"/>
-                                  </p:stCondLst>
-                                  <p:childTnLst>
-                                    <p:set>
-                                      <p:cBhvr>
-                                        <p:cTn id="16" dur="1" fill="hold">
-                                          <p:stCondLst>
-                                            <p:cond delay="0"/>
-                                          </p:stCondLst>
-                                        </p:cTn>
-                                        <p:tgtEl>
-                                          <p:spTgt spid="21508"/>
-                                        </p:tgtEl>
-                                        <p:attrNameLst>
-                                          <p:attrName>style.visibility</p:attrName>
-                                        </p:attrNameLst>
-                                      </p:cBhvr>
-                                      <p:to>
-                                        <p:strVal val="visible"/>
-                                      </p:to>
-                                    </p:set>
-                                    <p:animEffect transition="in" filter="fade">
-                                      <p:cBhvr>
-                                        <p:cTn id="17" dur="500"/>
-                                        <p:tgtEl>
-                                          <p:spTgt spid="21508"/>
-                                        </p:tgtEl>
-                                      </p:cBhvr>
-                                    </p:animEffect>
-                                  </p:childTnLst>
-                                </p:cTn>
-                              </p:par>
-                            </p:childTnLst>
-                          </p:cTn>
-                        </p:par>
-                      </p:childTnLst>
-                    </p:cTn>
-                  </p:par>
-                  <p:par>
-                    <p:cTn id="18" fill="hold">
-                      <p:stCondLst>
-                        <p:cond delay="indefinite"/>
-                      </p:stCondLst>
-                      <p:childTnLst>
-                        <p:par>
-                          <p:cTn id="19" fill="hold">
-                            <p:stCondLst>
-                              <p:cond delay="0"/>
-                            </p:stCondLst>
-                            <p:childTnLst>
-                              <p:par>
-                                <p:cTn id="20" presetID="10" presetClass="entr" presetSubtype="0" fill="hold" nodeType="clickEffect">
-                                  <p:stCondLst>
-                                    <p:cond delay="0"/>
-                                  </p:stCondLst>
-                                  <p:childTnLst>
-                                    <p:set>
-                                      <p:cBhvr>
-                                        <p:cTn id="21" dur="1" fill="hold">
-                                          <p:stCondLst>
-                                            <p:cond delay="0"/>
-                                          </p:stCondLst>
-                                        </p:cTn>
-                                        <p:tgtEl>
-                                          <p:spTgt spid="21509"/>
-                                        </p:tgtEl>
-                                        <p:attrNameLst>
-                                          <p:attrName>style.visibility</p:attrName>
-                                        </p:attrNameLst>
-                                      </p:cBhvr>
-                                      <p:to>
-                                        <p:strVal val="visible"/>
-                                      </p:to>
-                                    </p:set>
-                                    <p:animEffect transition="in" filter="fade">
-                                      <p:cBhvr>
-                                        <p:cTn id="22" dur="500"/>
-                                        <p:tgtEl>
-                                          <p:spTgt spid="21509"/>
+                                          <p:spTgt spid="4"/>
                                         </p:tgtEl>
                                       </p:cBhvr>
                                     </p:animEffect>
@@ -8040,6 +8041,9 @@
         </p:cTn>
       </p:par>
     </p:tnLst>
+    <p:bldLst>
+      <p:bldP spid="4" grpId="0" animBg="1"/>
+    </p:bldLst>
   </p:timing>
 </p:sld>
 </file>
@@ -8299,13 +8303,6 @@
               </a:rPr>
               <a:t>serial</a:t>
             </a:r>
-            <a:endParaRPr lang="en-US" altLang="ko-KR" sz="4400" b="1" dirty="0" smtClean="0">
-              <a:solidFill>
-                <a:srgbClr val="002060"/>
-              </a:solidFill>
-              <a:latin typeface="HY강M" pitchFamily="18" charset="-127"/>
-              <a:ea typeface="HY강M" pitchFamily="18" charset="-127"/>
-            </a:endParaRPr>
           </a:p>
           <a:p>
             <a:pPr marL="342900" indent="-342900">
@@ -8380,6 +8377,3686 @@
 </file>
 
 <file path=ppt/slides/slide20.xml><?xml version="1.0" encoding="utf-8"?>
+<p:sld xmlns:a="http://schemas.openxmlformats.org/drawingml/2006/main" xmlns:r="http://schemas.openxmlformats.org/officeDocument/2006/relationships" xmlns:p="http://schemas.openxmlformats.org/presentationml/2006/main">
+  <p:cSld>
+    <p:spTree>
+      <p:nvGrpSpPr>
+        <p:cNvPr id="1" name=""/>
+        <p:cNvGrpSpPr/>
+        <p:nvPr/>
+      </p:nvGrpSpPr>
+      <p:grpSpPr>
+        <a:xfrm>
+          <a:off x="0" y="0"/>
+          <a:ext cx="0" cy="0"/>
+          <a:chOff x="0" y="0"/>
+          <a:chExt cx="0" cy="0"/>
+        </a:xfrm>
+      </p:grpSpPr>
+      <p:pic>
+        <p:nvPicPr>
+          <p:cNvPr id="9219" name="Picture 3"/>
+          <p:cNvPicPr>
+            <a:picLocks noChangeAspect="1" noChangeArrowheads="1"/>
+          </p:cNvPicPr>
+          <p:nvPr/>
+        </p:nvPicPr>
+        <p:blipFill>
+          <a:blip r:embed="rId2">
+            <a:extLst>
+              <a:ext uri="{28A0092B-C50C-407E-A947-70E740481C1C}">
+                <a14:useLocalDpi xmlns:a14="http://schemas.microsoft.com/office/drawing/2010/main" val="0"/>
+              </a:ext>
+            </a:extLst>
+          </a:blip>
+          <a:srcRect/>
+          <a:stretch>
+            <a:fillRect/>
+          </a:stretch>
+        </p:blipFill>
+        <p:spPr bwMode="auto">
+          <a:xfrm>
+            <a:off x="4061842" y="2204864"/>
+            <a:ext cx="4476750" cy="2362200"/>
+          </a:xfrm>
+          <a:prstGeom prst="rect">
+            <a:avLst/>
+          </a:prstGeom>
+          <a:noFill/>
+          <a:ln>
+            <a:noFill/>
+          </a:ln>
+          <a:effectLst/>
+          <a:extLst>
+            <a:ext uri="{909E8E84-426E-40DD-AFC4-6F175D3DCCD1}">
+              <a14:hiddenFill xmlns:a14="http://schemas.microsoft.com/office/drawing/2010/main">
+                <a:solidFill>
+                  <a:schemeClr val="accent1"/>
+                </a:solidFill>
+              </a14:hiddenFill>
+            </a:ext>
+            <a:ext uri="{91240B29-F687-4F45-9708-019B960494DF}">
+              <a14:hiddenLine xmlns:a14="http://schemas.microsoft.com/office/drawing/2010/main" w="9525">
+                <a:solidFill>
+                  <a:schemeClr val="tx1"/>
+                </a:solidFill>
+                <a:miter lim="800000"/>
+                <a:headEnd/>
+                <a:tailEnd/>
+              </a14:hiddenLine>
+            </a:ext>
+            <a:ext uri="{AF507438-7753-43E0-B8FC-AC1667EBCBE1}">
+              <a14:hiddenEffects xmlns:a14="http://schemas.microsoft.com/office/drawing/2010/main">
+                <a:effectLst>
+                  <a:outerShdw dist="35921" dir="2700000" algn="ctr" rotWithShape="0">
+                    <a:schemeClr val="bg2"/>
+                  </a:outerShdw>
+                </a:effectLst>
+              </a14:hiddenEffects>
+            </a:ext>
+          </a:extLst>
+        </p:spPr>
+      </p:pic>
+      <p:sp>
+        <p:nvSpPr>
+          <p:cNvPr id="2" name="제목 1"/>
+          <p:cNvSpPr>
+            <a:spLocks noGrp="1"/>
+          </p:cNvSpPr>
+          <p:nvPr>
+            <p:ph type="title"/>
+          </p:nvPr>
+        </p:nvSpPr>
+        <p:spPr/>
+        <p:txBody>
+          <a:bodyPr/>
+          <a:lstStyle/>
+          <a:p>
+            <a:r>
+              <a:rPr lang="ko-KR" altLang="en-US" dirty="0" err="1" smtClean="0"/>
+              <a:t>패킷트레이서</a:t>
+            </a:r>
+            <a:endParaRPr lang="ko-KR" altLang="en-US" dirty="0"/>
+          </a:p>
+        </p:txBody>
+      </p:sp>
+      <p:pic>
+        <p:nvPicPr>
+          <p:cNvPr id="9218" name="Picture 2"/>
+          <p:cNvPicPr>
+            <a:picLocks noChangeAspect="1" noChangeArrowheads="1"/>
+          </p:cNvPicPr>
+          <p:nvPr/>
+        </p:nvPicPr>
+        <p:blipFill>
+          <a:blip r:embed="rId3">
+            <a:extLst>
+              <a:ext uri="{28A0092B-C50C-407E-A947-70E740481C1C}">
+                <a14:useLocalDpi xmlns:a14="http://schemas.microsoft.com/office/drawing/2010/main" val="0"/>
+              </a:ext>
+            </a:extLst>
+          </a:blip>
+          <a:srcRect/>
+          <a:stretch>
+            <a:fillRect/>
+          </a:stretch>
+        </p:blipFill>
+        <p:spPr bwMode="auto">
+          <a:xfrm>
+            <a:off x="467544" y="2420888"/>
+            <a:ext cx="6588516" cy="2338586"/>
+          </a:xfrm>
+          <a:prstGeom prst="rect">
+            <a:avLst/>
+          </a:prstGeom>
+          <a:noFill/>
+          <a:ln>
+            <a:noFill/>
+          </a:ln>
+          <a:effectLst/>
+          <a:extLst>
+            <a:ext uri="{909E8E84-426E-40DD-AFC4-6F175D3DCCD1}">
+              <a14:hiddenFill xmlns:a14="http://schemas.microsoft.com/office/drawing/2010/main">
+                <a:solidFill>
+                  <a:schemeClr val="accent1"/>
+                </a:solidFill>
+              </a14:hiddenFill>
+            </a:ext>
+            <a:ext uri="{91240B29-F687-4F45-9708-019B960494DF}">
+              <a14:hiddenLine xmlns:a14="http://schemas.microsoft.com/office/drawing/2010/main" w="9525">
+                <a:solidFill>
+                  <a:schemeClr val="tx1"/>
+                </a:solidFill>
+                <a:miter lim="800000"/>
+                <a:headEnd/>
+                <a:tailEnd/>
+              </a14:hiddenLine>
+            </a:ext>
+            <a:ext uri="{AF507438-7753-43E0-B8FC-AC1667EBCBE1}">
+              <a14:hiddenEffects xmlns:a14="http://schemas.microsoft.com/office/drawing/2010/main">
+                <a:effectLst>
+                  <a:outerShdw dist="35921" dir="2700000" algn="ctr" rotWithShape="0">
+                    <a:schemeClr val="bg2"/>
+                  </a:outerShdw>
+                </a:effectLst>
+              </a14:hiddenEffects>
+            </a:ext>
+          </a:extLst>
+        </p:spPr>
+      </p:pic>
+    </p:spTree>
+    <p:extLst>
+      <p:ext uri="{BB962C8B-B14F-4D97-AF65-F5344CB8AC3E}">
+        <p14:creationId xmlns:p14="http://schemas.microsoft.com/office/powerpoint/2010/main" val="2880620297"/>
+      </p:ext>
+    </p:extLst>
+  </p:cSld>
+  <p:clrMapOvr>
+    <a:masterClrMapping/>
+  </p:clrMapOvr>
+  <p:timing>
+    <p:tnLst>
+      <p:par>
+        <p:cTn id="1" dur="indefinite" restart="never" nodeType="tmRoot">
+          <p:childTnLst>
+            <p:seq concurrent="1" nextAc="seek">
+              <p:cTn id="2" dur="indefinite" nodeType="mainSeq">
+                <p:childTnLst>
+                  <p:par>
+                    <p:cTn id="3" fill="hold">
+                      <p:stCondLst>
+                        <p:cond delay="indefinite"/>
+                      </p:stCondLst>
+                      <p:childTnLst>
+                        <p:par>
+                          <p:cTn id="4" fill="hold">
+                            <p:stCondLst>
+                              <p:cond delay="0"/>
+                            </p:stCondLst>
+                            <p:childTnLst>
+                              <p:par>
+                                <p:cTn id="5" presetID="2" presetClass="entr" presetSubtype="4" fill="hold" nodeType="clickEffect">
+                                  <p:stCondLst>
+                                    <p:cond delay="0"/>
+                                  </p:stCondLst>
+                                  <p:childTnLst>
+                                    <p:set>
+                                      <p:cBhvr>
+                                        <p:cTn id="6" dur="1" fill="hold">
+                                          <p:stCondLst>
+                                            <p:cond delay="0"/>
+                                          </p:stCondLst>
+                                        </p:cTn>
+                                        <p:tgtEl>
+                                          <p:spTgt spid="9219"/>
+                                        </p:tgtEl>
+                                        <p:attrNameLst>
+                                          <p:attrName>style.visibility</p:attrName>
+                                        </p:attrNameLst>
+                                      </p:cBhvr>
+                                      <p:to>
+                                        <p:strVal val="visible"/>
+                                      </p:to>
+                                    </p:set>
+                                    <p:anim calcmode="lin" valueType="num">
+                                      <p:cBhvr additive="base">
+                                        <p:cTn id="7" dur="500" fill="hold"/>
+                                        <p:tgtEl>
+                                          <p:spTgt spid="9219"/>
+                                        </p:tgtEl>
+                                        <p:attrNameLst>
+                                          <p:attrName>ppt_x</p:attrName>
+                                        </p:attrNameLst>
+                                      </p:cBhvr>
+                                      <p:tavLst>
+                                        <p:tav tm="0">
+                                          <p:val>
+                                            <p:strVal val="#ppt_x"/>
+                                          </p:val>
+                                        </p:tav>
+                                        <p:tav tm="100000">
+                                          <p:val>
+                                            <p:strVal val="#ppt_x"/>
+                                          </p:val>
+                                        </p:tav>
+                                      </p:tavLst>
+                                    </p:anim>
+                                    <p:anim calcmode="lin" valueType="num">
+                                      <p:cBhvr additive="base">
+                                        <p:cTn id="8" dur="500" fill="hold"/>
+                                        <p:tgtEl>
+                                          <p:spTgt spid="9219"/>
+                                        </p:tgtEl>
+                                        <p:attrNameLst>
+                                          <p:attrName>ppt_y</p:attrName>
+                                        </p:attrNameLst>
+                                      </p:cBhvr>
+                                      <p:tavLst>
+                                        <p:tav tm="0">
+                                          <p:val>
+                                            <p:strVal val="1+#ppt_h/2"/>
+                                          </p:val>
+                                        </p:tav>
+                                        <p:tav tm="100000">
+                                          <p:val>
+                                            <p:strVal val="#ppt_y"/>
+                                          </p:val>
+                                        </p:tav>
+                                      </p:tavLst>
+                                    </p:anim>
+                                  </p:childTnLst>
+                                </p:cTn>
+                              </p:par>
+                            </p:childTnLst>
+                          </p:cTn>
+                        </p:par>
+                      </p:childTnLst>
+                    </p:cTn>
+                  </p:par>
+                  <p:par>
+                    <p:cTn id="9" fill="hold">
+                      <p:stCondLst>
+                        <p:cond delay="indefinite"/>
+                      </p:stCondLst>
+                      <p:childTnLst>
+                        <p:par>
+                          <p:cTn id="10" fill="hold">
+                            <p:stCondLst>
+                              <p:cond delay="0"/>
+                            </p:stCondLst>
+                            <p:childTnLst>
+                              <p:par>
+                                <p:cTn id="11" presetID="31" presetClass="entr" presetSubtype="0" fill="hold" nodeType="clickEffect">
+                                  <p:stCondLst>
+                                    <p:cond delay="0"/>
+                                  </p:stCondLst>
+                                  <p:childTnLst>
+                                    <p:set>
+                                      <p:cBhvr>
+                                        <p:cTn id="12" dur="1" fill="hold">
+                                          <p:stCondLst>
+                                            <p:cond delay="0"/>
+                                          </p:stCondLst>
+                                        </p:cTn>
+                                        <p:tgtEl>
+                                          <p:spTgt spid="9218"/>
+                                        </p:tgtEl>
+                                        <p:attrNameLst>
+                                          <p:attrName>style.visibility</p:attrName>
+                                        </p:attrNameLst>
+                                      </p:cBhvr>
+                                      <p:to>
+                                        <p:strVal val="visible"/>
+                                      </p:to>
+                                    </p:set>
+                                    <p:anim calcmode="lin" valueType="num">
+                                      <p:cBhvr>
+                                        <p:cTn id="13" dur="1000" fill="hold"/>
+                                        <p:tgtEl>
+                                          <p:spTgt spid="9218"/>
+                                        </p:tgtEl>
+                                        <p:attrNameLst>
+                                          <p:attrName>ppt_w</p:attrName>
+                                        </p:attrNameLst>
+                                      </p:cBhvr>
+                                      <p:tavLst>
+                                        <p:tav tm="0">
+                                          <p:val>
+                                            <p:fltVal val="0"/>
+                                          </p:val>
+                                        </p:tav>
+                                        <p:tav tm="100000">
+                                          <p:val>
+                                            <p:strVal val="#ppt_w"/>
+                                          </p:val>
+                                        </p:tav>
+                                      </p:tavLst>
+                                    </p:anim>
+                                    <p:anim calcmode="lin" valueType="num">
+                                      <p:cBhvr>
+                                        <p:cTn id="14" dur="1000" fill="hold"/>
+                                        <p:tgtEl>
+                                          <p:spTgt spid="9218"/>
+                                        </p:tgtEl>
+                                        <p:attrNameLst>
+                                          <p:attrName>ppt_h</p:attrName>
+                                        </p:attrNameLst>
+                                      </p:cBhvr>
+                                      <p:tavLst>
+                                        <p:tav tm="0">
+                                          <p:val>
+                                            <p:fltVal val="0"/>
+                                          </p:val>
+                                        </p:tav>
+                                        <p:tav tm="100000">
+                                          <p:val>
+                                            <p:strVal val="#ppt_h"/>
+                                          </p:val>
+                                        </p:tav>
+                                      </p:tavLst>
+                                    </p:anim>
+                                    <p:anim calcmode="lin" valueType="num">
+                                      <p:cBhvr>
+                                        <p:cTn id="15" dur="1000" fill="hold"/>
+                                        <p:tgtEl>
+                                          <p:spTgt spid="9218"/>
+                                        </p:tgtEl>
+                                        <p:attrNameLst>
+                                          <p:attrName>style.rotation</p:attrName>
+                                        </p:attrNameLst>
+                                      </p:cBhvr>
+                                      <p:tavLst>
+                                        <p:tav tm="0">
+                                          <p:val>
+                                            <p:fltVal val="90"/>
+                                          </p:val>
+                                        </p:tav>
+                                        <p:tav tm="100000">
+                                          <p:val>
+                                            <p:fltVal val="0"/>
+                                          </p:val>
+                                        </p:tav>
+                                      </p:tavLst>
+                                    </p:anim>
+                                    <p:animEffect transition="in" filter="fade">
+                                      <p:cBhvr>
+                                        <p:cTn id="16" dur="1000"/>
+                                        <p:tgtEl>
+                                          <p:spTgt spid="9218"/>
+                                        </p:tgtEl>
+                                      </p:cBhvr>
+                                    </p:animEffect>
+                                  </p:childTnLst>
+                                </p:cTn>
+                              </p:par>
+                            </p:childTnLst>
+                          </p:cTn>
+                        </p:par>
+                      </p:childTnLst>
+                    </p:cTn>
+                  </p:par>
+                </p:childTnLst>
+              </p:cTn>
+              <p:prevCondLst>
+                <p:cond evt="onPrev" delay="0">
+                  <p:tgtEl>
+                    <p:sldTgt/>
+                  </p:tgtEl>
+                </p:cond>
+              </p:prevCondLst>
+              <p:nextCondLst>
+                <p:cond evt="onNext" delay="0">
+                  <p:tgtEl>
+                    <p:sldTgt/>
+                  </p:tgtEl>
+                </p:cond>
+              </p:nextCondLst>
+            </p:seq>
+          </p:childTnLst>
+        </p:cTn>
+      </p:par>
+    </p:tnLst>
+  </p:timing>
+</p:sld>
+</file>
+
+<file path=ppt/slides/slide21.xml><?xml version="1.0" encoding="utf-8"?>
+<p:sld xmlns:a="http://schemas.openxmlformats.org/drawingml/2006/main" xmlns:r="http://schemas.openxmlformats.org/officeDocument/2006/relationships" xmlns:p="http://schemas.openxmlformats.org/presentationml/2006/main">
+  <p:cSld>
+    <p:spTree>
+      <p:nvGrpSpPr>
+        <p:cNvPr id="1" name=""/>
+        <p:cNvGrpSpPr/>
+        <p:nvPr/>
+      </p:nvGrpSpPr>
+      <p:grpSpPr>
+        <a:xfrm>
+          <a:off x="0" y="0"/>
+          <a:ext cx="0" cy="0"/>
+          <a:chOff x="0" y="0"/>
+          <a:chExt cx="0" cy="0"/>
+        </a:xfrm>
+      </p:grpSpPr>
+      <p:sp>
+        <p:nvSpPr>
+          <p:cNvPr id="2" name="제목 1"/>
+          <p:cNvSpPr>
+            <a:spLocks noGrp="1"/>
+          </p:cNvSpPr>
+          <p:nvPr>
+            <p:ph type="title"/>
+          </p:nvPr>
+        </p:nvSpPr>
+        <p:spPr/>
+        <p:txBody>
+          <a:bodyPr/>
+          <a:lstStyle/>
+          <a:p>
+            <a:r>
+              <a:rPr lang="en-US" altLang="ko-KR" dirty="0" smtClean="0"/>
+              <a:t>R1(Ethernet)</a:t>
+            </a:r>
+            <a:endParaRPr lang="ko-KR" altLang="en-US" dirty="0"/>
+          </a:p>
+        </p:txBody>
+      </p:sp>
+      <p:sp>
+        <p:nvSpPr>
+          <p:cNvPr id="3" name="내용 개체 틀 2"/>
+          <p:cNvSpPr>
+            <a:spLocks noGrp="1"/>
+          </p:cNvSpPr>
+          <p:nvPr>
+            <p:ph idx="1"/>
+          </p:nvPr>
+        </p:nvSpPr>
+        <p:spPr/>
+        <p:txBody>
+          <a:bodyPr/>
+          <a:lstStyle/>
+          <a:p>
+            <a:endParaRPr lang="ko-KR" altLang="en-US" dirty="0"/>
+          </a:p>
+        </p:txBody>
+      </p:sp>
+      <p:pic>
+        <p:nvPicPr>
+          <p:cNvPr id="4098" name="Picture 2"/>
+          <p:cNvPicPr>
+            <a:picLocks noChangeAspect="1" noChangeArrowheads="1"/>
+          </p:cNvPicPr>
+          <p:nvPr/>
+        </p:nvPicPr>
+        <p:blipFill>
+          <a:blip r:embed="rId2">
+            <a:extLst>
+              <a:ext uri="{28A0092B-C50C-407E-A947-70E740481C1C}">
+                <a14:useLocalDpi xmlns:a14="http://schemas.microsoft.com/office/drawing/2010/main" val="0"/>
+              </a:ext>
+            </a:extLst>
+          </a:blip>
+          <a:srcRect/>
+          <a:stretch>
+            <a:fillRect/>
+          </a:stretch>
+        </p:blipFill>
+        <p:spPr bwMode="auto">
+          <a:xfrm>
+            <a:off x="469454" y="1838003"/>
+            <a:ext cx="4888235" cy="360040"/>
+          </a:xfrm>
+          <a:prstGeom prst="rect">
+            <a:avLst/>
+          </a:prstGeom>
+          <a:noFill/>
+          <a:ln>
+            <a:noFill/>
+          </a:ln>
+          <a:effectLst/>
+          <a:extLst>
+            <a:ext uri="{909E8E84-426E-40DD-AFC4-6F175D3DCCD1}">
+              <a14:hiddenFill xmlns:a14="http://schemas.microsoft.com/office/drawing/2010/main">
+                <a:solidFill>
+                  <a:schemeClr val="accent1"/>
+                </a:solidFill>
+              </a14:hiddenFill>
+            </a:ext>
+            <a:ext uri="{91240B29-F687-4F45-9708-019B960494DF}">
+              <a14:hiddenLine xmlns:a14="http://schemas.microsoft.com/office/drawing/2010/main" w="9525">
+                <a:solidFill>
+                  <a:schemeClr val="tx1"/>
+                </a:solidFill>
+                <a:miter lim="800000"/>
+                <a:headEnd/>
+                <a:tailEnd/>
+              </a14:hiddenLine>
+            </a:ext>
+            <a:ext uri="{AF507438-7753-43E0-B8FC-AC1667EBCBE1}">
+              <a14:hiddenEffects xmlns:a14="http://schemas.microsoft.com/office/drawing/2010/main">
+                <a:effectLst>
+                  <a:outerShdw dist="35921" dir="2700000" algn="ctr" rotWithShape="0">
+                    <a:schemeClr val="bg2"/>
+                  </a:outerShdw>
+                </a:effectLst>
+              </a14:hiddenEffects>
+            </a:ext>
+          </a:extLst>
+        </p:spPr>
+      </p:pic>
+      <p:pic>
+        <p:nvPicPr>
+          <p:cNvPr id="4099" name="Picture 3"/>
+          <p:cNvPicPr>
+            <a:picLocks noChangeAspect="1" noChangeArrowheads="1"/>
+          </p:cNvPicPr>
+          <p:nvPr/>
+        </p:nvPicPr>
+        <p:blipFill>
+          <a:blip r:embed="rId3">
+            <a:extLst>
+              <a:ext uri="{28A0092B-C50C-407E-A947-70E740481C1C}">
+                <a14:useLocalDpi xmlns:a14="http://schemas.microsoft.com/office/drawing/2010/main" val="0"/>
+              </a:ext>
+            </a:extLst>
+          </a:blip>
+          <a:srcRect/>
+          <a:stretch>
+            <a:fillRect/>
+          </a:stretch>
+        </p:blipFill>
+        <p:spPr bwMode="auto">
+          <a:xfrm>
+            <a:off x="467544" y="2409699"/>
+            <a:ext cx="5565330" cy="936104"/>
+          </a:xfrm>
+          <a:prstGeom prst="rect">
+            <a:avLst/>
+          </a:prstGeom>
+          <a:noFill/>
+          <a:ln>
+            <a:noFill/>
+          </a:ln>
+          <a:effectLst/>
+          <a:extLst>
+            <a:ext uri="{909E8E84-426E-40DD-AFC4-6F175D3DCCD1}">
+              <a14:hiddenFill xmlns:a14="http://schemas.microsoft.com/office/drawing/2010/main">
+                <a:solidFill>
+                  <a:schemeClr val="accent1"/>
+                </a:solidFill>
+              </a14:hiddenFill>
+            </a:ext>
+            <a:ext uri="{91240B29-F687-4F45-9708-019B960494DF}">
+              <a14:hiddenLine xmlns:a14="http://schemas.microsoft.com/office/drawing/2010/main" w="9525">
+                <a:solidFill>
+                  <a:schemeClr val="tx1"/>
+                </a:solidFill>
+                <a:miter lim="800000"/>
+                <a:headEnd/>
+                <a:tailEnd/>
+              </a14:hiddenLine>
+            </a:ext>
+            <a:ext uri="{AF507438-7753-43E0-B8FC-AC1667EBCBE1}">
+              <a14:hiddenEffects xmlns:a14="http://schemas.microsoft.com/office/drawing/2010/main">
+                <a:effectLst>
+                  <a:outerShdw dist="35921" dir="2700000" algn="ctr" rotWithShape="0">
+                    <a:schemeClr val="bg2"/>
+                  </a:outerShdw>
+                </a:effectLst>
+              </a14:hiddenEffects>
+            </a:ext>
+          </a:extLst>
+        </p:spPr>
+      </p:pic>
+      <p:pic>
+        <p:nvPicPr>
+          <p:cNvPr id="4101" name="Picture 5"/>
+          <p:cNvPicPr>
+            <a:picLocks noChangeAspect="1" noChangeArrowheads="1"/>
+          </p:cNvPicPr>
+          <p:nvPr/>
+        </p:nvPicPr>
+        <p:blipFill rotWithShape="1">
+          <a:blip r:embed="rId4">
+            <a:extLst>
+              <a:ext uri="{28A0092B-C50C-407E-A947-70E740481C1C}">
+                <a14:useLocalDpi xmlns:a14="http://schemas.microsoft.com/office/drawing/2010/main" val="0"/>
+              </a:ext>
+            </a:extLst>
+          </a:blip>
+          <a:srcRect l="878"/>
+          <a:stretch/>
+        </p:blipFill>
+        <p:spPr bwMode="auto">
+          <a:xfrm>
+            <a:off x="469454" y="4225182"/>
+            <a:ext cx="3782913" cy="367356"/>
+          </a:xfrm>
+          <a:prstGeom prst="rect">
+            <a:avLst/>
+          </a:prstGeom>
+          <a:noFill/>
+          <a:ln>
+            <a:noFill/>
+          </a:ln>
+          <a:effectLst/>
+          <a:extLst>
+            <a:ext uri="{909E8E84-426E-40DD-AFC4-6F175D3DCCD1}">
+              <a14:hiddenFill xmlns:a14="http://schemas.microsoft.com/office/drawing/2010/main">
+                <a:solidFill>
+                  <a:schemeClr val="accent1"/>
+                </a:solidFill>
+              </a14:hiddenFill>
+            </a:ext>
+            <a:ext uri="{91240B29-F687-4F45-9708-019B960494DF}">
+              <a14:hiddenLine xmlns:a14="http://schemas.microsoft.com/office/drawing/2010/main" w="9525">
+                <a:solidFill>
+                  <a:schemeClr val="tx1"/>
+                </a:solidFill>
+                <a:miter lim="800000"/>
+                <a:headEnd/>
+                <a:tailEnd/>
+              </a14:hiddenLine>
+            </a:ext>
+            <a:ext uri="{AF507438-7753-43E0-B8FC-AC1667EBCBE1}">
+              <a14:hiddenEffects xmlns:a14="http://schemas.microsoft.com/office/drawing/2010/main">
+                <a:effectLst>
+                  <a:outerShdw dist="35921" dir="2700000" algn="ctr" rotWithShape="0">
+                    <a:schemeClr val="bg2"/>
+                  </a:outerShdw>
+                </a:effectLst>
+              </a14:hiddenEffects>
+            </a:ext>
+          </a:extLst>
+        </p:spPr>
+      </p:pic>
+      <p:pic>
+        <p:nvPicPr>
+          <p:cNvPr id="4102" name="Picture 6"/>
+          <p:cNvPicPr>
+            <a:picLocks noChangeAspect="1" noChangeArrowheads="1"/>
+          </p:cNvPicPr>
+          <p:nvPr/>
+        </p:nvPicPr>
+        <p:blipFill>
+          <a:blip r:embed="rId5">
+            <a:extLst>
+              <a:ext uri="{28A0092B-C50C-407E-A947-70E740481C1C}">
+                <a14:useLocalDpi xmlns:a14="http://schemas.microsoft.com/office/drawing/2010/main" val="0"/>
+              </a:ext>
+            </a:extLst>
+          </a:blip>
+          <a:srcRect/>
+          <a:stretch>
+            <a:fillRect/>
+          </a:stretch>
+        </p:blipFill>
+        <p:spPr bwMode="auto">
+          <a:xfrm>
+            <a:off x="469454" y="3345803"/>
+            <a:ext cx="4913023" cy="621527"/>
+          </a:xfrm>
+          <a:prstGeom prst="rect">
+            <a:avLst/>
+          </a:prstGeom>
+          <a:noFill/>
+          <a:ln>
+            <a:noFill/>
+          </a:ln>
+          <a:effectLst/>
+          <a:extLst>
+            <a:ext uri="{909E8E84-426E-40DD-AFC4-6F175D3DCCD1}">
+              <a14:hiddenFill xmlns:a14="http://schemas.microsoft.com/office/drawing/2010/main">
+                <a:solidFill>
+                  <a:schemeClr val="accent1"/>
+                </a:solidFill>
+              </a14:hiddenFill>
+            </a:ext>
+            <a:ext uri="{91240B29-F687-4F45-9708-019B960494DF}">
+              <a14:hiddenLine xmlns:a14="http://schemas.microsoft.com/office/drawing/2010/main" w="9525">
+                <a:solidFill>
+                  <a:schemeClr val="tx1"/>
+                </a:solidFill>
+                <a:miter lim="800000"/>
+                <a:headEnd/>
+                <a:tailEnd/>
+              </a14:hiddenLine>
+            </a:ext>
+            <a:ext uri="{AF507438-7753-43E0-B8FC-AC1667EBCBE1}">
+              <a14:hiddenEffects xmlns:a14="http://schemas.microsoft.com/office/drawing/2010/main">
+                <a:effectLst>
+                  <a:outerShdw dist="35921" dir="2700000" algn="ctr" rotWithShape="0">
+                    <a:schemeClr val="bg2"/>
+                  </a:outerShdw>
+                </a:effectLst>
+              </a14:hiddenEffects>
+            </a:ext>
+          </a:extLst>
+        </p:spPr>
+      </p:pic>
+    </p:spTree>
+    <p:extLst>
+      <p:ext uri="{BB962C8B-B14F-4D97-AF65-F5344CB8AC3E}">
+        <p14:creationId xmlns:p14="http://schemas.microsoft.com/office/powerpoint/2010/main" val="3530655822"/>
+      </p:ext>
+    </p:extLst>
+  </p:cSld>
+  <p:clrMapOvr>
+    <a:masterClrMapping/>
+  </p:clrMapOvr>
+  <p:timing>
+    <p:tnLst>
+      <p:par>
+        <p:cTn id="1" dur="indefinite" restart="never" nodeType="tmRoot">
+          <p:childTnLst>
+            <p:seq concurrent="1" nextAc="seek">
+              <p:cTn id="2" dur="indefinite" nodeType="mainSeq">
+                <p:childTnLst>
+                  <p:par>
+                    <p:cTn id="3" fill="hold">
+                      <p:stCondLst>
+                        <p:cond delay="indefinite"/>
+                      </p:stCondLst>
+                      <p:childTnLst>
+                        <p:par>
+                          <p:cTn id="4" fill="hold">
+                            <p:stCondLst>
+                              <p:cond delay="0"/>
+                            </p:stCondLst>
+                            <p:childTnLst>
+                              <p:par>
+                                <p:cTn id="5" presetID="1" presetClass="entr" presetSubtype="0" fill="hold" nodeType="clickEffect">
+                                  <p:stCondLst>
+                                    <p:cond delay="0"/>
+                                  </p:stCondLst>
+                                  <p:childTnLst>
+                                    <p:set>
+                                      <p:cBhvr>
+                                        <p:cTn id="6" dur="1" fill="hold">
+                                          <p:stCondLst>
+                                            <p:cond delay="0"/>
+                                          </p:stCondLst>
+                                        </p:cTn>
+                                        <p:tgtEl>
+                                          <p:spTgt spid="4098"/>
+                                        </p:tgtEl>
+                                        <p:attrNameLst>
+                                          <p:attrName>style.visibility</p:attrName>
+                                        </p:attrNameLst>
+                                      </p:cBhvr>
+                                      <p:to>
+                                        <p:strVal val="visible"/>
+                                      </p:to>
+                                    </p:set>
+                                  </p:childTnLst>
+                                </p:cTn>
+                              </p:par>
+                            </p:childTnLst>
+                          </p:cTn>
+                        </p:par>
+                      </p:childTnLst>
+                    </p:cTn>
+                  </p:par>
+                  <p:par>
+                    <p:cTn id="7" fill="hold">
+                      <p:stCondLst>
+                        <p:cond delay="indefinite"/>
+                      </p:stCondLst>
+                      <p:childTnLst>
+                        <p:par>
+                          <p:cTn id="8" fill="hold">
+                            <p:stCondLst>
+                              <p:cond delay="0"/>
+                            </p:stCondLst>
+                            <p:childTnLst>
+                              <p:par>
+                                <p:cTn id="9" presetID="1" presetClass="entr" presetSubtype="0" fill="hold" nodeType="clickEffect">
+                                  <p:stCondLst>
+                                    <p:cond delay="0"/>
+                                  </p:stCondLst>
+                                  <p:childTnLst>
+                                    <p:set>
+                                      <p:cBhvr>
+                                        <p:cTn id="10" dur="1" fill="hold">
+                                          <p:stCondLst>
+                                            <p:cond delay="0"/>
+                                          </p:stCondLst>
+                                        </p:cTn>
+                                        <p:tgtEl>
+                                          <p:spTgt spid="4099"/>
+                                        </p:tgtEl>
+                                        <p:attrNameLst>
+                                          <p:attrName>style.visibility</p:attrName>
+                                        </p:attrNameLst>
+                                      </p:cBhvr>
+                                      <p:to>
+                                        <p:strVal val="visible"/>
+                                      </p:to>
+                                    </p:set>
+                                  </p:childTnLst>
+                                </p:cTn>
+                              </p:par>
+                            </p:childTnLst>
+                          </p:cTn>
+                        </p:par>
+                      </p:childTnLst>
+                    </p:cTn>
+                  </p:par>
+                  <p:par>
+                    <p:cTn id="11" fill="hold">
+                      <p:stCondLst>
+                        <p:cond delay="indefinite"/>
+                      </p:stCondLst>
+                      <p:childTnLst>
+                        <p:par>
+                          <p:cTn id="12" fill="hold">
+                            <p:stCondLst>
+                              <p:cond delay="0"/>
+                            </p:stCondLst>
+                            <p:childTnLst>
+                              <p:par>
+                                <p:cTn id="13" presetID="1" presetClass="entr" presetSubtype="0" fill="hold" nodeType="clickEffect">
+                                  <p:stCondLst>
+                                    <p:cond delay="0"/>
+                                  </p:stCondLst>
+                                  <p:childTnLst>
+                                    <p:set>
+                                      <p:cBhvr>
+                                        <p:cTn id="14" dur="1" fill="hold">
+                                          <p:stCondLst>
+                                            <p:cond delay="0"/>
+                                          </p:stCondLst>
+                                        </p:cTn>
+                                        <p:tgtEl>
+                                          <p:spTgt spid="4102"/>
+                                        </p:tgtEl>
+                                        <p:attrNameLst>
+                                          <p:attrName>style.visibility</p:attrName>
+                                        </p:attrNameLst>
+                                      </p:cBhvr>
+                                      <p:to>
+                                        <p:strVal val="visible"/>
+                                      </p:to>
+                                    </p:set>
+                                  </p:childTnLst>
+                                </p:cTn>
+                              </p:par>
+                            </p:childTnLst>
+                          </p:cTn>
+                        </p:par>
+                      </p:childTnLst>
+                    </p:cTn>
+                  </p:par>
+                  <p:par>
+                    <p:cTn id="15" fill="hold">
+                      <p:stCondLst>
+                        <p:cond delay="indefinite"/>
+                      </p:stCondLst>
+                      <p:childTnLst>
+                        <p:par>
+                          <p:cTn id="16" fill="hold">
+                            <p:stCondLst>
+                              <p:cond delay="0"/>
+                            </p:stCondLst>
+                            <p:childTnLst>
+                              <p:par>
+                                <p:cTn id="17" presetID="1" presetClass="entr" presetSubtype="0" fill="hold" nodeType="clickEffect">
+                                  <p:stCondLst>
+                                    <p:cond delay="0"/>
+                                  </p:stCondLst>
+                                  <p:childTnLst>
+                                    <p:set>
+                                      <p:cBhvr>
+                                        <p:cTn id="18" dur="1" fill="hold">
+                                          <p:stCondLst>
+                                            <p:cond delay="0"/>
+                                          </p:stCondLst>
+                                        </p:cTn>
+                                        <p:tgtEl>
+                                          <p:spTgt spid="4101"/>
+                                        </p:tgtEl>
+                                        <p:attrNameLst>
+                                          <p:attrName>style.visibility</p:attrName>
+                                        </p:attrNameLst>
+                                      </p:cBhvr>
+                                      <p:to>
+                                        <p:strVal val="visible"/>
+                                      </p:to>
+                                    </p:set>
+                                  </p:childTnLst>
+                                </p:cTn>
+                              </p:par>
+                            </p:childTnLst>
+                          </p:cTn>
+                        </p:par>
+                      </p:childTnLst>
+                    </p:cTn>
+                  </p:par>
+                </p:childTnLst>
+              </p:cTn>
+              <p:prevCondLst>
+                <p:cond evt="onPrev" delay="0">
+                  <p:tgtEl>
+                    <p:sldTgt/>
+                  </p:tgtEl>
+                </p:cond>
+              </p:prevCondLst>
+              <p:nextCondLst>
+                <p:cond evt="onNext" delay="0">
+                  <p:tgtEl>
+                    <p:sldTgt/>
+                  </p:tgtEl>
+                </p:cond>
+              </p:nextCondLst>
+            </p:seq>
+          </p:childTnLst>
+        </p:cTn>
+      </p:par>
+    </p:tnLst>
+  </p:timing>
+</p:sld>
+</file>
+
+<file path=ppt/slides/slide22.xml><?xml version="1.0" encoding="utf-8"?>
+<p:sld xmlns:a="http://schemas.openxmlformats.org/drawingml/2006/main" xmlns:r="http://schemas.openxmlformats.org/officeDocument/2006/relationships" xmlns:p="http://schemas.openxmlformats.org/presentationml/2006/main">
+  <p:cSld>
+    <p:spTree>
+      <p:nvGrpSpPr>
+        <p:cNvPr id="1" name=""/>
+        <p:cNvGrpSpPr/>
+        <p:nvPr/>
+      </p:nvGrpSpPr>
+      <p:grpSpPr>
+        <a:xfrm>
+          <a:off x="0" y="0"/>
+          <a:ext cx="0" cy="0"/>
+          <a:chOff x="0" y="0"/>
+          <a:chExt cx="0" cy="0"/>
+        </a:xfrm>
+      </p:grpSpPr>
+      <p:sp>
+        <p:nvSpPr>
+          <p:cNvPr id="2" name="제목 1"/>
+          <p:cNvSpPr>
+            <a:spLocks noGrp="1"/>
+          </p:cNvSpPr>
+          <p:nvPr>
+            <p:ph type="title"/>
+          </p:nvPr>
+        </p:nvSpPr>
+        <p:spPr/>
+        <p:txBody>
+          <a:bodyPr/>
+          <a:lstStyle/>
+          <a:p>
+            <a:r>
+              <a:rPr lang="en-US" altLang="ko-KR" dirty="0" smtClean="0"/>
+              <a:t>R1(Serial)</a:t>
+            </a:r>
+            <a:endParaRPr lang="ko-KR" altLang="en-US" dirty="0"/>
+          </a:p>
+        </p:txBody>
+      </p:sp>
+      <p:sp>
+        <p:nvSpPr>
+          <p:cNvPr id="3" name="내용 개체 틀 2"/>
+          <p:cNvSpPr>
+            <a:spLocks noGrp="1"/>
+          </p:cNvSpPr>
+          <p:nvPr>
+            <p:ph idx="1"/>
+          </p:nvPr>
+        </p:nvSpPr>
+        <p:spPr/>
+        <p:txBody>
+          <a:bodyPr/>
+          <a:lstStyle/>
+          <a:p>
+            <a:endParaRPr lang="ko-KR" altLang="en-US" dirty="0"/>
+          </a:p>
+        </p:txBody>
+      </p:sp>
+      <p:pic>
+        <p:nvPicPr>
+          <p:cNvPr id="5122" name="Picture 2"/>
+          <p:cNvPicPr>
+            <a:picLocks noChangeAspect="1" noChangeArrowheads="1"/>
+          </p:cNvPicPr>
+          <p:nvPr/>
+        </p:nvPicPr>
+        <p:blipFill>
+          <a:blip r:embed="rId2">
+            <a:extLst>
+              <a:ext uri="{28A0092B-C50C-407E-A947-70E740481C1C}">
+                <a14:useLocalDpi xmlns:a14="http://schemas.microsoft.com/office/drawing/2010/main" val="0"/>
+              </a:ext>
+            </a:extLst>
+          </a:blip>
+          <a:srcRect/>
+          <a:stretch>
+            <a:fillRect/>
+          </a:stretch>
+        </p:blipFill>
+        <p:spPr bwMode="auto">
+          <a:xfrm>
+            <a:off x="467544" y="1772816"/>
+            <a:ext cx="5400600" cy="720080"/>
+          </a:xfrm>
+          <a:prstGeom prst="rect">
+            <a:avLst/>
+          </a:prstGeom>
+          <a:noFill/>
+          <a:ln>
+            <a:noFill/>
+          </a:ln>
+          <a:effectLst/>
+          <a:extLst>
+            <a:ext uri="{909E8E84-426E-40DD-AFC4-6F175D3DCCD1}">
+              <a14:hiddenFill xmlns:a14="http://schemas.microsoft.com/office/drawing/2010/main">
+                <a:solidFill>
+                  <a:schemeClr val="accent1"/>
+                </a:solidFill>
+              </a14:hiddenFill>
+            </a:ext>
+            <a:ext uri="{91240B29-F687-4F45-9708-019B960494DF}">
+              <a14:hiddenLine xmlns:a14="http://schemas.microsoft.com/office/drawing/2010/main" w="9525">
+                <a:solidFill>
+                  <a:schemeClr val="tx1"/>
+                </a:solidFill>
+                <a:miter lim="800000"/>
+                <a:headEnd/>
+                <a:tailEnd/>
+              </a14:hiddenLine>
+            </a:ext>
+            <a:ext uri="{AF507438-7753-43E0-B8FC-AC1667EBCBE1}">
+              <a14:hiddenEffects xmlns:a14="http://schemas.microsoft.com/office/drawing/2010/main">
+                <a:effectLst>
+                  <a:outerShdw dist="35921" dir="2700000" algn="ctr" rotWithShape="0">
+                    <a:schemeClr val="bg2"/>
+                  </a:outerShdw>
+                </a:effectLst>
+              </a14:hiddenEffects>
+            </a:ext>
+          </a:extLst>
+        </p:spPr>
+      </p:pic>
+      <p:pic>
+        <p:nvPicPr>
+          <p:cNvPr id="5123" name="Picture 3"/>
+          <p:cNvPicPr>
+            <a:picLocks noChangeAspect="1" noChangeArrowheads="1"/>
+          </p:cNvPicPr>
+          <p:nvPr/>
+        </p:nvPicPr>
+        <p:blipFill>
+          <a:blip r:embed="rId3">
+            <a:extLst>
+              <a:ext uri="{28A0092B-C50C-407E-A947-70E740481C1C}">
+                <a14:useLocalDpi xmlns:a14="http://schemas.microsoft.com/office/drawing/2010/main" val="0"/>
+              </a:ext>
+            </a:extLst>
+          </a:blip>
+          <a:srcRect/>
+          <a:stretch>
+            <a:fillRect/>
+          </a:stretch>
+        </p:blipFill>
+        <p:spPr bwMode="auto">
+          <a:xfrm>
+            <a:off x="467544" y="2852936"/>
+            <a:ext cx="6444716" cy="504056"/>
+          </a:xfrm>
+          <a:prstGeom prst="rect">
+            <a:avLst/>
+          </a:prstGeom>
+          <a:noFill/>
+          <a:ln>
+            <a:noFill/>
+          </a:ln>
+          <a:effectLst/>
+          <a:extLst>
+            <a:ext uri="{909E8E84-426E-40DD-AFC4-6F175D3DCCD1}">
+              <a14:hiddenFill xmlns:a14="http://schemas.microsoft.com/office/drawing/2010/main">
+                <a:solidFill>
+                  <a:schemeClr val="accent1"/>
+                </a:solidFill>
+              </a14:hiddenFill>
+            </a:ext>
+            <a:ext uri="{91240B29-F687-4F45-9708-019B960494DF}">
+              <a14:hiddenLine xmlns:a14="http://schemas.microsoft.com/office/drawing/2010/main" w="9525">
+                <a:solidFill>
+                  <a:schemeClr val="tx1"/>
+                </a:solidFill>
+                <a:miter lim="800000"/>
+                <a:headEnd/>
+                <a:tailEnd/>
+              </a14:hiddenLine>
+            </a:ext>
+            <a:ext uri="{AF507438-7753-43E0-B8FC-AC1667EBCBE1}">
+              <a14:hiddenEffects xmlns:a14="http://schemas.microsoft.com/office/drawing/2010/main">
+                <a:effectLst>
+                  <a:outerShdw dist="35921" dir="2700000" algn="ctr" rotWithShape="0">
+                    <a:schemeClr val="bg2"/>
+                  </a:outerShdw>
+                </a:effectLst>
+              </a14:hiddenEffects>
+            </a:ext>
+          </a:extLst>
+        </p:spPr>
+      </p:pic>
+      <p:pic>
+        <p:nvPicPr>
+          <p:cNvPr id="5124" name="Picture 4"/>
+          <p:cNvPicPr>
+            <a:picLocks noChangeAspect="1" noChangeArrowheads="1"/>
+          </p:cNvPicPr>
+          <p:nvPr/>
+        </p:nvPicPr>
+        <p:blipFill>
+          <a:blip r:embed="rId4">
+            <a:extLst>
+              <a:ext uri="{28A0092B-C50C-407E-A947-70E740481C1C}">
+                <a14:useLocalDpi xmlns:a14="http://schemas.microsoft.com/office/drawing/2010/main" val="0"/>
+              </a:ext>
+            </a:extLst>
+          </a:blip>
+          <a:srcRect/>
+          <a:stretch>
+            <a:fillRect/>
+          </a:stretch>
+        </p:blipFill>
+        <p:spPr bwMode="auto">
+          <a:xfrm>
+            <a:off x="463402" y="3717031"/>
+            <a:ext cx="6480729" cy="720081"/>
+          </a:xfrm>
+          <a:prstGeom prst="rect">
+            <a:avLst/>
+          </a:prstGeom>
+          <a:noFill/>
+          <a:ln>
+            <a:noFill/>
+          </a:ln>
+          <a:effectLst/>
+          <a:extLst>
+            <a:ext uri="{909E8E84-426E-40DD-AFC4-6F175D3DCCD1}">
+              <a14:hiddenFill xmlns:a14="http://schemas.microsoft.com/office/drawing/2010/main">
+                <a:solidFill>
+                  <a:schemeClr val="accent1"/>
+                </a:solidFill>
+              </a14:hiddenFill>
+            </a:ext>
+            <a:ext uri="{91240B29-F687-4F45-9708-019B960494DF}">
+              <a14:hiddenLine xmlns:a14="http://schemas.microsoft.com/office/drawing/2010/main" w="9525">
+                <a:solidFill>
+                  <a:schemeClr val="tx1"/>
+                </a:solidFill>
+                <a:miter lim="800000"/>
+                <a:headEnd/>
+                <a:tailEnd/>
+              </a14:hiddenLine>
+            </a:ext>
+            <a:ext uri="{AF507438-7753-43E0-B8FC-AC1667EBCBE1}">
+              <a14:hiddenEffects xmlns:a14="http://schemas.microsoft.com/office/drawing/2010/main">
+                <a:effectLst>
+                  <a:outerShdw dist="35921" dir="2700000" algn="ctr" rotWithShape="0">
+                    <a:schemeClr val="bg2"/>
+                  </a:outerShdw>
+                </a:effectLst>
+              </a14:hiddenEffects>
+            </a:ext>
+          </a:extLst>
+        </p:spPr>
+      </p:pic>
+      <p:pic>
+        <p:nvPicPr>
+          <p:cNvPr id="5125" name="Picture 5"/>
+          <p:cNvPicPr>
+            <a:picLocks noChangeAspect="1" noChangeArrowheads="1"/>
+          </p:cNvPicPr>
+          <p:nvPr/>
+        </p:nvPicPr>
+        <p:blipFill>
+          <a:blip r:embed="rId5">
+            <a:extLst>
+              <a:ext uri="{28A0092B-C50C-407E-A947-70E740481C1C}">
+                <a14:useLocalDpi xmlns:a14="http://schemas.microsoft.com/office/drawing/2010/main" val="0"/>
+              </a:ext>
+            </a:extLst>
+          </a:blip>
+          <a:srcRect/>
+          <a:stretch>
+            <a:fillRect/>
+          </a:stretch>
+        </p:blipFill>
+        <p:spPr bwMode="auto">
+          <a:xfrm>
+            <a:off x="463401" y="4797152"/>
+            <a:ext cx="4147661" cy="648072"/>
+          </a:xfrm>
+          <a:prstGeom prst="rect">
+            <a:avLst/>
+          </a:prstGeom>
+          <a:noFill/>
+          <a:ln>
+            <a:noFill/>
+          </a:ln>
+          <a:effectLst/>
+          <a:extLst>
+            <a:ext uri="{909E8E84-426E-40DD-AFC4-6F175D3DCCD1}">
+              <a14:hiddenFill xmlns:a14="http://schemas.microsoft.com/office/drawing/2010/main">
+                <a:solidFill>
+                  <a:schemeClr val="accent1"/>
+                </a:solidFill>
+              </a14:hiddenFill>
+            </a:ext>
+            <a:ext uri="{91240B29-F687-4F45-9708-019B960494DF}">
+              <a14:hiddenLine xmlns:a14="http://schemas.microsoft.com/office/drawing/2010/main" w="9525">
+                <a:solidFill>
+                  <a:schemeClr val="tx1"/>
+                </a:solidFill>
+                <a:miter lim="800000"/>
+                <a:headEnd/>
+                <a:tailEnd/>
+              </a14:hiddenLine>
+            </a:ext>
+            <a:ext uri="{AF507438-7753-43E0-B8FC-AC1667EBCBE1}">
+              <a14:hiddenEffects xmlns:a14="http://schemas.microsoft.com/office/drawing/2010/main">
+                <a:effectLst>
+                  <a:outerShdw dist="35921" dir="2700000" algn="ctr" rotWithShape="0">
+                    <a:schemeClr val="bg2"/>
+                  </a:outerShdw>
+                </a:effectLst>
+              </a14:hiddenEffects>
+            </a:ext>
+          </a:extLst>
+        </p:spPr>
+      </p:pic>
+      <p:pic>
+        <p:nvPicPr>
+          <p:cNvPr id="9" name="Picture 5"/>
+          <p:cNvPicPr>
+            <a:picLocks noChangeAspect="1" noChangeArrowheads="1"/>
+          </p:cNvPicPr>
+          <p:nvPr/>
+        </p:nvPicPr>
+        <p:blipFill rotWithShape="1">
+          <a:blip r:embed="rId6">
+            <a:extLst>
+              <a:ext uri="{28A0092B-C50C-407E-A947-70E740481C1C}">
+                <a14:useLocalDpi xmlns:a14="http://schemas.microsoft.com/office/drawing/2010/main" val="0"/>
+              </a:ext>
+            </a:extLst>
+          </a:blip>
+          <a:srcRect l="2424"/>
+          <a:stretch/>
+        </p:blipFill>
+        <p:spPr bwMode="auto">
+          <a:xfrm>
+            <a:off x="435943" y="5672484"/>
+            <a:ext cx="4995727" cy="492819"/>
+          </a:xfrm>
+          <a:prstGeom prst="rect">
+            <a:avLst/>
+          </a:prstGeom>
+          <a:noFill/>
+          <a:ln>
+            <a:noFill/>
+          </a:ln>
+          <a:effectLst/>
+          <a:extLst>
+            <a:ext uri="{909E8E84-426E-40DD-AFC4-6F175D3DCCD1}">
+              <a14:hiddenFill xmlns:a14="http://schemas.microsoft.com/office/drawing/2010/main">
+                <a:solidFill>
+                  <a:schemeClr val="accent1"/>
+                </a:solidFill>
+              </a14:hiddenFill>
+            </a:ext>
+            <a:ext uri="{91240B29-F687-4F45-9708-019B960494DF}">
+              <a14:hiddenLine xmlns:a14="http://schemas.microsoft.com/office/drawing/2010/main" w="9525">
+                <a:solidFill>
+                  <a:schemeClr val="tx1"/>
+                </a:solidFill>
+                <a:miter lim="800000"/>
+                <a:headEnd/>
+                <a:tailEnd/>
+              </a14:hiddenLine>
+            </a:ext>
+            <a:ext uri="{AF507438-7753-43E0-B8FC-AC1667EBCBE1}">
+              <a14:hiddenEffects xmlns:a14="http://schemas.microsoft.com/office/drawing/2010/main">
+                <a:effectLst>
+                  <a:outerShdw dist="35921" dir="2700000" algn="ctr" rotWithShape="0">
+                    <a:schemeClr val="bg2"/>
+                  </a:outerShdw>
+                </a:effectLst>
+              </a14:hiddenEffects>
+            </a:ext>
+          </a:extLst>
+        </p:spPr>
+      </p:pic>
+    </p:spTree>
+    <p:extLst>
+      <p:ext uri="{BB962C8B-B14F-4D97-AF65-F5344CB8AC3E}">
+        <p14:creationId xmlns:p14="http://schemas.microsoft.com/office/powerpoint/2010/main" val="1797634252"/>
+      </p:ext>
+    </p:extLst>
+  </p:cSld>
+  <p:clrMapOvr>
+    <a:masterClrMapping/>
+  </p:clrMapOvr>
+  <p:timing>
+    <p:tnLst>
+      <p:par>
+        <p:cTn id="1" dur="indefinite" restart="never" nodeType="tmRoot">
+          <p:childTnLst>
+            <p:seq concurrent="1" nextAc="seek">
+              <p:cTn id="2" dur="indefinite" nodeType="mainSeq">
+                <p:childTnLst>
+                  <p:par>
+                    <p:cTn id="3" fill="hold">
+                      <p:stCondLst>
+                        <p:cond delay="indefinite"/>
+                      </p:stCondLst>
+                      <p:childTnLst>
+                        <p:par>
+                          <p:cTn id="4" fill="hold">
+                            <p:stCondLst>
+                              <p:cond delay="0"/>
+                            </p:stCondLst>
+                            <p:childTnLst>
+                              <p:par>
+                                <p:cTn id="5" presetID="1" presetClass="entr" presetSubtype="0" fill="hold" nodeType="clickEffect">
+                                  <p:stCondLst>
+                                    <p:cond delay="0"/>
+                                  </p:stCondLst>
+                                  <p:childTnLst>
+                                    <p:set>
+                                      <p:cBhvr>
+                                        <p:cTn id="6" dur="1" fill="hold">
+                                          <p:stCondLst>
+                                            <p:cond delay="0"/>
+                                          </p:stCondLst>
+                                        </p:cTn>
+                                        <p:tgtEl>
+                                          <p:spTgt spid="5122"/>
+                                        </p:tgtEl>
+                                        <p:attrNameLst>
+                                          <p:attrName>style.visibility</p:attrName>
+                                        </p:attrNameLst>
+                                      </p:cBhvr>
+                                      <p:to>
+                                        <p:strVal val="visible"/>
+                                      </p:to>
+                                    </p:set>
+                                  </p:childTnLst>
+                                </p:cTn>
+                              </p:par>
+                            </p:childTnLst>
+                          </p:cTn>
+                        </p:par>
+                      </p:childTnLst>
+                    </p:cTn>
+                  </p:par>
+                  <p:par>
+                    <p:cTn id="7" fill="hold">
+                      <p:stCondLst>
+                        <p:cond delay="indefinite"/>
+                      </p:stCondLst>
+                      <p:childTnLst>
+                        <p:par>
+                          <p:cTn id="8" fill="hold">
+                            <p:stCondLst>
+                              <p:cond delay="0"/>
+                            </p:stCondLst>
+                            <p:childTnLst>
+                              <p:par>
+                                <p:cTn id="9" presetID="1" presetClass="entr" presetSubtype="0" fill="hold" nodeType="clickEffect">
+                                  <p:stCondLst>
+                                    <p:cond delay="0"/>
+                                  </p:stCondLst>
+                                  <p:childTnLst>
+                                    <p:set>
+                                      <p:cBhvr>
+                                        <p:cTn id="10" dur="1" fill="hold">
+                                          <p:stCondLst>
+                                            <p:cond delay="0"/>
+                                          </p:stCondLst>
+                                        </p:cTn>
+                                        <p:tgtEl>
+                                          <p:spTgt spid="5123"/>
+                                        </p:tgtEl>
+                                        <p:attrNameLst>
+                                          <p:attrName>style.visibility</p:attrName>
+                                        </p:attrNameLst>
+                                      </p:cBhvr>
+                                      <p:to>
+                                        <p:strVal val="visible"/>
+                                      </p:to>
+                                    </p:set>
+                                  </p:childTnLst>
+                                </p:cTn>
+                              </p:par>
+                            </p:childTnLst>
+                          </p:cTn>
+                        </p:par>
+                      </p:childTnLst>
+                    </p:cTn>
+                  </p:par>
+                  <p:par>
+                    <p:cTn id="11" fill="hold">
+                      <p:stCondLst>
+                        <p:cond delay="indefinite"/>
+                      </p:stCondLst>
+                      <p:childTnLst>
+                        <p:par>
+                          <p:cTn id="12" fill="hold">
+                            <p:stCondLst>
+                              <p:cond delay="0"/>
+                            </p:stCondLst>
+                            <p:childTnLst>
+                              <p:par>
+                                <p:cTn id="13" presetID="1" presetClass="entr" presetSubtype="0" fill="hold" nodeType="clickEffect">
+                                  <p:stCondLst>
+                                    <p:cond delay="0"/>
+                                  </p:stCondLst>
+                                  <p:childTnLst>
+                                    <p:set>
+                                      <p:cBhvr>
+                                        <p:cTn id="14" dur="1" fill="hold">
+                                          <p:stCondLst>
+                                            <p:cond delay="0"/>
+                                          </p:stCondLst>
+                                        </p:cTn>
+                                        <p:tgtEl>
+                                          <p:spTgt spid="5124"/>
+                                        </p:tgtEl>
+                                        <p:attrNameLst>
+                                          <p:attrName>style.visibility</p:attrName>
+                                        </p:attrNameLst>
+                                      </p:cBhvr>
+                                      <p:to>
+                                        <p:strVal val="visible"/>
+                                      </p:to>
+                                    </p:set>
+                                  </p:childTnLst>
+                                </p:cTn>
+                              </p:par>
+                            </p:childTnLst>
+                          </p:cTn>
+                        </p:par>
+                      </p:childTnLst>
+                    </p:cTn>
+                  </p:par>
+                  <p:par>
+                    <p:cTn id="15" fill="hold">
+                      <p:stCondLst>
+                        <p:cond delay="indefinite"/>
+                      </p:stCondLst>
+                      <p:childTnLst>
+                        <p:par>
+                          <p:cTn id="16" fill="hold">
+                            <p:stCondLst>
+                              <p:cond delay="0"/>
+                            </p:stCondLst>
+                            <p:childTnLst>
+                              <p:par>
+                                <p:cTn id="17" presetID="1" presetClass="entr" presetSubtype="0" fill="hold" nodeType="clickEffect">
+                                  <p:stCondLst>
+                                    <p:cond delay="0"/>
+                                  </p:stCondLst>
+                                  <p:childTnLst>
+                                    <p:set>
+                                      <p:cBhvr>
+                                        <p:cTn id="18" dur="1" fill="hold">
+                                          <p:stCondLst>
+                                            <p:cond delay="0"/>
+                                          </p:stCondLst>
+                                        </p:cTn>
+                                        <p:tgtEl>
+                                          <p:spTgt spid="5125"/>
+                                        </p:tgtEl>
+                                        <p:attrNameLst>
+                                          <p:attrName>style.visibility</p:attrName>
+                                        </p:attrNameLst>
+                                      </p:cBhvr>
+                                      <p:to>
+                                        <p:strVal val="visible"/>
+                                      </p:to>
+                                    </p:set>
+                                  </p:childTnLst>
+                                </p:cTn>
+                              </p:par>
+                            </p:childTnLst>
+                          </p:cTn>
+                        </p:par>
+                      </p:childTnLst>
+                    </p:cTn>
+                  </p:par>
+                  <p:par>
+                    <p:cTn id="19" fill="hold">
+                      <p:stCondLst>
+                        <p:cond delay="indefinite"/>
+                      </p:stCondLst>
+                      <p:childTnLst>
+                        <p:par>
+                          <p:cTn id="20" fill="hold">
+                            <p:stCondLst>
+                              <p:cond delay="0"/>
+                            </p:stCondLst>
+                            <p:childTnLst>
+                              <p:par>
+                                <p:cTn id="21" presetID="1" presetClass="entr" presetSubtype="0" fill="hold" nodeType="clickEffect">
+                                  <p:stCondLst>
+                                    <p:cond delay="0"/>
+                                  </p:stCondLst>
+                                  <p:childTnLst>
+                                    <p:set>
+                                      <p:cBhvr>
+                                        <p:cTn id="22" dur="1" fill="hold">
+                                          <p:stCondLst>
+                                            <p:cond delay="0"/>
+                                          </p:stCondLst>
+                                        </p:cTn>
+                                        <p:tgtEl>
+                                          <p:spTgt spid="9"/>
+                                        </p:tgtEl>
+                                        <p:attrNameLst>
+                                          <p:attrName>style.visibility</p:attrName>
+                                        </p:attrNameLst>
+                                      </p:cBhvr>
+                                      <p:to>
+                                        <p:strVal val="visible"/>
+                                      </p:to>
+                                    </p:set>
+                                  </p:childTnLst>
+                                </p:cTn>
+                              </p:par>
+                            </p:childTnLst>
+                          </p:cTn>
+                        </p:par>
+                      </p:childTnLst>
+                    </p:cTn>
+                  </p:par>
+                </p:childTnLst>
+              </p:cTn>
+              <p:prevCondLst>
+                <p:cond evt="onPrev" delay="0">
+                  <p:tgtEl>
+                    <p:sldTgt/>
+                  </p:tgtEl>
+                </p:cond>
+              </p:prevCondLst>
+              <p:nextCondLst>
+                <p:cond evt="onNext" delay="0">
+                  <p:tgtEl>
+                    <p:sldTgt/>
+                  </p:tgtEl>
+                </p:cond>
+              </p:nextCondLst>
+            </p:seq>
+          </p:childTnLst>
+        </p:cTn>
+      </p:par>
+    </p:tnLst>
+  </p:timing>
+</p:sld>
+</file>
+
+<file path=ppt/slides/slide23.xml><?xml version="1.0" encoding="utf-8"?>
+<p:sld xmlns:a="http://schemas.openxmlformats.org/drawingml/2006/main" xmlns:r="http://schemas.openxmlformats.org/officeDocument/2006/relationships" xmlns:p="http://schemas.openxmlformats.org/presentationml/2006/main">
+  <p:cSld>
+    <p:spTree>
+      <p:nvGrpSpPr>
+        <p:cNvPr id="1" name=""/>
+        <p:cNvGrpSpPr/>
+        <p:nvPr/>
+      </p:nvGrpSpPr>
+      <p:grpSpPr>
+        <a:xfrm>
+          <a:off x="0" y="0"/>
+          <a:ext cx="0" cy="0"/>
+          <a:chOff x="0" y="0"/>
+          <a:chExt cx="0" cy="0"/>
+        </a:xfrm>
+      </p:grpSpPr>
+      <p:sp>
+        <p:nvSpPr>
+          <p:cNvPr id="2" name="제목 1"/>
+          <p:cNvSpPr>
+            <a:spLocks noGrp="1"/>
+          </p:cNvSpPr>
+          <p:nvPr>
+            <p:ph type="title"/>
+          </p:nvPr>
+        </p:nvSpPr>
+        <p:spPr/>
+        <p:txBody>
+          <a:bodyPr/>
+          <a:lstStyle/>
+          <a:p>
+            <a:r>
+              <a:rPr lang="en-US" altLang="ko-KR" dirty="0" smtClean="0"/>
+              <a:t>R2(Serial)</a:t>
+            </a:r>
+            <a:endParaRPr lang="ko-KR" altLang="en-US" dirty="0"/>
+          </a:p>
+        </p:txBody>
+      </p:sp>
+      <p:sp>
+        <p:nvSpPr>
+          <p:cNvPr id="3" name="내용 개체 틀 2"/>
+          <p:cNvSpPr>
+            <a:spLocks noGrp="1"/>
+          </p:cNvSpPr>
+          <p:nvPr>
+            <p:ph idx="1"/>
+          </p:nvPr>
+        </p:nvSpPr>
+        <p:spPr/>
+        <p:txBody>
+          <a:bodyPr/>
+          <a:lstStyle/>
+          <a:p>
+            <a:endParaRPr lang="ko-KR" altLang="en-US" dirty="0"/>
+          </a:p>
+        </p:txBody>
+      </p:sp>
+      <p:pic>
+        <p:nvPicPr>
+          <p:cNvPr id="4" name="Picture 2"/>
+          <p:cNvPicPr>
+            <a:picLocks noChangeAspect="1" noChangeArrowheads="1"/>
+          </p:cNvPicPr>
+          <p:nvPr/>
+        </p:nvPicPr>
+        <p:blipFill>
+          <a:blip r:embed="rId2">
+            <a:extLst>
+              <a:ext uri="{28A0092B-C50C-407E-A947-70E740481C1C}">
+                <a14:useLocalDpi xmlns:a14="http://schemas.microsoft.com/office/drawing/2010/main" val="0"/>
+              </a:ext>
+            </a:extLst>
+          </a:blip>
+          <a:srcRect/>
+          <a:stretch>
+            <a:fillRect/>
+          </a:stretch>
+        </p:blipFill>
+        <p:spPr bwMode="auto">
+          <a:xfrm>
+            <a:off x="469454" y="1838003"/>
+            <a:ext cx="4888235" cy="360040"/>
+          </a:xfrm>
+          <a:prstGeom prst="rect">
+            <a:avLst/>
+          </a:prstGeom>
+          <a:noFill/>
+          <a:ln>
+            <a:noFill/>
+          </a:ln>
+          <a:effectLst/>
+          <a:extLst>
+            <a:ext uri="{909E8E84-426E-40DD-AFC4-6F175D3DCCD1}">
+              <a14:hiddenFill xmlns:a14="http://schemas.microsoft.com/office/drawing/2010/main">
+                <a:solidFill>
+                  <a:schemeClr val="accent1"/>
+                </a:solidFill>
+              </a14:hiddenFill>
+            </a:ext>
+            <a:ext uri="{91240B29-F687-4F45-9708-019B960494DF}">
+              <a14:hiddenLine xmlns:a14="http://schemas.microsoft.com/office/drawing/2010/main" w="9525">
+                <a:solidFill>
+                  <a:schemeClr val="tx1"/>
+                </a:solidFill>
+                <a:miter lim="800000"/>
+                <a:headEnd/>
+                <a:tailEnd/>
+              </a14:hiddenLine>
+            </a:ext>
+            <a:ext uri="{AF507438-7753-43E0-B8FC-AC1667EBCBE1}">
+              <a14:hiddenEffects xmlns:a14="http://schemas.microsoft.com/office/drawing/2010/main">
+                <a:effectLst>
+                  <a:outerShdw dist="35921" dir="2700000" algn="ctr" rotWithShape="0">
+                    <a:schemeClr val="bg2"/>
+                  </a:outerShdw>
+                </a:effectLst>
+              </a14:hiddenEffects>
+            </a:ext>
+          </a:extLst>
+        </p:spPr>
+      </p:pic>
+      <p:pic>
+        <p:nvPicPr>
+          <p:cNvPr id="6146" name="Picture 2"/>
+          <p:cNvPicPr>
+            <a:picLocks noChangeAspect="1" noChangeArrowheads="1"/>
+          </p:cNvPicPr>
+          <p:nvPr/>
+        </p:nvPicPr>
+        <p:blipFill>
+          <a:blip r:embed="rId3">
+            <a:extLst>
+              <a:ext uri="{28A0092B-C50C-407E-A947-70E740481C1C}">
+                <a14:useLocalDpi xmlns:a14="http://schemas.microsoft.com/office/drawing/2010/main" val="0"/>
+              </a:ext>
+            </a:extLst>
+          </a:blip>
+          <a:srcRect/>
+          <a:stretch>
+            <a:fillRect/>
+          </a:stretch>
+        </p:blipFill>
+        <p:spPr bwMode="auto">
+          <a:xfrm>
+            <a:off x="457199" y="2492896"/>
+            <a:ext cx="5956747" cy="648072"/>
+          </a:xfrm>
+          <a:prstGeom prst="rect">
+            <a:avLst/>
+          </a:prstGeom>
+          <a:noFill/>
+          <a:ln>
+            <a:noFill/>
+          </a:ln>
+          <a:effectLst/>
+          <a:extLst>
+            <a:ext uri="{909E8E84-426E-40DD-AFC4-6F175D3DCCD1}">
+              <a14:hiddenFill xmlns:a14="http://schemas.microsoft.com/office/drawing/2010/main">
+                <a:solidFill>
+                  <a:schemeClr val="accent1"/>
+                </a:solidFill>
+              </a14:hiddenFill>
+            </a:ext>
+            <a:ext uri="{91240B29-F687-4F45-9708-019B960494DF}">
+              <a14:hiddenLine xmlns:a14="http://schemas.microsoft.com/office/drawing/2010/main" w="9525">
+                <a:solidFill>
+                  <a:schemeClr val="tx1"/>
+                </a:solidFill>
+                <a:miter lim="800000"/>
+                <a:headEnd/>
+                <a:tailEnd/>
+              </a14:hiddenLine>
+            </a:ext>
+            <a:ext uri="{AF507438-7753-43E0-B8FC-AC1667EBCBE1}">
+              <a14:hiddenEffects xmlns:a14="http://schemas.microsoft.com/office/drawing/2010/main">
+                <a:effectLst>
+                  <a:outerShdw dist="35921" dir="2700000" algn="ctr" rotWithShape="0">
+                    <a:schemeClr val="bg2"/>
+                  </a:outerShdw>
+                </a:effectLst>
+              </a14:hiddenEffects>
+            </a:ext>
+          </a:extLst>
+        </p:spPr>
+      </p:pic>
+      <p:pic>
+        <p:nvPicPr>
+          <p:cNvPr id="6147" name="Picture 3"/>
+          <p:cNvPicPr>
+            <a:picLocks noChangeAspect="1" noChangeArrowheads="1"/>
+          </p:cNvPicPr>
+          <p:nvPr/>
+        </p:nvPicPr>
+        <p:blipFill>
+          <a:blip r:embed="rId4">
+            <a:extLst>
+              <a:ext uri="{28A0092B-C50C-407E-A947-70E740481C1C}">
+                <a14:useLocalDpi xmlns:a14="http://schemas.microsoft.com/office/drawing/2010/main" val="0"/>
+              </a:ext>
+            </a:extLst>
+          </a:blip>
+          <a:srcRect/>
+          <a:stretch>
+            <a:fillRect/>
+          </a:stretch>
+        </p:blipFill>
+        <p:spPr bwMode="auto">
+          <a:xfrm>
+            <a:off x="463005" y="3140968"/>
+            <a:ext cx="6288698" cy="696943"/>
+          </a:xfrm>
+          <a:prstGeom prst="rect">
+            <a:avLst/>
+          </a:prstGeom>
+          <a:noFill/>
+          <a:ln>
+            <a:noFill/>
+          </a:ln>
+          <a:effectLst/>
+          <a:extLst>
+            <a:ext uri="{909E8E84-426E-40DD-AFC4-6F175D3DCCD1}">
+              <a14:hiddenFill xmlns:a14="http://schemas.microsoft.com/office/drawing/2010/main">
+                <a:solidFill>
+                  <a:schemeClr val="accent1"/>
+                </a:solidFill>
+              </a14:hiddenFill>
+            </a:ext>
+            <a:ext uri="{91240B29-F687-4F45-9708-019B960494DF}">
+              <a14:hiddenLine xmlns:a14="http://schemas.microsoft.com/office/drawing/2010/main" w="9525">
+                <a:solidFill>
+                  <a:schemeClr val="tx1"/>
+                </a:solidFill>
+                <a:miter lim="800000"/>
+                <a:headEnd/>
+                <a:tailEnd/>
+              </a14:hiddenLine>
+            </a:ext>
+            <a:ext uri="{AF507438-7753-43E0-B8FC-AC1667EBCBE1}">
+              <a14:hiddenEffects xmlns:a14="http://schemas.microsoft.com/office/drawing/2010/main">
+                <a:effectLst>
+                  <a:outerShdw dist="35921" dir="2700000" algn="ctr" rotWithShape="0">
+                    <a:schemeClr val="bg2"/>
+                  </a:outerShdw>
+                </a:effectLst>
+              </a14:hiddenEffects>
+            </a:ext>
+          </a:extLst>
+        </p:spPr>
+      </p:pic>
+      <p:pic>
+        <p:nvPicPr>
+          <p:cNvPr id="6148" name="Picture 4"/>
+          <p:cNvPicPr>
+            <a:picLocks noChangeAspect="1" noChangeArrowheads="1"/>
+          </p:cNvPicPr>
+          <p:nvPr/>
+        </p:nvPicPr>
+        <p:blipFill>
+          <a:blip r:embed="rId5">
+            <a:extLst>
+              <a:ext uri="{28A0092B-C50C-407E-A947-70E740481C1C}">
+                <a14:useLocalDpi xmlns:a14="http://schemas.microsoft.com/office/drawing/2010/main" val="0"/>
+              </a:ext>
+            </a:extLst>
+          </a:blip>
+          <a:srcRect/>
+          <a:stretch>
+            <a:fillRect/>
+          </a:stretch>
+        </p:blipFill>
+        <p:spPr bwMode="auto">
+          <a:xfrm>
+            <a:off x="480292" y="3837911"/>
+            <a:ext cx="5910560" cy="609103"/>
+          </a:xfrm>
+          <a:prstGeom prst="rect">
+            <a:avLst/>
+          </a:prstGeom>
+          <a:noFill/>
+          <a:ln>
+            <a:noFill/>
+          </a:ln>
+          <a:effectLst/>
+          <a:extLst>
+            <a:ext uri="{909E8E84-426E-40DD-AFC4-6F175D3DCCD1}">
+              <a14:hiddenFill xmlns:a14="http://schemas.microsoft.com/office/drawing/2010/main">
+                <a:solidFill>
+                  <a:schemeClr val="accent1"/>
+                </a:solidFill>
+              </a14:hiddenFill>
+            </a:ext>
+            <a:ext uri="{91240B29-F687-4F45-9708-019B960494DF}">
+              <a14:hiddenLine xmlns:a14="http://schemas.microsoft.com/office/drawing/2010/main" w="9525">
+                <a:solidFill>
+                  <a:schemeClr val="tx1"/>
+                </a:solidFill>
+                <a:miter lim="800000"/>
+                <a:headEnd/>
+                <a:tailEnd/>
+              </a14:hiddenLine>
+            </a:ext>
+            <a:ext uri="{AF507438-7753-43E0-B8FC-AC1667EBCBE1}">
+              <a14:hiddenEffects xmlns:a14="http://schemas.microsoft.com/office/drawing/2010/main">
+                <a:effectLst>
+                  <a:outerShdw dist="35921" dir="2700000" algn="ctr" rotWithShape="0">
+                    <a:schemeClr val="bg2"/>
+                  </a:outerShdw>
+                </a:effectLst>
+              </a14:hiddenEffects>
+            </a:ext>
+          </a:extLst>
+        </p:spPr>
+      </p:pic>
+      <p:pic>
+        <p:nvPicPr>
+          <p:cNvPr id="6149" name="Picture 5"/>
+          <p:cNvPicPr>
+            <a:picLocks noChangeAspect="1" noChangeArrowheads="1"/>
+          </p:cNvPicPr>
+          <p:nvPr/>
+        </p:nvPicPr>
+        <p:blipFill>
+          <a:blip r:embed="rId6">
+            <a:extLst>
+              <a:ext uri="{28A0092B-C50C-407E-A947-70E740481C1C}">
+                <a14:useLocalDpi xmlns:a14="http://schemas.microsoft.com/office/drawing/2010/main" val="0"/>
+              </a:ext>
+            </a:extLst>
+          </a:blip>
+          <a:srcRect/>
+          <a:stretch>
+            <a:fillRect/>
+          </a:stretch>
+        </p:blipFill>
+        <p:spPr bwMode="auto">
+          <a:xfrm>
+            <a:off x="457197" y="4441656"/>
+            <a:ext cx="4815145" cy="583084"/>
+          </a:xfrm>
+          <a:prstGeom prst="rect">
+            <a:avLst/>
+          </a:prstGeom>
+          <a:noFill/>
+          <a:ln>
+            <a:noFill/>
+          </a:ln>
+          <a:effectLst/>
+          <a:extLst>
+            <a:ext uri="{909E8E84-426E-40DD-AFC4-6F175D3DCCD1}">
+              <a14:hiddenFill xmlns:a14="http://schemas.microsoft.com/office/drawing/2010/main">
+                <a:solidFill>
+                  <a:schemeClr val="accent1"/>
+                </a:solidFill>
+              </a14:hiddenFill>
+            </a:ext>
+            <a:ext uri="{91240B29-F687-4F45-9708-019B960494DF}">
+              <a14:hiddenLine xmlns:a14="http://schemas.microsoft.com/office/drawing/2010/main" w="9525">
+                <a:solidFill>
+                  <a:schemeClr val="tx1"/>
+                </a:solidFill>
+                <a:miter lim="800000"/>
+                <a:headEnd/>
+                <a:tailEnd/>
+              </a14:hiddenLine>
+            </a:ext>
+            <a:ext uri="{AF507438-7753-43E0-B8FC-AC1667EBCBE1}">
+              <a14:hiddenEffects xmlns:a14="http://schemas.microsoft.com/office/drawing/2010/main">
+                <a:effectLst>
+                  <a:outerShdw dist="35921" dir="2700000" algn="ctr" rotWithShape="0">
+                    <a:schemeClr val="bg2"/>
+                  </a:outerShdw>
+                </a:effectLst>
+              </a14:hiddenEffects>
+            </a:ext>
+          </a:extLst>
+        </p:spPr>
+      </p:pic>
+      <p:pic>
+        <p:nvPicPr>
+          <p:cNvPr id="6150" name="Picture 6"/>
+          <p:cNvPicPr>
+            <a:picLocks noChangeAspect="1" noChangeArrowheads="1"/>
+          </p:cNvPicPr>
+          <p:nvPr/>
+        </p:nvPicPr>
+        <p:blipFill>
+          <a:blip r:embed="rId7">
+            <a:extLst>
+              <a:ext uri="{28A0092B-C50C-407E-A947-70E740481C1C}">
+                <a14:useLocalDpi xmlns:a14="http://schemas.microsoft.com/office/drawing/2010/main" val="0"/>
+              </a:ext>
+            </a:extLst>
+          </a:blip>
+          <a:srcRect/>
+          <a:stretch>
+            <a:fillRect/>
+          </a:stretch>
+        </p:blipFill>
+        <p:spPr bwMode="auto">
+          <a:xfrm>
+            <a:off x="463005" y="5024740"/>
+            <a:ext cx="3811822" cy="454621"/>
+          </a:xfrm>
+          <a:prstGeom prst="rect">
+            <a:avLst/>
+          </a:prstGeom>
+          <a:noFill/>
+          <a:ln>
+            <a:noFill/>
+          </a:ln>
+          <a:effectLst/>
+          <a:extLst>
+            <a:ext uri="{909E8E84-426E-40DD-AFC4-6F175D3DCCD1}">
+              <a14:hiddenFill xmlns:a14="http://schemas.microsoft.com/office/drawing/2010/main">
+                <a:solidFill>
+                  <a:schemeClr val="accent1"/>
+                </a:solidFill>
+              </a14:hiddenFill>
+            </a:ext>
+            <a:ext uri="{91240B29-F687-4F45-9708-019B960494DF}">
+              <a14:hiddenLine xmlns:a14="http://schemas.microsoft.com/office/drawing/2010/main" w="9525">
+                <a:solidFill>
+                  <a:schemeClr val="tx1"/>
+                </a:solidFill>
+                <a:miter lim="800000"/>
+                <a:headEnd/>
+                <a:tailEnd/>
+              </a14:hiddenLine>
+            </a:ext>
+            <a:ext uri="{AF507438-7753-43E0-B8FC-AC1667EBCBE1}">
+              <a14:hiddenEffects xmlns:a14="http://schemas.microsoft.com/office/drawing/2010/main">
+                <a:effectLst>
+                  <a:outerShdw dist="35921" dir="2700000" algn="ctr" rotWithShape="0">
+                    <a:schemeClr val="bg2"/>
+                  </a:outerShdw>
+                </a:effectLst>
+              </a14:hiddenEffects>
+            </a:ext>
+          </a:extLst>
+        </p:spPr>
+      </p:pic>
+      <p:pic>
+        <p:nvPicPr>
+          <p:cNvPr id="6151" name="Picture 7"/>
+          <p:cNvPicPr>
+            <a:picLocks noChangeAspect="1" noChangeArrowheads="1"/>
+          </p:cNvPicPr>
+          <p:nvPr/>
+        </p:nvPicPr>
+        <p:blipFill>
+          <a:blip r:embed="rId8">
+            <a:extLst>
+              <a:ext uri="{28A0092B-C50C-407E-A947-70E740481C1C}">
+                <a14:useLocalDpi xmlns:a14="http://schemas.microsoft.com/office/drawing/2010/main" val="0"/>
+              </a:ext>
+            </a:extLst>
+          </a:blip>
+          <a:srcRect/>
+          <a:stretch>
+            <a:fillRect/>
+          </a:stretch>
+        </p:blipFill>
+        <p:spPr bwMode="auto">
+          <a:xfrm>
+            <a:off x="457197" y="5479361"/>
+            <a:ext cx="3639174" cy="432048"/>
+          </a:xfrm>
+          <a:prstGeom prst="rect">
+            <a:avLst/>
+          </a:prstGeom>
+          <a:noFill/>
+          <a:ln>
+            <a:noFill/>
+          </a:ln>
+          <a:effectLst/>
+          <a:extLst>
+            <a:ext uri="{909E8E84-426E-40DD-AFC4-6F175D3DCCD1}">
+              <a14:hiddenFill xmlns:a14="http://schemas.microsoft.com/office/drawing/2010/main">
+                <a:solidFill>
+                  <a:schemeClr val="accent1"/>
+                </a:solidFill>
+              </a14:hiddenFill>
+            </a:ext>
+            <a:ext uri="{91240B29-F687-4F45-9708-019B960494DF}">
+              <a14:hiddenLine xmlns:a14="http://schemas.microsoft.com/office/drawing/2010/main" w="9525">
+                <a:solidFill>
+                  <a:schemeClr val="tx1"/>
+                </a:solidFill>
+                <a:miter lim="800000"/>
+                <a:headEnd/>
+                <a:tailEnd/>
+              </a14:hiddenLine>
+            </a:ext>
+            <a:ext uri="{AF507438-7753-43E0-B8FC-AC1667EBCBE1}">
+              <a14:hiddenEffects xmlns:a14="http://schemas.microsoft.com/office/drawing/2010/main">
+                <a:effectLst>
+                  <a:outerShdw dist="35921" dir="2700000" algn="ctr" rotWithShape="0">
+                    <a:schemeClr val="bg2"/>
+                  </a:outerShdw>
+                </a:effectLst>
+              </a14:hiddenEffects>
+            </a:ext>
+          </a:extLst>
+        </p:spPr>
+      </p:pic>
+    </p:spTree>
+    <p:extLst>
+      <p:ext uri="{BB962C8B-B14F-4D97-AF65-F5344CB8AC3E}">
+        <p14:creationId xmlns:p14="http://schemas.microsoft.com/office/powerpoint/2010/main" val="141473053"/>
+      </p:ext>
+    </p:extLst>
+  </p:cSld>
+  <p:clrMapOvr>
+    <a:masterClrMapping/>
+  </p:clrMapOvr>
+  <p:timing>
+    <p:tnLst>
+      <p:par>
+        <p:cTn id="1" dur="indefinite" restart="never" nodeType="tmRoot">
+          <p:childTnLst>
+            <p:seq concurrent="1" nextAc="seek">
+              <p:cTn id="2" dur="indefinite" nodeType="mainSeq">
+                <p:childTnLst>
+                  <p:par>
+                    <p:cTn id="3" fill="hold">
+                      <p:stCondLst>
+                        <p:cond delay="indefinite"/>
+                      </p:stCondLst>
+                      <p:childTnLst>
+                        <p:par>
+                          <p:cTn id="4" fill="hold">
+                            <p:stCondLst>
+                              <p:cond delay="0"/>
+                            </p:stCondLst>
+                            <p:childTnLst>
+                              <p:par>
+                                <p:cTn id="5" presetID="1" presetClass="entr" presetSubtype="0" fill="hold" nodeType="clickEffect">
+                                  <p:stCondLst>
+                                    <p:cond delay="0"/>
+                                  </p:stCondLst>
+                                  <p:childTnLst>
+                                    <p:set>
+                                      <p:cBhvr>
+                                        <p:cTn id="6" dur="1" fill="hold">
+                                          <p:stCondLst>
+                                            <p:cond delay="0"/>
+                                          </p:stCondLst>
+                                        </p:cTn>
+                                        <p:tgtEl>
+                                          <p:spTgt spid="4"/>
+                                        </p:tgtEl>
+                                        <p:attrNameLst>
+                                          <p:attrName>style.visibility</p:attrName>
+                                        </p:attrNameLst>
+                                      </p:cBhvr>
+                                      <p:to>
+                                        <p:strVal val="visible"/>
+                                      </p:to>
+                                    </p:set>
+                                  </p:childTnLst>
+                                </p:cTn>
+                              </p:par>
+                            </p:childTnLst>
+                          </p:cTn>
+                        </p:par>
+                      </p:childTnLst>
+                    </p:cTn>
+                  </p:par>
+                  <p:par>
+                    <p:cTn id="7" fill="hold">
+                      <p:stCondLst>
+                        <p:cond delay="indefinite"/>
+                      </p:stCondLst>
+                      <p:childTnLst>
+                        <p:par>
+                          <p:cTn id="8" fill="hold">
+                            <p:stCondLst>
+                              <p:cond delay="0"/>
+                            </p:stCondLst>
+                            <p:childTnLst>
+                              <p:par>
+                                <p:cTn id="9" presetID="1" presetClass="entr" presetSubtype="0" fill="hold" nodeType="clickEffect">
+                                  <p:stCondLst>
+                                    <p:cond delay="0"/>
+                                  </p:stCondLst>
+                                  <p:childTnLst>
+                                    <p:set>
+                                      <p:cBhvr>
+                                        <p:cTn id="10" dur="1" fill="hold">
+                                          <p:stCondLst>
+                                            <p:cond delay="0"/>
+                                          </p:stCondLst>
+                                        </p:cTn>
+                                        <p:tgtEl>
+                                          <p:spTgt spid="6146"/>
+                                        </p:tgtEl>
+                                        <p:attrNameLst>
+                                          <p:attrName>style.visibility</p:attrName>
+                                        </p:attrNameLst>
+                                      </p:cBhvr>
+                                      <p:to>
+                                        <p:strVal val="visible"/>
+                                      </p:to>
+                                    </p:set>
+                                  </p:childTnLst>
+                                </p:cTn>
+                              </p:par>
+                            </p:childTnLst>
+                          </p:cTn>
+                        </p:par>
+                      </p:childTnLst>
+                    </p:cTn>
+                  </p:par>
+                  <p:par>
+                    <p:cTn id="11" fill="hold">
+                      <p:stCondLst>
+                        <p:cond delay="indefinite"/>
+                      </p:stCondLst>
+                      <p:childTnLst>
+                        <p:par>
+                          <p:cTn id="12" fill="hold">
+                            <p:stCondLst>
+                              <p:cond delay="0"/>
+                            </p:stCondLst>
+                            <p:childTnLst>
+                              <p:par>
+                                <p:cTn id="13" presetID="1" presetClass="entr" presetSubtype="0" fill="hold" nodeType="clickEffect">
+                                  <p:stCondLst>
+                                    <p:cond delay="0"/>
+                                  </p:stCondLst>
+                                  <p:childTnLst>
+                                    <p:set>
+                                      <p:cBhvr>
+                                        <p:cTn id="14" dur="1" fill="hold">
+                                          <p:stCondLst>
+                                            <p:cond delay="0"/>
+                                          </p:stCondLst>
+                                        </p:cTn>
+                                        <p:tgtEl>
+                                          <p:spTgt spid="6147"/>
+                                        </p:tgtEl>
+                                        <p:attrNameLst>
+                                          <p:attrName>style.visibility</p:attrName>
+                                        </p:attrNameLst>
+                                      </p:cBhvr>
+                                      <p:to>
+                                        <p:strVal val="visible"/>
+                                      </p:to>
+                                    </p:set>
+                                  </p:childTnLst>
+                                </p:cTn>
+                              </p:par>
+                            </p:childTnLst>
+                          </p:cTn>
+                        </p:par>
+                      </p:childTnLst>
+                    </p:cTn>
+                  </p:par>
+                  <p:par>
+                    <p:cTn id="15" fill="hold">
+                      <p:stCondLst>
+                        <p:cond delay="indefinite"/>
+                      </p:stCondLst>
+                      <p:childTnLst>
+                        <p:par>
+                          <p:cTn id="16" fill="hold">
+                            <p:stCondLst>
+                              <p:cond delay="0"/>
+                            </p:stCondLst>
+                            <p:childTnLst>
+                              <p:par>
+                                <p:cTn id="17" presetID="1" presetClass="entr" presetSubtype="0" fill="hold" nodeType="clickEffect">
+                                  <p:stCondLst>
+                                    <p:cond delay="0"/>
+                                  </p:stCondLst>
+                                  <p:childTnLst>
+                                    <p:set>
+                                      <p:cBhvr>
+                                        <p:cTn id="18" dur="1" fill="hold">
+                                          <p:stCondLst>
+                                            <p:cond delay="0"/>
+                                          </p:stCondLst>
+                                        </p:cTn>
+                                        <p:tgtEl>
+                                          <p:spTgt spid="6148"/>
+                                        </p:tgtEl>
+                                        <p:attrNameLst>
+                                          <p:attrName>style.visibility</p:attrName>
+                                        </p:attrNameLst>
+                                      </p:cBhvr>
+                                      <p:to>
+                                        <p:strVal val="visible"/>
+                                      </p:to>
+                                    </p:set>
+                                  </p:childTnLst>
+                                </p:cTn>
+                              </p:par>
+                            </p:childTnLst>
+                          </p:cTn>
+                        </p:par>
+                      </p:childTnLst>
+                    </p:cTn>
+                  </p:par>
+                  <p:par>
+                    <p:cTn id="19" fill="hold">
+                      <p:stCondLst>
+                        <p:cond delay="indefinite"/>
+                      </p:stCondLst>
+                      <p:childTnLst>
+                        <p:par>
+                          <p:cTn id="20" fill="hold">
+                            <p:stCondLst>
+                              <p:cond delay="0"/>
+                            </p:stCondLst>
+                            <p:childTnLst>
+                              <p:par>
+                                <p:cTn id="21" presetID="1" presetClass="entr" presetSubtype="0" fill="hold" nodeType="clickEffect">
+                                  <p:stCondLst>
+                                    <p:cond delay="0"/>
+                                  </p:stCondLst>
+                                  <p:childTnLst>
+                                    <p:set>
+                                      <p:cBhvr>
+                                        <p:cTn id="22" dur="1" fill="hold">
+                                          <p:stCondLst>
+                                            <p:cond delay="0"/>
+                                          </p:stCondLst>
+                                        </p:cTn>
+                                        <p:tgtEl>
+                                          <p:spTgt spid="6149"/>
+                                        </p:tgtEl>
+                                        <p:attrNameLst>
+                                          <p:attrName>style.visibility</p:attrName>
+                                        </p:attrNameLst>
+                                      </p:cBhvr>
+                                      <p:to>
+                                        <p:strVal val="visible"/>
+                                      </p:to>
+                                    </p:set>
+                                  </p:childTnLst>
+                                </p:cTn>
+                              </p:par>
+                            </p:childTnLst>
+                          </p:cTn>
+                        </p:par>
+                      </p:childTnLst>
+                    </p:cTn>
+                  </p:par>
+                  <p:par>
+                    <p:cTn id="23" fill="hold">
+                      <p:stCondLst>
+                        <p:cond delay="indefinite"/>
+                      </p:stCondLst>
+                      <p:childTnLst>
+                        <p:par>
+                          <p:cTn id="24" fill="hold">
+                            <p:stCondLst>
+                              <p:cond delay="0"/>
+                            </p:stCondLst>
+                            <p:childTnLst>
+                              <p:par>
+                                <p:cTn id="25" presetID="1" presetClass="entr" presetSubtype="0" fill="hold" nodeType="clickEffect">
+                                  <p:stCondLst>
+                                    <p:cond delay="0"/>
+                                  </p:stCondLst>
+                                  <p:childTnLst>
+                                    <p:set>
+                                      <p:cBhvr>
+                                        <p:cTn id="26" dur="1" fill="hold">
+                                          <p:stCondLst>
+                                            <p:cond delay="0"/>
+                                          </p:stCondLst>
+                                        </p:cTn>
+                                        <p:tgtEl>
+                                          <p:spTgt spid="6150"/>
+                                        </p:tgtEl>
+                                        <p:attrNameLst>
+                                          <p:attrName>style.visibility</p:attrName>
+                                        </p:attrNameLst>
+                                      </p:cBhvr>
+                                      <p:to>
+                                        <p:strVal val="visible"/>
+                                      </p:to>
+                                    </p:set>
+                                  </p:childTnLst>
+                                </p:cTn>
+                              </p:par>
+                            </p:childTnLst>
+                          </p:cTn>
+                        </p:par>
+                      </p:childTnLst>
+                    </p:cTn>
+                  </p:par>
+                  <p:par>
+                    <p:cTn id="27" fill="hold">
+                      <p:stCondLst>
+                        <p:cond delay="indefinite"/>
+                      </p:stCondLst>
+                      <p:childTnLst>
+                        <p:par>
+                          <p:cTn id="28" fill="hold">
+                            <p:stCondLst>
+                              <p:cond delay="0"/>
+                            </p:stCondLst>
+                            <p:childTnLst>
+                              <p:par>
+                                <p:cTn id="29" presetID="1" presetClass="entr" presetSubtype="0" fill="hold" nodeType="clickEffect">
+                                  <p:stCondLst>
+                                    <p:cond delay="0"/>
+                                  </p:stCondLst>
+                                  <p:childTnLst>
+                                    <p:set>
+                                      <p:cBhvr>
+                                        <p:cTn id="30" dur="1" fill="hold">
+                                          <p:stCondLst>
+                                            <p:cond delay="0"/>
+                                          </p:stCondLst>
+                                        </p:cTn>
+                                        <p:tgtEl>
+                                          <p:spTgt spid="6151"/>
+                                        </p:tgtEl>
+                                        <p:attrNameLst>
+                                          <p:attrName>style.visibility</p:attrName>
+                                        </p:attrNameLst>
+                                      </p:cBhvr>
+                                      <p:to>
+                                        <p:strVal val="visible"/>
+                                      </p:to>
+                                    </p:set>
+                                  </p:childTnLst>
+                                </p:cTn>
+                              </p:par>
+                            </p:childTnLst>
+                          </p:cTn>
+                        </p:par>
+                      </p:childTnLst>
+                    </p:cTn>
+                  </p:par>
+                </p:childTnLst>
+              </p:cTn>
+              <p:prevCondLst>
+                <p:cond evt="onPrev" delay="0">
+                  <p:tgtEl>
+                    <p:sldTgt/>
+                  </p:tgtEl>
+                </p:cond>
+              </p:prevCondLst>
+              <p:nextCondLst>
+                <p:cond evt="onNext" delay="0">
+                  <p:tgtEl>
+                    <p:sldTgt/>
+                  </p:tgtEl>
+                </p:cond>
+              </p:nextCondLst>
+            </p:seq>
+          </p:childTnLst>
+        </p:cTn>
+      </p:par>
+    </p:tnLst>
+  </p:timing>
+</p:sld>
+</file>
+
+<file path=ppt/slides/slide24.xml><?xml version="1.0" encoding="utf-8"?>
+<p:sld xmlns:a="http://schemas.openxmlformats.org/drawingml/2006/main" xmlns:r="http://schemas.openxmlformats.org/officeDocument/2006/relationships" xmlns:p="http://schemas.openxmlformats.org/presentationml/2006/main">
+  <p:cSld>
+    <p:spTree>
+      <p:nvGrpSpPr>
+        <p:cNvPr id="1" name=""/>
+        <p:cNvGrpSpPr/>
+        <p:nvPr/>
+      </p:nvGrpSpPr>
+      <p:grpSpPr>
+        <a:xfrm>
+          <a:off x="0" y="0"/>
+          <a:ext cx="0" cy="0"/>
+          <a:chOff x="0" y="0"/>
+          <a:chExt cx="0" cy="0"/>
+        </a:xfrm>
+      </p:grpSpPr>
+      <p:sp>
+        <p:nvSpPr>
+          <p:cNvPr id="2" name="제목 1"/>
+          <p:cNvSpPr>
+            <a:spLocks noGrp="1"/>
+          </p:cNvSpPr>
+          <p:nvPr>
+            <p:ph type="title"/>
+          </p:nvPr>
+        </p:nvSpPr>
+        <p:spPr/>
+        <p:txBody>
+          <a:bodyPr/>
+          <a:lstStyle/>
+          <a:p>
+            <a:r>
+              <a:rPr lang="en-US" altLang="ko-KR" dirty="0" smtClean="0"/>
+              <a:t>R2(loopback)</a:t>
+            </a:r>
+            <a:endParaRPr lang="ko-KR" altLang="en-US" dirty="0"/>
+          </a:p>
+        </p:txBody>
+      </p:sp>
+      <p:sp>
+        <p:nvSpPr>
+          <p:cNvPr id="3" name="내용 개체 틀 2"/>
+          <p:cNvSpPr>
+            <a:spLocks noGrp="1"/>
+          </p:cNvSpPr>
+          <p:nvPr>
+            <p:ph idx="1"/>
+          </p:nvPr>
+        </p:nvSpPr>
+        <p:spPr/>
+        <p:txBody>
+          <a:bodyPr/>
+          <a:lstStyle/>
+          <a:p>
+            <a:endParaRPr lang="ko-KR" altLang="en-US" dirty="0"/>
+          </a:p>
+        </p:txBody>
+      </p:sp>
+      <p:pic>
+        <p:nvPicPr>
+          <p:cNvPr id="7170" name="Picture 2"/>
+          <p:cNvPicPr>
+            <a:picLocks noChangeAspect="1" noChangeArrowheads="1"/>
+          </p:cNvPicPr>
+          <p:nvPr/>
+        </p:nvPicPr>
+        <p:blipFill>
+          <a:blip r:embed="rId2">
+            <a:extLst>
+              <a:ext uri="{28A0092B-C50C-407E-A947-70E740481C1C}">
+                <a14:useLocalDpi xmlns:a14="http://schemas.microsoft.com/office/drawing/2010/main" val="0"/>
+              </a:ext>
+            </a:extLst>
+          </a:blip>
+          <a:srcRect/>
+          <a:stretch>
+            <a:fillRect/>
+          </a:stretch>
+        </p:blipFill>
+        <p:spPr bwMode="auto">
+          <a:xfrm>
+            <a:off x="467544" y="2033326"/>
+            <a:ext cx="2532002" cy="576064"/>
+          </a:xfrm>
+          <a:prstGeom prst="rect">
+            <a:avLst/>
+          </a:prstGeom>
+          <a:noFill/>
+          <a:ln>
+            <a:noFill/>
+          </a:ln>
+          <a:effectLst/>
+          <a:extLst>
+            <a:ext uri="{909E8E84-426E-40DD-AFC4-6F175D3DCCD1}">
+              <a14:hiddenFill xmlns:a14="http://schemas.microsoft.com/office/drawing/2010/main">
+                <a:solidFill>
+                  <a:schemeClr val="accent1"/>
+                </a:solidFill>
+              </a14:hiddenFill>
+            </a:ext>
+            <a:ext uri="{91240B29-F687-4F45-9708-019B960494DF}">
+              <a14:hiddenLine xmlns:a14="http://schemas.microsoft.com/office/drawing/2010/main" w="9525">
+                <a:solidFill>
+                  <a:schemeClr val="tx1"/>
+                </a:solidFill>
+                <a:miter lim="800000"/>
+                <a:headEnd/>
+                <a:tailEnd/>
+              </a14:hiddenLine>
+            </a:ext>
+            <a:ext uri="{AF507438-7753-43E0-B8FC-AC1667EBCBE1}">
+              <a14:hiddenEffects xmlns:a14="http://schemas.microsoft.com/office/drawing/2010/main">
+                <a:effectLst>
+                  <a:outerShdw dist="35921" dir="2700000" algn="ctr" rotWithShape="0">
+                    <a:schemeClr val="bg2"/>
+                  </a:outerShdw>
+                </a:effectLst>
+              </a14:hiddenEffects>
+            </a:ext>
+          </a:extLst>
+        </p:spPr>
+      </p:pic>
+      <p:pic>
+        <p:nvPicPr>
+          <p:cNvPr id="7171" name="Picture 3"/>
+          <p:cNvPicPr>
+            <a:picLocks noChangeAspect="1" noChangeArrowheads="1"/>
+          </p:cNvPicPr>
+          <p:nvPr/>
+        </p:nvPicPr>
+        <p:blipFill>
+          <a:blip r:embed="rId3">
+            <a:extLst>
+              <a:ext uri="{28A0092B-C50C-407E-A947-70E740481C1C}">
+                <a14:useLocalDpi xmlns:a14="http://schemas.microsoft.com/office/drawing/2010/main" val="0"/>
+              </a:ext>
+            </a:extLst>
+          </a:blip>
+          <a:srcRect/>
+          <a:stretch>
+            <a:fillRect/>
+          </a:stretch>
+        </p:blipFill>
+        <p:spPr bwMode="auto">
+          <a:xfrm>
+            <a:off x="474018" y="2753405"/>
+            <a:ext cx="4341878" cy="578917"/>
+          </a:xfrm>
+          <a:prstGeom prst="rect">
+            <a:avLst/>
+          </a:prstGeom>
+          <a:noFill/>
+          <a:ln>
+            <a:noFill/>
+          </a:ln>
+          <a:effectLst/>
+          <a:extLst>
+            <a:ext uri="{909E8E84-426E-40DD-AFC4-6F175D3DCCD1}">
+              <a14:hiddenFill xmlns:a14="http://schemas.microsoft.com/office/drawing/2010/main">
+                <a:solidFill>
+                  <a:schemeClr val="accent1"/>
+                </a:solidFill>
+              </a14:hiddenFill>
+            </a:ext>
+            <a:ext uri="{91240B29-F687-4F45-9708-019B960494DF}">
+              <a14:hiddenLine xmlns:a14="http://schemas.microsoft.com/office/drawing/2010/main" w="9525">
+                <a:solidFill>
+                  <a:schemeClr val="tx1"/>
+                </a:solidFill>
+                <a:miter lim="800000"/>
+                <a:headEnd/>
+                <a:tailEnd/>
+              </a14:hiddenLine>
+            </a:ext>
+            <a:ext uri="{AF507438-7753-43E0-B8FC-AC1667EBCBE1}">
+              <a14:hiddenEffects xmlns:a14="http://schemas.microsoft.com/office/drawing/2010/main">
+                <a:effectLst>
+                  <a:outerShdw dist="35921" dir="2700000" algn="ctr" rotWithShape="0">
+                    <a:schemeClr val="bg2"/>
+                  </a:outerShdw>
+                </a:effectLst>
+              </a14:hiddenEffects>
+            </a:ext>
+          </a:extLst>
+        </p:spPr>
+      </p:pic>
+      <p:pic>
+        <p:nvPicPr>
+          <p:cNvPr id="7172" name="Picture 4"/>
+          <p:cNvPicPr>
+            <a:picLocks noChangeAspect="1" noChangeArrowheads="1"/>
+          </p:cNvPicPr>
+          <p:nvPr/>
+        </p:nvPicPr>
+        <p:blipFill>
+          <a:blip r:embed="rId4">
+            <a:extLst>
+              <a:ext uri="{28A0092B-C50C-407E-A947-70E740481C1C}">
+                <a14:useLocalDpi xmlns:a14="http://schemas.microsoft.com/office/drawing/2010/main" val="0"/>
+              </a:ext>
+            </a:extLst>
+          </a:blip>
+          <a:srcRect/>
+          <a:stretch>
+            <a:fillRect/>
+          </a:stretch>
+        </p:blipFill>
+        <p:spPr bwMode="auto">
+          <a:xfrm>
+            <a:off x="474018" y="3401280"/>
+            <a:ext cx="7157179" cy="501203"/>
+          </a:xfrm>
+          <a:prstGeom prst="rect">
+            <a:avLst/>
+          </a:prstGeom>
+          <a:noFill/>
+          <a:ln>
+            <a:noFill/>
+          </a:ln>
+          <a:effectLst/>
+          <a:extLst>
+            <a:ext uri="{909E8E84-426E-40DD-AFC4-6F175D3DCCD1}">
+              <a14:hiddenFill xmlns:a14="http://schemas.microsoft.com/office/drawing/2010/main">
+                <a:solidFill>
+                  <a:schemeClr val="accent1"/>
+                </a:solidFill>
+              </a14:hiddenFill>
+            </a:ext>
+            <a:ext uri="{91240B29-F687-4F45-9708-019B960494DF}">
+              <a14:hiddenLine xmlns:a14="http://schemas.microsoft.com/office/drawing/2010/main" w="9525">
+                <a:solidFill>
+                  <a:schemeClr val="tx1"/>
+                </a:solidFill>
+                <a:miter lim="800000"/>
+                <a:headEnd/>
+                <a:tailEnd/>
+              </a14:hiddenLine>
+            </a:ext>
+            <a:ext uri="{AF507438-7753-43E0-B8FC-AC1667EBCBE1}">
+              <a14:hiddenEffects xmlns:a14="http://schemas.microsoft.com/office/drawing/2010/main">
+                <a:effectLst>
+                  <a:outerShdw dist="35921" dir="2700000" algn="ctr" rotWithShape="0">
+                    <a:schemeClr val="bg2"/>
+                  </a:outerShdw>
+                </a:effectLst>
+              </a14:hiddenEffects>
+            </a:ext>
+          </a:extLst>
+        </p:spPr>
+      </p:pic>
+      <p:pic>
+        <p:nvPicPr>
+          <p:cNvPr id="7173" name="Picture 5"/>
+          <p:cNvPicPr>
+            <a:picLocks noChangeAspect="1" noChangeArrowheads="1"/>
+          </p:cNvPicPr>
+          <p:nvPr/>
+        </p:nvPicPr>
+        <p:blipFill>
+          <a:blip r:embed="rId5">
+            <a:extLst>
+              <a:ext uri="{28A0092B-C50C-407E-A947-70E740481C1C}">
+                <a14:useLocalDpi xmlns:a14="http://schemas.microsoft.com/office/drawing/2010/main" val="0"/>
+              </a:ext>
+            </a:extLst>
+          </a:blip>
+          <a:srcRect/>
+          <a:stretch>
+            <a:fillRect/>
+          </a:stretch>
+        </p:blipFill>
+        <p:spPr bwMode="auto">
+          <a:xfrm>
+            <a:off x="467544" y="4035832"/>
+            <a:ext cx="3944291" cy="301749"/>
+          </a:xfrm>
+          <a:prstGeom prst="rect">
+            <a:avLst/>
+          </a:prstGeom>
+          <a:noFill/>
+          <a:ln>
+            <a:noFill/>
+          </a:ln>
+          <a:effectLst/>
+          <a:extLst>
+            <a:ext uri="{909E8E84-426E-40DD-AFC4-6F175D3DCCD1}">
+              <a14:hiddenFill xmlns:a14="http://schemas.microsoft.com/office/drawing/2010/main">
+                <a:solidFill>
+                  <a:schemeClr val="accent1"/>
+                </a:solidFill>
+              </a14:hiddenFill>
+            </a:ext>
+            <a:ext uri="{91240B29-F687-4F45-9708-019B960494DF}">
+              <a14:hiddenLine xmlns:a14="http://schemas.microsoft.com/office/drawing/2010/main" w="9525">
+                <a:solidFill>
+                  <a:schemeClr val="tx1"/>
+                </a:solidFill>
+                <a:miter lim="800000"/>
+                <a:headEnd/>
+                <a:tailEnd/>
+              </a14:hiddenLine>
+            </a:ext>
+            <a:ext uri="{AF507438-7753-43E0-B8FC-AC1667EBCBE1}">
+              <a14:hiddenEffects xmlns:a14="http://schemas.microsoft.com/office/drawing/2010/main">
+                <a:effectLst>
+                  <a:outerShdw dist="35921" dir="2700000" algn="ctr" rotWithShape="0">
+                    <a:schemeClr val="bg2"/>
+                  </a:outerShdw>
+                </a:effectLst>
+              </a14:hiddenEffects>
+            </a:ext>
+          </a:extLst>
+        </p:spPr>
+      </p:pic>
+    </p:spTree>
+    <p:extLst>
+      <p:ext uri="{BB962C8B-B14F-4D97-AF65-F5344CB8AC3E}">
+        <p14:creationId xmlns:p14="http://schemas.microsoft.com/office/powerpoint/2010/main" val="3755817107"/>
+      </p:ext>
+    </p:extLst>
+  </p:cSld>
+  <p:clrMapOvr>
+    <a:masterClrMapping/>
+  </p:clrMapOvr>
+  <p:timing>
+    <p:tnLst>
+      <p:par>
+        <p:cTn id="1" dur="indefinite" restart="never" nodeType="tmRoot">
+          <p:childTnLst>
+            <p:seq concurrent="1" nextAc="seek">
+              <p:cTn id="2" dur="indefinite" nodeType="mainSeq">
+                <p:childTnLst>
+                  <p:par>
+                    <p:cTn id="3" fill="hold">
+                      <p:stCondLst>
+                        <p:cond delay="indefinite"/>
+                      </p:stCondLst>
+                      <p:childTnLst>
+                        <p:par>
+                          <p:cTn id="4" fill="hold">
+                            <p:stCondLst>
+                              <p:cond delay="0"/>
+                            </p:stCondLst>
+                            <p:childTnLst>
+                              <p:par>
+                                <p:cTn id="5" presetID="1" presetClass="entr" presetSubtype="0" fill="hold" nodeType="clickEffect">
+                                  <p:stCondLst>
+                                    <p:cond delay="0"/>
+                                  </p:stCondLst>
+                                  <p:childTnLst>
+                                    <p:set>
+                                      <p:cBhvr>
+                                        <p:cTn id="6" dur="1" fill="hold">
+                                          <p:stCondLst>
+                                            <p:cond delay="0"/>
+                                          </p:stCondLst>
+                                        </p:cTn>
+                                        <p:tgtEl>
+                                          <p:spTgt spid="7170"/>
+                                        </p:tgtEl>
+                                        <p:attrNameLst>
+                                          <p:attrName>style.visibility</p:attrName>
+                                        </p:attrNameLst>
+                                      </p:cBhvr>
+                                      <p:to>
+                                        <p:strVal val="visible"/>
+                                      </p:to>
+                                    </p:set>
+                                  </p:childTnLst>
+                                </p:cTn>
+                              </p:par>
+                            </p:childTnLst>
+                          </p:cTn>
+                        </p:par>
+                      </p:childTnLst>
+                    </p:cTn>
+                  </p:par>
+                  <p:par>
+                    <p:cTn id="7" fill="hold">
+                      <p:stCondLst>
+                        <p:cond delay="indefinite"/>
+                      </p:stCondLst>
+                      <p:childTnLst>
+                        <p:par>
+                          <p:cTn id="8" fill="hold">
+                            <p:stCondLst>
+                              <p:cond delay="0"/>
+                            </p:stCondLst>
+                            <p:childTnLst>
+                              <p:par>
+                                <p:cTn id="9" presetID="1" presetClass="entr" presetSubtype="0" fill="hold" nodeType="clickEffect">
+                                  <p:stCondLst>
+                                    <p:cond delay="0"/>
+                                  </p:stCondLst>
+                                  <p:childTnLst>
+                                    <p:set>
+                                      <p:cBhvr>
+                                        <p:cTn id="10" dur="1" fill="hold">
+                                          <p:stCondLst>
+                                            <p:cond delay="0"/>
+                                          </p:stCondLst>
+                                        </p:cTn>
+                                        <p:tgtEl>
+                                          <p:spTgt spid="7171"/>
+                                        </p:tgtEl>
+                                        <p:attrNameLst>
+                                          <p:attrName>style.visibility</p:attrName>
+                                        </p:attrNameLst>
+                                      </p:cBhvr>
+                                      <p:to>
+                                        <p:strVal val="visible"/>
+                                      </p:to>
+                                    </p:set>
+                                  </p:childTnLst>
+                                </p:cTn>
+                              </p:par>
+                            </p:childTnLst>
+                          </p:cTn>
+                        </p:par>
+                      </p:childTnLst>
+                    </p:cTn>
+                  </p:par>
+                  <p:par>
+                    <p:cTn id="11" fill="hold">
+                      <p:stCondLst>
+                        <p:cond delay="indefinite"/>
+                      </p:stCondLst>
+                      <p:childTnLst>
+                        <p:par>
+                          <p:cTn id="12" fill="hold">
+                            <p:stCondLst>
+                              <p:cond delay="0"/>
+                            </p:stCondLst>
+                            <p:childTnLst>
+                              <p:par>
+                                <p:cTn id="13" presetID="1" presetClass="entr" presetSubtype="0" fill="hold" nodeType="clickEffect">
+                                  <p:stCondLst>
+                                    <p:cond delay="0"/>
+                                  </p:stCondLst>
+                                  <p:childTnLst>
+                                    <p:set>
+                                      <p:cBhvr>
+                                        <p:cTn id="14" dur="1" fill="hold">
+                                          <p:stCondLst>
+                                            <p:cond delay="0"/>
+                                          </p:stCondLst>
+                                        </p:cTn>
+                                        <p:tgtEl>
+                                          <p:spTgt spid="7172"/>
+                                        </p:tgtEl>
+                                        <p:attrNameLst>
+                                          <p:attrName>style.visibility</p:attrName>
+                                        </p:attrNameLst>
+                                      </p:cBhvr>
+                                      <p:to>
+                                        <p:strVal val="visible"/>
+                                      </p:to>
+                                    </p:set>
+                                  </p:childTnLst>
+                                </p:cTn>
+                              </p:par>
+                            </p:childTnLst>
+                          </p:cTn>
+                        </p:par>
+                      </p:childTnLst>
+                    </p:cTn>
+                  </p:par>
+                  <p:par>
+                    <p:cTn id="15" fill="hold">
+                      <p:stCondLst>
+                        <p:cond delay="indefinite"/>
+                      </p:stCondLst>
+                      <p:childTnLst>
+                        <p:par>
+                          <p:cTn id="16" fill="hold">
+                            <p:stCondLst>
+                              <p:cond delay="0"/>
+                            </p:stCondLst>
+                            <p:childTnLst>
+                              <p:par>
+                                <p:cTn id="17" presetID="1" presetClass="entr" presetSubtype="0" fill="hold" nodeType="clickEffect">
+                                  <p:stCondLst>
+                                    <p:cond delay="0"/>
+                                  </p:stCondLst>
+                                  <p:childTnLst>
+                                    <p:set>
+                                      <p:cBhvr>
+                                        <p:cTn id="18" dur="1" fill="hold">
+                                          <p:stCondLst>
+                                            <p:cond delay="0"/>
+                                          </p:stCondLst>
+                                        </p:cTn>
+                                        <p:tgtEl>
+                                          <p:spTgt spid="7173"/>
+                                        </p:tgtEl>
+                                        <p:attrNameLst>
+                                          <p:attrName>style.visibility</p:attrName>
+                                        </p:attrNameLst>
+                                      </p:cBhvr>
+                                      <p:to>
+                                        <p:strVal val="visible"/>
+                                      </p:to>
+                                    </p:set>
+                                  </p:childTnLst>
+                                </p:cTn>
+                              </p:par>
+                            </p:childTnLst>
+                          </p:cTn>
+                        </p:par>
+                      </p:childTnLst>
+                    </p:cTn>
+                  </p:par>
+                </p:childTnLst>
+              </p:cTn>
+              <p:prevCondLst>
+                <p:cond evt="onPrev" delay="0">
+                  <p:tgtEl>
+                    <p:sldTgt/>
+                  </p:tgtEl>
+                </p:cond>
+              </p:prevCondLst>
+              <p:nextCondLst>
+                <p:cond evt="onNext" delay="0">
+                  <p:tgtEl>
+                    <p:sldTgt/>
+                  </p:tgtEl>
+                </p:cond>
+              </p:nextCondLst>
+            </p:seq>
+          </p:childTnLst>
+        </p:cTn>
+      </p:par>
+    </p:tnLst>
+  </p:timing>
+</p:sld>
+</file>
+
+<file path=ppt/slides/slide25.xml><?xml version="1.0" encoding="utf-8"?>
+<p:sld xmlns:a="http://schemas.openxmlformats.org/drawingml/2006/main" xmlns:r="http://schemas.openxmlformats.org/officeDocument/2006/relationships" xmlns:p="http://schemas.openxmlformats.org/presentationml/2006/main">
+  <p:cSld>
+    <p:spTree>
+      <p:nvGrpSpPr>
+        <p:cNvPr id="1" name=""/>
+        <p:cNvGrpSpPr/>
+        <p:nvPr/>
+      </p:nvGrpSpPr>
+      <p:grpSpPr>
+        <a:xfrm>
+          <a:off x="0" y="0"/>
+          <a:ext cx="0" cy="0"/>
+          <a:chOff x="0" y="0"/>
+          <a:chExt cx="0" cy="0"/>
+        </a:xfrm>
+      </p:grpSpPr>
+      <p:sp>
+        <p:nvSpPr>
+          <p:cNvPr id="2" name="제목 1"/>
+          <p:cNvSpPr>
+            <a:spLocks noGrp="1"/>
+          </p:cNvSpPr>
+          <p:nvPr>
+            <p:ph type="title"/>
+          </p:nvPr>
+        </p:nvSpPr>
+        <p:spPr/>
+        <p:txBody>
+          <a:bodyPr/>
+          <a:lstStyle/>
+          <a:p>
+            <a:r>
+              <a:rPr lang="ko-KR" altLang="en-US" dirty="0" smtClean="0"/>
+              <a:t>설정 확인</a:t>
+            </a:r>
+            <a:endParaRPr lang="ko-KR" altLang="en-US" dirty="0"/>
+          </a:p>
+        </p:txBody>
+      </p:sp>
+      <p:sp>
+        <p:nvSpPr>
+          <p:cNvPr id="3" name="내용 개체 틀 2"/>
+          <p:cNvSpPr>
+            <a:spLocks noGrp="1"/>
+          </p:cNvSpPr>
+          <p:nvPr>
+            <p:ph idx="1"/>
+          </p:nvPr>
+        </p:nvSpPr>
+        <p:spPr/>
+        <p:txBody>
+          <a:bodyPr/>
+          <a:lstStyle/>
+          <a:p>
+            <a:endParaRPr lang="ko-KR" altLang="en-US"/>
+          </a:p>
+        </p:txBody>
+      </p:sp>
+      <p:pic>
+        <p:nvPicPr>
+          <p:cNvPr id="8194" name="Picture 2"/>
+          <p:cNvPicPr>
+            <a:picLocks noChangeAspect="1" noChangeArrowheads="1"/>
+          </p:cNvPicPr>
+          <p:nvPr/>
+        </p:nvPicPr>
+        <p:blipFill>
+          <a:blip r:embed="rId2">
+            <a:extLst>
+              <a:ext uri="{28A0092B-C50C-407E-A947-70E740481C1C}">
+                <a14:useLocalDpi xmlns:a14="http://schemas.microsoft.com/office/drawing/2010/main" val="0"/>
+              </a:ext>
+            </a:extLst>
+          </a:blip>
+          <a:srcRect/>
+          <a:stretch>
+            <a:fillRect/>
+          </a:stretch>
+        </p:blipFill>
+        <p:spPr bwMode="auto">
+          <a:xfrm>
+            <a:off x="539552" y="4077072"/>
+            <a:ext cx="6811441" cy="1643320"/>
+          </a:xfrm>
+          <a:prstGeom prst="rect">
+            <a:avLst/>
+          </a:prstGeom>
+          <a:noFill/>
+          <a:ln>
+            <a:noFill/>
+          </a:ln>
+          <a:effectLst/>
+          <a:extLst>
+            <a:ext uri="{909E8E84-426E-40DD-AFC4-6F175D3DCCD1}">
+              <a14:hiddenFill xmlns:a14="http://schemas.microsoft.com/office/drawing/2010/main">
+                <a:solidFill>
+                  <a:schemeClr val="accent1"/>
+                </a:solidFill>
+              </a14:hiddenFill>
+            </a:ext>
+            <a:ext uri="{91240B29-F687-4F45-9708-019B960494DF}">
+              <a14:hiddenLine xmlns:a14="http://schemas.microsoft.com/office/drawing/2010/main" w="9525">
+                <a:solidFill>
+                  <a:schemeClr val="tx1"/>
+                </a:solidFill>
+                <a:miter lim="800000"/>
+                <a:headEnd/>
+                <a:tailEnd/>
+              </a14:hiddenLine>
+            </a:ext>
+            <a:ext uri="{AF507438-7753-43E0-B8FC-AC1667EBCBE1}">
+              <a14:hiddenEffects xmlns:a14="http://schemas.microsoft.com/office/drawing/2010/main">
+                <a:effectLst>
+                  <a:outerShdw dist="35921" dir="2700000" algn="ctr" rotWithShape="0">
+                    <a:schemeClr val="bg2"/>
+                  </a:outerShdw>
+                </a:effectLst>
+              </a14:hiddenEffects>
+            </a:ext>
+          </a:extLst>
+        </p:spPr>
+      </p:pic>
+      <p:pic>
+        <p:nvPicPr>
+          <p:cNvPr id="8196" name="Picture 4"/>
+          <p:cNvPicPr>
+            <a:picLocks noChangeAspect="1" noChangeArrowheads="1"/>
+          </p:cNvPicPr>
+          <p:nvPr/>
+        </p:nvPicPr>
+        <p:blipFill>
+          <a:blip r:embed="rId3">
+            <a:extLst>
+              <a:ext uri="{28A0092B-C50C-407E-A947-70E740481C1C}">
+                <a14:useLocalDpi xmlns:a14="http://schemas.microsoft.com/office/drawing/2010/main" val="0"/>
+              </a:ext>
+            </a:extLst>
+          </a:blip>
+          <a:srcRect/>
+          <a:stretch>
+            <a:fillRect/>
+          </a:stretch>
+        </p:blipFill>
+        <p:spPr bwMode="auto">
+          <a:xfrm>
+            <a:off x="539552" y="1916832"/>
+            <a:ext cx="6840760" cy="1368152"/>
+          </a:xfrm>
+          <a:prstGeom prst="rect">
+            <a:avLst/>
+          </a:prstGeom>
+          <a:noFill/>
+          <a:ln>
+            <a:noFill/>
+          </a:ln>
+          <a:effectLst/>
+          <a:extLst>
+            <a:ext uri="{909E8E84-426E-40DD-AFC4-6F175D3DCCD1}">
+              <a14:hiddenFill xmlns:a14="http://schemas.microsoft.com/office/drawing/2010/main">
+                <a:solidFill>
+                  <a:schemeClr val="accent1"/>
+                </a:solidFill>
+              </a14:hiddenFill>
+            </a:ext>
+            <a:ext uri="{91240B29-F687-4F45-9708-019B960494DF}">
+              <a14:hiddenLine xmlns:a14="http://schemas.microsoft.com/office/drawing/2010/main" w="9525">
+                <a:solidFill>
+                  <a:schemeClr val="tx1"/>
+                </a:solidFill>
+                <a:miter lim="800000"/>
+                <a:headEnd/>
+                <a:tailEnd/>
+              </a14:hiddenLine>
+            </a:ext>
+            <a:ext uri="{AF507438-7753-43E0-B8FC-AC1667EBCBE1}">
+              <a14:hiddenEffects xmlns:a14="http://schemas.microsoft.com/office/drawing/2010/main">
+                <a:effectLst>
+                  <a:outerShdw dist="35921" dir="2700000" algn="ctr" rotWithShape="0">
+                    <a:schemeClr val="bg2"/>
+                  </a:outerShdw>
+                </a:effectLst>
+              </a14:hiddenEffects>
+            </a:ext>
+          </a:extLst>
+        </p:spPr>
+      </p:pic>
+    </p:spTree>
+    <p:extLst>
+      <p:ext uri="{BB962C8B-B14F-4D97-AF65-F5344CB8AC3E}">
+        <p14:creationId xmlns:p14="http://schemas.microsoft.com/office/powerpoint/2010/main" val="1724224552"/>
+      </p:ext>
+    </p:extLst>
+  </p:cSld>
+  <p:clrMapOvr>
+    <a:masterClrMapping/>
+  </p:clrMapOvr>
+  <p:timing>
+    <p:tnLst>
+      <p:par>
+        <p:cTn id="1" dur="indefinite" restart="never" nodeType="tmRoot">
+          <p:childTnLst>
+            <p:seq concurrent="1" nextAc="seek">
+              <p:cTn id="2" dur="indefinite" nodeType="mainSeq">
+                <p:childTnLst>
+                  <p:par>
+                    <p:cTn id="3" fill="hold">
+                      <p:stCondLst>
+                        <p:cond delay="indefinite"/>
+                      </p:stCondLst>
+                      <p:childTnLst>
+                        <p:par>
+                          <p:cTn id="4" fill="hold">
+                            <p:stCondLst>
+                              <p:cond delay="0"/>
+                            </p:stCondLst>
+                            <p:childTnLst>
+                              <p:par>
+                                <p:cTn id="5" presetID="10" presetClass="entr" presetSubtype="0" fill="hold" nodeType="clickEffect">
+                                  <p:stCondLst>
+                                    <p:cond delay="0"/>
+                                  </p:stCondLst>
+                                  <p:childTnLst>
+                                    <p:set>
+                                      <p:cBhvr>
+                                        <p:cTn id="6" dur="1" fill="hold">
+                                          <p:stCondLst>
+                                            <p:cond delay="0"/>
+                                          </p:stCondLst>
+                                        </p:cTn>
+                                        <p:tgtEl>
+                                          <p:spTgt spid="8196"/>
+                                        </p:tgtEl>
+                                        <p:attrNameLst>
+                                          <p:attrName>style.visibility</p:attrName>
+                                        </p:attrNameLst>
+                                      </p:cBhvr>
+                                      <p:to>
+                                        <p:strVal val="visible"/>
+                                      </p:to>
+                                    </p:set>
+                                    <p:animEffect transition="in" filter="fade">
+                                      <p:cBhvr>
+                                        <p:cTn id="7" dur="500"/>
+                                        <p:tgtEl>
+                                          <p:spTgt spid="8196"/>
+                                        </p:tgtEl>
+                                      </p:cBhvr>
+                                    </p:animEffect>
+                                  </p:childTnLst>
+                                </p:cTn>
+                              </p:par>
+                            </p:childTnLst>
+                          </p:cTn>
+                        </p:par>
+                      </p:childTnLst>
+                    </p:cTn>
+                  </p:par>
+                  <p:par>
+                    <p:cTn id="8" fill="hold">
+                      <p:stCondLst>
+                        <p:cond delay="indefinite"/>
+                      </p:stCondLst>
+                      <p:childTnLst>
+                        <p:par>
+                          <p:cTn id="9" fill="hold">
+                            <p:stCondLst>
+                              <p:cond delay="0"/>
+                            </p:stCondLst>
+                            <p:childTnLst>
+                              <p:par>
+                                <p:cTn id="10" presetID="10" presetClass="entr" presetSubtype="0" fill="hold" nodeType="clickEffect">
+                                  <p:stCondLst>
+                                    <p:cond delay="0"/>
+                                  </p:stCondLst>
+                                  <p:childTnLst>
+                                    <p:set>
+                                      <p:cBhvr>
+                                        <p:cTn id="11" dur="1" fill="hold">
+                                          <p:stCondLst>
+                                            <p:cond delay="0"/>
+                                          </p:stCondLst>
+                                        </p:cTn>
+                                        <p:tgtEl>
+                                          <p:spTgt spid="8194"/>
+                                        </p:tgtEl>
+                                        <p:attrNameLst>
+                                          <p:attrName>style.visibility</p:attrName>
+                                        </p:attrNameLst>
+                                      </p:cBhvr>
+                                      <p:to>
+                                        <p:strVal val="visible"/>
+                                      </p:to>
+                                    </p:set>
+                                    <p:animEffect transition="in" filter="fade">
+                                      <p:cBhvr>
+                                        <p:cTn id="12" dur="500"/>
+                                        <p:tgtEl>
+                                          <p:spTgt spid="8194"/>
+                                        </p:tgtEl>
+                                      </p:cBhvr>
+                                    </p:animEffect>
+                                  </p:childTnLst>
+                                </p:cTn>
+                              </p:par>
+                            </p:childTnLst>
+                          </p:cTn>
+                        </p:par>
+                      </p:childTnLst>
+                    </p:cTn>
+                  </p:par>
+                </p:childTnLst>
+              </p:cTn>
+              <p:prevCondLst>
+                <p:cond evt="onPrev" delay="0">
+                  <p:tgtEl>
+                    <p:sldTgt/>
+                  </p:tgtEl>
+                </p:cond>
+              </p:prevCondLst>
+              <p:nextCondLst>
+                <p:cond evt="onNext" delay="0">
+                  <p:tgtEl>
+                    <p:sldTgt/>
+                  </p:tgtEl>
+                </p:cond>
+              </p:nextCondLst>
+            </p:seq>
+          </p:childTnLst>
+        </p:cTn>
+      </p:par>
+    </p:tnLst>
+  </p:timing>
+</p:sld>
+</file>
+
+<file path=ppt/slides/slide26.xml><?xml version="1.0" encoding="utf-8"?>
+<p:sld xmlns:a="http://schemas.openxmlformats.org/drawingml/2006/main" xmlns:r="http://schemas.openxmlformats.org/officeDocument/2006/relationships" xmlns:p="http://schemas.openxmlformats.org/presentationml/2006/main">
+  <p:cSld>
+    <p:spTree>
+      <p:nvGrpSpPr>
+        <p:cNvPr id="1" name=""/>
+        <p:cNvGrpSpPr/>
+        <p:nvPr/>
+      </p:nvGrpSpPr>
+      <p:grpSpPr>
+        <a:xfrm>
+          <a:off x="0" y="0"/>
+          <a:ext cx="0" cy="0"/>
+          <a:chOff x="0" y="0"/>
+          <a:chExt cx="0" cy="0"/>
+        </a:xfrm>
+      </p:grpSpPr>
+      <p:sp>
+        <p:nvSpPr>
+          <p:cNvPr id="2" name="제목 1"/>
+          <p:cNvSpPr>
+            <a:spLocks noGrp="1"/>
+          </p:cNvSpPr>
+          <p:nvPr>
+            <p:ph type="title"/>
+          </p:nvPr>
+        </p:nvSpPr>
+        <p:spPr/>
+        <p:txBody>
+          <a:bodyPr/>
+          <a:lstStyle/>
+          <a:p>
+            <a:r>
+              <a:rPr lang="ko-KR" altLang="en-US" dirty="0" err="1" smtClean="0"/>
+              <a:t>라우팅</a:t>
+            </a:r>
+            <a:endParaRPr lang="ko-KR" altLang="en-US" dirty="0"/>
+          </a:p>
+        </p:txBody>
+      </p:sp>
+      <p:sp>
+        <p:nvSpPr>
+          <p:cNvPr id="3" name="내용 개체 틀 2"/>
+          <p:cNvSpPr>
+            <a:spLocks noGrp="1"/>
+          </p:cNvSpPr>
+          <p:nvPr>
+            <p:ph idx="1"/>
+          </p:nvPr>
+        </p:nvSpPr>
+        <p:spPr/>
+        <p:txBody>
+          <a:bodyPr/>
+          <a:lstStyle/>
+          <a:p>
+            <a:endParaRPr lang="ko-KR" altLang="en-US" dirty="0"/>
+          </a:p>
+        </p:txBody>
+      </p:sp>
+      <p:pic>
+        <p:nvPicPr>
+          <p:cNvPr id="10242" name="Picture 2"/>
+          <p:cNvPicPr>
+            <a:picLocks noChangeAspect="1" noChangeArrowheads="1"/>
+          </p:cNvPicPr>
+          <p:nvPr/>
+        </p:nvPicPr>
+        <p:blipFill>
+          <a:blip r:embed="rId2">
+            <a:extLst>
+              <a:ext uri="{28A0092B-C50C-407E-A947-70E740481C1C}">
+                <a14:useLocalDpi xmlns:a14="http://schemas.microsoft.com/office/drawing/2010/main" val="0"/>
+              </a:ext>
+            </a:extLst>
+          </a:blip>
+          <a:srcRect/>
+          <a:stretch>
+            <a:fillRect/>
+          </a:stretch>
+        </p:blipFill>
+        <p:spPr bwMode="auto">
+          <a:xfrm>
+            <a:off x="453257" y="2276872"/>
+            <a:ext cx="7755267" cy="626470"/>
+          </a:xfrm>
+          <a:prstGeom prst="rect">
+            <a:avLst/>
+          </a:prstGeom>
+          <a:noFill/>
+          <a:ln>
+            <a:noFill/>
+          </a:ln>
+          <a:effectLst/>
+          <a:extLst>
+            <a:ext uri="{909E8E84-426E-40DD-AFC4-6F175D3DCCD1}">
+              <a14:hiddenFill xmlns:a14="http://schemas.microsoft.com/office/drawing/2010/main">
+                <a:solidFill>
+                  <a:schemeClr val="accent1"/>
+                </a:solidFill>
+              </a14:hiddenFill>
+            </a:ext>
+            <a:ext uri="{91240B29-F687-4F45-9708-019B960494DF}">
+              <a14:hiddenLine xmlns:a14="http://schemas.microsoft.com/office/drawing/2010/main" w="9525">
+                <a:solidFill>
+                  <a:schemeClr val="tx1"/>
+                </a:solidFill>
+                <a:miter lim="800000"/>
+                <a:headEnd/>
+                <a:tailEnd/>
+              </a14:hiddenLine>
+            </a:ext>
+            <a:ext uri="{AF507438-7753-43E0-B8FC-AC1667EBCBE1}">
+              <a14:hiddenEffects xmlns:a14="http://schemas.microsoft.com/office/drawing/2010/main">
+                <a:effectLst>
+                  <a:outerShdw dist="35921" dir="2700000" algn="ctr" rotWithShape="0">
+                    <a:schemeClr val="bg2"/>
+                  </a:outerShdw>
+                </a:effectLst>
+              </a14:hiddenEffects>
+            </a:ext>
+          </a:extLst>
+        </p:spPr>
+      </p:pic>
+      <p:pic>
+        <p:nvPicPr>
+          <p:cNvPr id="10243" name="Picture 3"/>
+          <p:cNvPicPr>
+            <a:picLocks noChangeAspect="1" noChangeArrowheads="1"/>
+          </p:cNvPicPr>
+          <p:nvPr/>
+        </p:nvPicPr>
+        <p:blipFill>
+          <a:blip r:embed="rId3">
+            <a:extLst>
+              <a:ext uri="{28A0092B-C50C-407E-A947-70E740481C1C}">
+                <a14:useLocalDpi xmlns:a14="http://schemas.microsoft.com/office/drawing/2010/main" val="0"/>
+              </a:ext>
+            </a:extLst>
+          </a:blip>
+          <a:srcRect/>
+          <a:stretch>
+            <a:fillRect/>
+          </a:stretch>
+        </p:blipFill>
+        <p:spPr bwMode="auto">
+          <a:xfrm>
+            <a:off x="467544" y="3573016"/>
+            <a:ext cx="7690454" cy="648072"/>
+          </a:xfrm>
+          <a:prstGeom prst="rect">
+            <a:avLst/>
+          </a:prstGeom>
+          <a:noFill/>
+          <a:ln>
+            <a:noFill/>
+          </a:ln>
+          <a:effectLst/>
+          <a:extLst>
+            <a:ext uri="{909E8E84-426E-40DD-AFC4-6F175D3DCCD1}">
+              <a14:hiddenFill xmlns:a14="http://schemas.microsoft.com/office/drawing/2010/main">
+                <a:solidFill>
+                  <a:schemeClr val="accent1"/>
+                </a:solidFill>
+              </a14:hiddenFill>
+            </a:ext>
+            <a:ext uri="{91240B29-F687-4F45-9708-019B960494DF}">
+              <a14:hiddenLine xmlns:a14="http://schemas.microsoft.com/office/drawing/2010/main" w="9525">
+                <a:solidFill>
+                  <a:schemeClr val="tx1"/>
+                </a:solidFill>
+                <a:miter lim="800000"/>
+                <a:headEnd/>
+                <a:tailEnd/>
+              </a14:hiddenLine>
+            </a:ext>
+            <a:ext uri="{AF507438-7753-43E0-B8FC-AC1667EBCBE1}">
+              <a14:hiddenEffects xmlns:a14="http://schemas.microsoft.com/office/drawing/2010/main">
+                <a:effectLst>
+                  <a:outerShdw dist="35921" dir="2700000" algn="ctr" rotWithShape="0">
+                    <a:schemeClr val="bg2"/>
+                  </a:outerShdw>
+                </a:effectLst>
+              </a14:hiddenEffects>
+            </a:ext>
+          </a:extLst>
+        </p:spPr>
+      </p:pic>
+    </p:spTree>
+    <p:extLst>
+      <p:ext uri="{BB962C8B-B14F-4D97-AF65-F5344CB8AC3E}">
+        <p14:creationId xmlns:p14="http://schemas.microsoft.com/office/powerpoint/2010/main" val="1624365268"/>
+      </p:ext>
+    </p:extLst>
+  </p:cSld>
+  <p:clrMapOvr>
+    <a:masterClrMapping/>
+  </p:clrMapOvr>
+  <p:timing>
+    <p:tnLst>
+      <p:par>
+        <p:cTn id="1" dur="indefinite" restart="never" nodeType="tmRoot">
+          <p:childTnLst>
+            <p:seq concurrent="1" nextAc="seek">
+              <p:cTn id="2" dur="indefinite" nodeType="mainSeq">
+                <p:childTnLst>
+                  <p:par>
+                    <p:cTn id="3" fill="hold">
+                      <p:stCondLst>
+                        <p:cond delay="indefinite"/>
+                      </p:stCondLst>
+                      <p:childTnLst>
+                        <p:par>
+                          <p:cTn id="4" fill="hold">
+                            <p:stCondLst>
+                              <p:cond delay="0"/>
+                            </p:stCondLst>
+                            <p:childTnLst>
+                              <p:par>
+                                <p:cTn id="5" presetID="10" presetClass="entr" presetSubtype="0" fill="hold" nodeType="clickEffect">
+                                  <p:stCondLst>
+                                    <p:cond delay="0"/>
+                                  </p:stCondLst>
+                                  <p:childTnLst>
+                                    <p:set>
+                                      <p:cBhvr>
+                                        <p:cTn id="6" dur="1" fill="hold">
+                                          <p:stCondLst>
+                                            <p:cond delay="0"/>
+                                          </p:stCondLst>
+                                        </p:cTn>
+                                        <p:tgtEl>
+                                          <p:spTgt spid="10242"/>
+                                        </p:tgtEl>
+                                        <p:attrNameLst>
+                                          <p:attrName>style.visibility</p:attrName>
+                                        </p:attrNameLst>
+                                      </p:cBhvr>
+                                      <p:to>
+                                        <p:strVal val="visible"/>
+                                      </p:to>
+                                    </p:set>
+                                    <p:animEffect transition="in" filter="fade">
+                                      <p:cBhvr>
+                                        <p:cTn id="7" dur="500"/>
+                                        <p:tgtEl>
+                                          <p:spTgt spid="10242"/>
+                                        </p:tgtEl>
+                                      </p:cBhvr>
+                                    </p:animEffect>
+                                  </p:childTnLst>
+                                </p:cTn>
+                              </p:par>
+                            </p:childTnLst>
+                          </p:cTn>
+                        </p:par>
+                      </p:childTnLst>
+                    </p:cTn>
+                  </p:par>
+                  <p:par>
+                    <p:cTn id="8" fill="hold">
+                      <p:stCondLst>
+                        <p:cond delay="indefinite"/>
+                      </p:stCondLst>
+                      <p:childTnLst>
+                        <p:par>
+                          <p:cTn id="9" fill="hold">
+                            <p:stCondLst>
+                              <p:cond delay="0"/>
+                            </p:stCondLst>
+                            <p:childTnLst>
+                              <p:par>
+                                <p:cTn id="10" presetID="10" presetClass="entr" presetSubtype="0" fill="hold" nodeType="clickEffect">
+                                  <p:stCondLst>
+                                    <p:cond delay="0"/>
+                                  </p:stCondLst>
+                                  <p:childTnLst>
+                                    <p:set>
+                                      <p:cBhvr>
+                                        <p:cTn id="11" dur="1" fill="hold">
+                                          <p:stCondLst>
+                                            <p:cond delay="0"/>
+                                          </p:stCondLst>
+                                        </p:cTn>
+                                        <p:tgtEl>
+                                          <p:spTgt spid="10243"/>
+                                        </p:tgtEl>
+                                        <p:attrNameLst>
+                                          <p:attrName>style.visibility</p:attrName>
+                                        </p:attrNameLst>
+                                      </p:cBhvr>
+                                      <p:to>
+                                        <p:strVal val="visible"/>
+                                      </p:to>
+                                    </p:set>
+                                    <p:animEffect transition="in" filter="fade">
+                                      <p:cBhvr>
+                                        <p:cTn id="12" dur="500"/>
+                                        <p:tgtEl>
+                                          <p:spTgt spid="10243"/>
+                                        </p:tgtEl>
+                                      </p:cBhvr>
+                                    </p:animEffect>
+                                  </p:childTnLst>
+                                </p:cTn>
+                              </p:par>
+                            </p:childTnLst>
+                          </p:cTn>
+                        </p:par>
+                      </p:childTnLst>
+                    </p:cTn>
+                  </p:par>
+                </p:childTnLst>
+              </p:cTn>
+              <p:prevCondLst>
+                <p:cond evt="onPrev" delay="0">
+                  <p:tgtEl>
+                    <p:sldTgt/>
+                  </p:tgtEl>
+                </p:cond>
+              </p:prevCondLst>
+              <p:nextCondLst>
+                <p:cond evt="onNext" delay="0">
+                  <p:tgtEl>
+                    <p:sldTgt/>
+                  </p:tgtEl>
+                </p:cond>
+              </p:nextCondLst>
+            </p:seq>
+          </p:childTnLst>
+        </p:cTn>
+      </p:par>
+    </p:tnLst>
+  </p:timing>
+</p:sld>
+</file>
+
+<file path=ppt/slides/slide27.xml><?xml version="1.0" encoding="utf-8"?>
 <p:sld xmlns:a="http://schemas.openxmlformats.org/drawingml/2006/main" xmlns:r="http://schemas.openxmlformats.org/officeDocument/2006/relationships" xmlns:p="http://schemas.openxmlformats.org/presentationml/2006/main">
   <p:cSld>
     <p:spTree>
@@ -8600,7 +12277,7 @@
 </p:sld>
 </file>
 
-<file path=ppt/slides/slide21.xml><?xml version="1.0" encoding="utf-8"?>
+<file path=ppt/slides/slide28.xml><?xml version="1.0" encoding="utf-8"?>
 <p:sld xmlns:a="http://schemas.openxmlformats.org/drawingml/2006/main" xmlns:r="http://schemas.openxmlformats.org/officeDocument/2006/relationships" xmlns:p="http://schemas.openxmlformats.org/presentationml/2006/main">
   <p:cSld>
     <p:spTree>
@@ -8817,7 +12494,7 @@
 </p:sld>
 </file>
 
-<file path=ppt/slides/slide22.xml><?xml version="1.0" encoding="utf-8"?>
+<file path=ppt/slides/slide29.xml><?xml version="1.0" encoding="utf-8"?>
 <p:sld xmlns:a="http://schemas.openxmlformats.org/drawingml/2006/main" xmlns:r="http://schemas.openxmlformats.org/officeDocument/2006/relationships" xmlns:p="http://schemas.openxmlformats.org/presentationml/2006/main">
   <p:cSld>
     <p:spTree>

--- a/network interface.pptx
+++ b/network interface.pptx
@@ -7553,6 +7553,303 @@
                       </p:childTnLst>
                     </p:cTn>
                   </p:par>
+                  <p:par>
+                    <p:cTn id="45" fill="hold">
+                      <p:stCondLst>
+                        <p:cond delay="indefinite"/>
+                      </p:stCondLst>
+                      <p:childTnLst>
+                        <p:par>
+                          <p:cTn id="46" fill="hold">
+                            <p:stCondLst>
+                              <p:cond delay="0"/>
+                            </p:stCondLst>
+                            <p:childTnLst>
+                              <p:par>
+                                <p:cTn id="47" presetID="42" presetClass="entr" presetSubtype="0" fill="hold" nodeType="clickEffect">
+                                  <p:stCondLst>
+                                    <p:cond delay="0"/>
+                                  </p:stCondLst>
+                                  <p:childTnLst>
+                                    <p:set>
+                                      <p:cBhvr>
+                                        <p:cTn id="48" dur="1" fill="hold">
+                                          <p:stCondLst>
+                                            <p:cond delay="0"/>
+                                          </p:stCondLst>
+                                        </p:cTn>
+                                        <p:tgtEl>
+                                          <p:spTgt spid="2053"/>
+                                        </p:tgtEl>
+                                        <p:attrNameLst>
+                                          <p:attrName>style.visibility</p:attrName>
+                                        </p:attrNameLst>
+                                      </p:cBhvr>
+                                      <p:to>
+                                        <p:strVal val="visible"/>
+                                      </p:to>
+                                    </p:set>
+                                    <p:animEffect transition="in" filter="fade">
+                                      <p:cBhvr>
+                                        <p:cTn id="49" dur="1000"/>
+                                        <p:tgtEl>
+                                          <p:spTgt spid="2053"/>
+                                        </p:tgtEl>
+                                      </p:cBhvr>
+                                    </p:animEffect>
+                                    <p:anim calcmode="lin" valueType="num">
+                                      <p:cBhvr>
+                                        <p:cTn id="50" dur="1000" fill="hold"/>
+                                        <p:tgtEl>
+                                          <p:spTgt spid="2053"/>
+                                        </p:tgtEl>
+                                        <p:attrNameLst>
+                                          <p:attrName>ppt_x</p:attrName>
+                                        </p:attrNameLst>
+                                      </p:cBhvr>
+                                      <p:tavLst>
+                                        <p:tav tm="0">
+                                          <p:val>
+                                            <p:strVal val="#ppt_x"/>
+                                          </p:val>
+                                        </p:tav>
+                                        <p:tav tm="100000">
+                                          <p:val>
+                                            <p:strVal val="#ppt_x"/>
+                                          </p:val>
+                                        </p:tav>
+                                      </p:tavLst>
+                                    </p:anim>
+                                    <p:anim calcmode="lin" valueType="num">
+                                      <p:cBhvr>
+                                        <p:cTn id="51" dur="1000" fill="hold"/>
+                                        <p:tgtEl>
+                                          <p:spTgt spid="2053"/>
+                                        </p:tgtEl>
+                                        <p:attrNameLst>
+                                          <p:attrName>ppt_y</p:attrName>
+                                        </p:attrNameLst>
+                                      </p:cBhvr>
+                                      <p:tavLst>
+                                        <p:tav tm="0">
+                                          <p:val>
+                                            <p:strVal val="#ppt_y+.1"/>
+                                          </p:val>
+                                        </p:tav>
+                                        <p:tav tm="100000">
+                                          <p:val>
+                                            <p:strVal val="#ppt_y"/>
+                                          </p:val>
+                                        </p:tav>
+                                      </p:tavLst>
+                                    </p:anim>
+                                  </p:childTnLst>
+                                </p:cTn>
+                              </p:par>
+                            </p:childTnLst>
+                          </p:cTn>
+                        </p:par>
+                      </p:childTnLst>
+                    </p:cTn>
+                  </p:par>
+                  <p:par>
+                    <p:cTn id="52" fill="hold">
+                      <p:stCondLst>
+                        <p:cond delay="indefinite"/>
+                      </p:stCondLst>
+                      <p:childTnLst>
+                        <p:par>
+                          <p:cTn id="53" fill="hold">
+                            <p:stCondLst>
+                              <p:cond delay="0"/>
+                            </p:stCondLst>
+                            <p:childTnLst>
+                              <p:par>
+                                <p:cTn id="54" presetID="42" presetClass="entr" presetSubtype="0" fill="hold" nodeType="clickEffect">
+                                  <p:stCondLst>
+                                    <p:cond delay="0"/>
+                                  </p:stCondLst>
+                                  <p:childTnLst>
+                                    <p:set>
+                                      <p:cBhvr>
+                                        <p:cTn id="55" dur="1" fill="hold">
+                                          <p:stCondLst>
+                                            <p:cond delay="0"/>
+                                          </p:stCondLst>
+                                        </p:cTn>
+                                        <p:tgtEl>
+                                          <p:spTgt spid="2054"/>
+                                        </p:tgtEl>
+                                        <p:attrNameLst>
+                                          <p:attrName>style.visibility</p:attrName>
+                                        </p:attrNameLst>
+                                      </p:cBhvr>
+                                      <p:to>
+                                        <p:strVal val="visible"/>
+                                      </p:to>
+                                    </p:set>
+                                    <p:animEffect transition="in" filter="fade">
+                                      <p:cBhvr>
+                                        <p:cTn id="56" dur="1000"/>
+                                        <p:tgtEl>
+                                          <p:spTgt spid="2054"/>
+                                        </p:tgtEl>
+                                      </p:cBhvr>
+                                    </p:animEffect>
+                                    <p:anim calcmode="lin" valueType="num">
+                                      <p:cBhvr>
+                                        <p:cTn id="57" dur="1000" fill="hold"/>
+                                        <p:tgtEl>
+                                          <p:spTgt spid="2054"/>
+                                        </p:tgtEl>
+                                        <p:attrNameLst>
+                                          <p:attrName>ppt_x</p:attrName>
+                                        </p:attrNameLst>
+                                      </p:cBhvr>
+                                      <p:tavLst>
+                                        <p:tav tm="0">
+                                          <p:val>
+                                            <p:strVal val="#ppt_x"/>
+                                          </p:val>
+                                        </p:tav>
+                                        <p:tav tm="100000">
+                                          <p:val>
+                                            <p:strVal val="#ppt_x"/>
+                                          </p:val>
+                                        </p:tav>
+                                      </p:tavLst>
+                                    </p:anim>
+                                    <p:anim calcmode="lin" valueType="num">
+                                      <p:cBhvr>
+                                        <p:cTn id="58" dur="1000" fill="hold"/>
+                                        <p:tgtEl>
+                                          <p:spTgt spid="2054"/>
+                                        </p:tgtEl>
+                                        <p:attrNameLst>
+                                          <p:attrName>ppt_y</p:attrName>
+                                        </p:attrNameLst>
+                                      </p:cBhvr>
+                                      <p:tavLst>
+                                        <p:tav tm="0">
+                                          <p:val>
+                                            <p:strVal val="#ppt_y+.1"/>
+                                          </p:val>
+                                        </p:tav>
+                                        <p:tav tm="100000">
+                                          <p:val>
+                                            <p:strVal val="#ppt_y"/>
+                                          </p:val>
+                                        </p:tav>
+                                      </p:tavLst>
+                                    </p:anim>
+                                  </p:childTnLst>
+                                </p:cTn>
+                              </p:par>
+                            </p:childTnLst>
+                          </p:cTn>
+                        </p:par>
+                      </p:childTnLst>
+                    </p:cTn>
+                  </p:par>
+                  <p:par>
+                    <p:cTn id="59" fill="hold">
+                      <p:stCondLst>
+                        <p:cond delay="indefinite"/>
+                      </p:stCondLst>
+                      <p:childTnLst>
+                        <p:par>
+                          <p:cTn id="60" fill="hold">
+                            <p:stCondLst>
+                              <p:cond delay="0"/>
+                            </p:stCondLst>
+                            <p:childTnLst>
+                              <p:par>
+                                <p:cTn id="61" presetID="42" presetClass="entr" presetSubtype="0" fill="hold" nodeType="clickEffect">
+                                  <p:stCondLst>
+                                    <p:cond delay="0"/>
+                                  </p:stCondLst>
+                                  <p:childTnLst>
+                                    <p:set>
+                                      <p:cBhvr>
+                                        <p:cTn id="62" dur="1" fill="hold">
+                                          <p:stCondLst>
+                                            <p:cond delay="0"/>
+                                          </p:stCondLst>
+                                        </p:cTn>
+                                        <p:tgtEl>
+                                          <p:spTgt spid="2051"/>
+                                        </p:tgtEl>
+                                        <p:attrNameLst>
+                                          <p:attrName>style.visibility</p:attrName>
+                                        </p:attrNameLst>
+                                      </p:cBhvr>
+                                      <p:to>
+                                        <p:strVal val="visible"/>
+                                      </p:to>
+                                    </p:set>
+                                    <p:animEffect transition="in" filter="fade">
+                                      <p:cBhvr>
+                                        <p:cTn id="63" dur="1000"/>
+                                        <p:tgtEl>
+                                          <p:spTgt spid="2051"/>
+                                        </p:tgtEl>
+                                      </p:cBhvr>
+                                    </p:animEffect>
+                                    <p:anim calcmode="lin" valueType="num">
+                                      <p:cBhvr>
+                                        <p:cTn id="64" dur="1000" fill="hold"/>
+                                        <p:tgtEl>
+                                          <p:spTgt spid="2051"/>
+                                        </p:tgtEl>
+                                        <p:attrNameLst>
+                                          <p:attrName>ppt_x</p:attrName>
+                                        </p:attrNameLst>
+                                      </p:cBhvr>
+                                      <p:tavLst>
+                                        <p:tav tm="0">
+                                          <p:val>
+                                            <p:strVal val="#ppt_x"/>
+                                          </p:val>
+                                        </p:tav>
+                                        <p:tav tm="100000">
+                                          <p:val>
+                                            <p:strVal val="#ppt_x"/>
+                                          </p:val>
+                                        </p:tav>
+                                      </p:tavLst>
+                                    </p:anim>
+                                    <p:anim calcmode="lin" valueType="num">
+                                      <p:cBhvr>
+                                        <p:cTn id="65" dur="1000" fill="hold"/>
+                                        <p:tgtEl>
+                                          <p:spTgt spid="2051"/>
+                                        </p:tgtEl>
+                                        <p:attrNameLst>
+                                          <p:attrName>ppt_y</p:attrName>
+                                        </p:attrNameLst>
+                                      </p:cBhvr>
+                                      <p:tavLst>
+                                        <p:tav tm="0">
+                                          <p:val>
+                                            <p:strVal val="#ppt_y+.1"/>
+                                          </p:val>
+                                        </p:tav>
+                                        <p:tav tm="100000">
+                                          <p:val>
+                                            <p:strVal val="#ppt_y"/>
+                                          </p:val>
+                                        </p:tav>
+                                      </p:tavLst>
+                                    </p:anim>
+                                  </p:childTnLst>
+                                </p:cTn>
+                              </p:par>
+                            </p:childTnLst>
+                          </p:cTn>
+                        </p:par>
+                      </p:childTnLst>
+                    </p:cTn>
+                  </p:par>
                 </p:childTnLst>
               </p:cTn>
               <p:prevCondLst>
@@ -7752,7 +8049,439 @@
   <p:timing>
     <p:tnLst>
       <p:par>
-        <p:cTn id="1" dur="indefinite" restart="never" nodeType="tmRoot"/>
+        <p:cTn id="1" dur="indefinite" restart="never" nodeType="tmRoot">
+          <p:childTnLst>
+            <p:seq concurrent="1" nextAc="seek">
+              <p:cTn id="2" dur="indefinite" nodeType="mainSeq">
+                <p:childTnLst>
+                  <p:par>
+                    <p:cTn id="3" fill="hold">
+                      <p:stCondLst>
+                        <p:cond delay="indefinite"/>
+                      </p:stCondLst>
+                      <p:childTnLst>
+                        <p:par>
+                          <p:cTn id="4" fill="hold">
+                            <p:stCondLst>
+                              <p:cond delay="0"/>
+                            </p:stCondLst>
+                            <p:childTnLst>
+                              <p:par>
+                                <p:cTn id="5" presetID="10" presetClass="entr" presetSubtype="0" fill="hold" nodeType="clickEffect">
+                                  <p:stCondLst>
+                                    <p:cond delay="0"/>
+                                  </p:stCondLst>
+                                  <p:childTnLst>
+                                    <p:set>
+                                      <p:cBhvr>
+                                        <p:cTn id="6" dur="1" fill="hold">
+                                          <p:stCondLst>
+                                            <p:cond delay="0"/>
+                                          </p:stCondLst>
+                                        </p:cTn>
+                                        <p:tgtEl>
+                                          <p:spTgt spid="3">
+                                            <p:txEl>
+                                              <p:pRg st="0" end="0"/>
+                                            </p:txEl>
+                                          </p:spTgt>
+                                        </p:tgtEl>
+                                        <p:attrNameLst>
+                                          <p:attrName>style.visibility</p:attrName>
+                                        </p:attrNameLst>
+                                      </p:cBhvr>
+                                      <p:to>
+                                        <p:strVal val="visible"/>
+                                      </p:to>
+                                    </p:set>
+                                    <p:animEffect transition="in" filter="fade">
+                                      <p:cBhvr>
+                                        <p:cTn id="7" dur="500"/>
+                                        <p:tgtEl>
+                                          <p:spTgt spid="3">
+                                            <p:txEl>
+                                              <p:pRg st="0" end="0"/>
+                                            </p:txEl>
+                                          </p:spTgt>
+                                        </p:tgtEl>
+                                      </p:cBhvr>
+                                    </p:animEffect>
+                                  </p:childTnLst>
+                                </p:cTn>
+                              </p:par>
+                            </p:childTnLst>
+                          </p:cTn>
+                        </p:par>
+                      </p:childTnLst>
+                    </p:cTn>
+                  </p:par>
+                  <p:par>
+                    <p:cTn id="8" fill="hold">
+                      <p:stCondLst>
+                        <p:cond delay="indefinite"/>
+                      </p:stCondLst>
+                      <p:childTnLst>
+                        <p:par>
+                          <p:cTn id="9" fill="hold">
+                            <p:stCondLst>
+                              <p:cond delay="0"/>
+                            </p:stCondLst>
+                            <p:childTnLst>
+                              <p:par>
+                                <p:cTn id="10" presetID="10" presetClass="entr" presetSubtype="0" fill="hold" nodeType="clickEffect">
+                                  <p:stCondLst>
+                                    <p:cond delay="0"/>
+                                  </p:stCondLst>
+                                  <p:childTnLst>
+                                    <p:set>
+                                      <p:cBhvr>
+                                        <p:cTn id="11" dur="1" fill="hold">
+                                          <p:stCondLst>
+                                            <p:cond delay="0"/>
+                                          </p:stCondLst>
+                                        </p:cTn>
+                                        <p:tgtEl>
+                                          <p:spTgt spid="3">
+                                            <p:txEl>
+                                              <p:pRg st="1" end="1"/>
+                                            </p:txEl>
+                                          </p:spTgt>
+                                        </p:tgtEl>
+                                        <p:attrNameLst>
+                                          <p:attrName>style.visibility</p:attrName>
+                                        </p:attrNameLst>
+                                      </p:cBhvr>
+                                      <p:to>
+                                        <p:strVal val="visible"/>
+                                      </p:to>
+                                    </p:set>
+                                    <p:animEffect transition="in" filter="fade">
+                                      <p:cBhvr>
+                                        <p:cTn id="12" dur="500"/>
+                                        <p:tgtEl>
+                                          <p:spTgt spid="3">
+                                            <p:txEl>
+                                              <p:pRg st="1" end="1"/>
+                                            </p:txEl>
+                                          </p:spTgt>
+                                        </p:tgtEl>
+                                      </p:cBhvr>
+                                    </p:animEffect>
+                                  </p:childTnLst>
+                                </p:cTn>
+                              </p:par>
+                              <p:par>
+                                <p:cTn id="13" presetID="10" presetClass="entr" presetSubtype="0" fill="hold" nodeType="withEffect">
+                                  <p:stCondLst>
+                                    <p:cond delay="0"/>
+                                  </p:stCondLst>
+                                  <p:childTnLst>
+                                    <p:set>
+                                      <p:cBhvr>
+                                        <p:cTn id="14" dur="1" fill="hold">
+                                          <p:stCondLst>
+                                            <p:cond delay="0"/>
+                                          </p:stCondLst>
+                                        </p:cTn>
+                                        <p:tgtEl>
+                                          <p:spTgt spid="3">
+                                            <p:txEl>
+                                              <p:pRg st="2" end="2"/>
+                                            </p:txEl>
+                                          </p:spTgt>
+                                        </p:tgtEl>
+                                        <p:attrNameLst>
+                                          <p:attrName>style.visibility</p:attrName>
+                                        </p:attrNameLst>
+                                      </p:cBhvr>
+                                      <p:to>
+                                        <p:strVal val="visible"/>
+                                      </p:to>
+                                    </p:set>
+                                    <p:animEffect transition="in" filter="fade">
+                                      <p:cBhvr>
+                                        <p:cTn id="15" dur="500"/>
+                                        <p:tgtEl>
+                                          <p:spTgt spid="3">
+                                            <p:txEl>
+                                              <p:pRg st="2" end="2"/>
+                                            </p:txEl>
+                                          </p:spTgt>
+                                        </p:tgtEl>
+                                      </p:cBhvr>
+                                    </p:animEffect>
+                                  </p:childTnLst>
+                                </p:cTn>
+                              </p:par>
+                            </p:childTnLst>
+                          </p:cTn>
+                        </p:par>
+                      </p:childTnLst>
+                    </p:cTn>
+                  </p:par>
+                  <p:par>
+                    <p:cTn id="16" fill="hold">
+                      <p:stCondLst>
+                        <p:cond delay="indefinite"/>
+                      </p:stCondLst>
+                      <p:childTnLst>
+                        <p:par>
+                          <p:cTn id="17" fill="hold">
+                            <p:stCondLst>
+                              <p:cond delay="0"/>
+                            </p:stCondLst>
+                            <p:childTnLst>
+                              <p:par>
+                                <p:cTn id="18" presetID="10" presetClass="entr" presetSubtype="0" fill="hold" nodeType="clickEffect">
+                                  <p:stCondLst>
+                                    <p:cond delay="0"/>
+                                  </p:stCondLst>
+                                  <p:childTnLst>
+                                    <p:set>
+                                      <p:cBhvr>
+                                        <p:cTn id="19" dur="1" fill="hold">
+                                          <p:stCondLst>
+                                            <p:cond delay="0"/>
+                                          </p:stCondLst>
+                                        </p:cTn>
+                                        <p:tgtEl>
+                                          <p:spTgt spid="3">
+                                            <p:txEl>
+                                              <p:pRg st="3" end="3"/>
+                                            </p:txEl>
+                                          </p:spTgt>
+                                        </p:tgtEl>
+                                        <p:attrNameLst>
+                                          <p:attrName>style.visibility</p:attrName>
+                                        </p:attrNameLst>
+                                      </p:cBhvr>
+                                      <p:to>
+                                        <p:strVal val="visible"/>
+                                      </p:to>
+                                    </p:set>
+                                    <p:animEffect transition="in" filter="fade">
+                                      <p:cBhvr>
+                                        <p:cTn id="20" dur="500"/>
+                                        <p:tgtEl>
+                                          <p:spTgt spid="3">
+                                            <p:txEl>
+                                              <p:pRg st="3" end="3"/>
+                                            </p:txEl>
+                                          </p:spTgt>
+                                        </p:tgtEl>
+                                      </p:cBhvr>
+                                    </p:animEffect>
+                                  </p:childTnLst>
+                                </p:cTn>
+                              </p:par>
+                            </p:childTnLst>
+                          </p:cTn>
+                        </p:par>
+                      </p:childTnLst>
+                    </p:cTn>
+                  </p:par>
+                  <p:par>
+                    <p:cTn id="21" fill="hold">
+                      <p:stCondLst>
+                        <p:cond delay="indefinite"/>
+                      </p:stCondLst>
+                      <p:childTnLst>
+                        <p:par>
+                          <p:cTn id="22" fill="hold">
+                            <p:stCondLst>
+                              <p:cond delay="0"/>
+                            </p:stCondLst>
+                            <p:childTnLst>
+                              <p:par>
+                                <p:cTn id="23" presetID="10" presetClass="entr" presetSubtype="0" fill="hold" nodeType="clickEffect">
+                                  <p:stCondLst>
+                                    <p:cond delay="0"/>
+                                  </p:stCondLst>
+                                  <p:childTnLst>
+                                    <p:set>
+                                      <p:cBhvr>
+                                        <p:cTn id="24" dur="1" fill="hold">
+                                          <p:stCondLst>
+                                            <p:cond delay="0"/>
+                                          </p:stCondLst>
+                                        </p:cTn>
+                                        <p:tgtEl>
+                                          <p:spTgt spid="3">
+                                            <p:txEl>
+                                              <p:pRg st="4" end="4"/>
+                                            </p:txEl>
+                                          </p:spTgt>
+                                        </p:tgtEl>
+                                        <p:attrNameLst>
+                                          <p:attrName>style.visibility</p:attrName>
+                                        </p:attrNameLst>
+                                      </p:cBhvr>
+                                      <p:to>
+                                        <p:strVal val="visible"/>
+                                      </p:to>
+                                    </p:set>
+                                    <p:animEffect transition="in" filter="fade">
+                                      <p:cBhvr>
+                                        <p:cTn id="25" dur="500"/>
+                                        <p:tgtEl>
+                                          <p:spTgt spid="3">
+                                            <p:txEl>
+                                              <p:pRg st="4" end="4"/>
+                                            </p:txEl>
+                                          </p:spTgt>
+                                        </p:tgtEl>
+                                      </p:cBhvr>
+                                    </p:animEffect>
+                                  </p:childTnLst>
+                                </p:cTn>
+                              </p:par>
+                            </p:childTnLst>
+                          </p:cTn>
+                        </p:par>
+                      </p:childTnLst>
+                    </p:cTn>
+                  </p:par>
+                  <p:par>
+                    <p:cTn id="26" fill="hold">
+                      <p:stCondLst>
+                        <p:cond delay="indefinite"/>
+                      </p:stCondLst>
+                      <p:childTnLst>
+                        <p:par>
+                          <p:cTn id="27" fill="hold">
+                            <p:stCondLst>
+                              <p:cond delay="0"/>
+                            </p:stCondLst>
+                            <p:childTnLst>
+                              <p:par>
+                                <p:cTn id="28" presetID="10" presetClass="entr" presetSubtype="0" fill="hold" nodeType="clickEffect">
+                                  <p:stCondLst>
+                                    <p:cond delay="0"/>
+                                  </p:stCondLst>
+                                  <p:childTnLst>
+                                    <p:set>
+                                      <p:cBhvr>
+                                        <p:cTn id="29" dur="1" fill="hold">
+                                          <p:stCondLst>
+                                            <p:cond delay="0"/>
+                                          </p:stCondLst>
+                                        </p:cTn>
+                                        <p:tgtEl>
+                                          <p:spTgt spid="3">
+                                            <p:txEl>
+                                              <p:pRg st="5" end="5"/>
+                                            </p:txEl>
+                                          </p:spTgt>
+                                        </p:tgtEl>
+                                        <p:attrNameLst>
+                                          <p:attrName>style.visibility</p:attrName>
+                                        </p:attrNameLst>
+                                      </p:cBhvr>
+                                      <p:to>
+                                        <p:strVal val="visible"/>
+                                      </p:to>
+                                    </p:set>
+                                    <p:animEffect transition="in" filter="fade">
+                                      <p:cBhvr>
+                                        <p:cTn id="30" dur="500"/>
+                                        <p:tgtEl>
+                                          <p:spTgt spid="3">
+                                            <p:txEl>
+                                              <p:pRg st="5" end="5"/>
+                                            </p:txEl>
+                                          </p:spTgt>
+                                        </p:tgtEl>
+                                      </p:cBhvr>
+                                    </p:animEffect>
+                                  </p:childTnLst>
+                                </p:cTn>
+                              </p:par>
+                            </p:childTnLst>
+                          </p:cTn>
+                        </p:par>
+                      </p:childTnLst>
+                    </p:cTn>
+                  </p:par>
+                  <p:par>
+                    <p:cTn id="31" fill="hold">
+                      <p:stCondLst>
+                        <p:cond delay="indefinite"/>
+                      </p:stCondLst>
+                      <p:childTnLst>
+                        <p:par>
+                          <p:cTn id="32" fill="hold">
+                            <p:stCondLst>
+                              <p:cond delay="0"/>
+                            </p:stCondLst>
+                            <p:childTnLst>
+                              <p:par>
+                                <p:cTn id="33" presetID="10" presetClass="entr" presetSubtype="0" fill="hold" nodeType="clickEffect">
+                                  <p:stCondLst>
+                                    <p:cond delay="0"/>
+                                  </p:stCondLst>
+                                  <p:childTnLst>
+                                    <p:set>
+                                      <p:cBhvr>
+                                        <p:cTn id="34" dur="1" fill="hold">
+                                          <p:stCondLst>
+                                            <p:cond delay="0"/>
+                                          </p:stCondLst>
+                                        </p:cTn>
+                                        <p:tgtEl>
+                                          <p:spTgt spid="3">
+                                            <p:txEl>
+                                              <p:pRg st="6" end="6"/>
+                                            </p:txEl>
+                                          </p:spTgt>
+                                        </p:tgtEl>
+                                        <p:attrNameLst>
+                                          <p:attrName>style.visibility</p:attrName>
+                                        </p:attrNameLst>
+                                      </p:cBhvr>
+                                      <p:to>
+                                        <p:strVal val="visible"/>
+                                      </p:to>
+                                    </p:set>
+                                    <p:animEffect transition="in" filter="fade">
+                                      <p:cBhvr>
+                                        <p:cTn id="35" dur="500"/>
+                                        <p:tgtEl>
+                                          <p:spTgt spid="3">
+                                            <p:txEl>
+                                              <p:pRg st="6" end="6"/>
+                                            </p:txEl>
+                                          </p:spTgt>
+                                        </p:tgtEl>
+                                      </p:cBhvr>
+                                    </p:animEffect>
+                                  </p:childTnLst>
+                                </p:cTn>
+                              </p:par>
+                            </p:childTnLst>
+                          </p:cTn>
+                        </p:par>
+                      </p:childTnLst>
+                    </p:cTn>
+                  </p:par>
+                </p:childTnLst>
+              </p:cTn>
+              <p:prevCondLst>
+                <p:cond evt="onPrev" delay="0">
+                  <p:tgtEl>
+                    <p:sldTgt/>
+                  </p:tgtEl>
+                </p:cond>
+              </p:prevCondLst>
+              <p:nextCondLst>
+                <p:cond evt="onNext" delay="0">
+                  <p:tgtEl>
+                    <p:sldTgt/>
+                  </p:tgtEl>
+                </p:cond>
+              </p:nextCondLst>
+            </p:seq>
+          </p:childTnLst>
+        </p:cTn>
       </p:par>
     </p:tnLst>
   </p:timing>
@@ -7843,8 +8572,8 @@
         </p:blipFill>
         <p:spPr bwMode="auto">
           <a:xfrm>
-            <a:off x="251520" y="2076450"/>
-            <a:ext cx="5800725" cy="3859932"/>
+            <a:off x="391022" y="2060848"/>
+            <a:ext cx="6469392" cy="4304878"/>
           </a:xfrm>
           <a:prstGeom prst="rect">
             <a:avLst/>
@@ -7892,8 +8621,73 @@
         </p:nvSpPr>
         <p:spPr bwMode="auto">
           <a:xfrm>
-            <a:off x="251520" y="4869160"/>
-            <a:ext cx="1224136" cy="216024"/>
+            <a:off x="395536" y="5157192"/>
+            <a:ext cx="1306853" cy="240926"/>
+          </a:xfrm>
+          <a:prstGeom prst="rect">
+            <a:avLst/>
+          </a:prstGeom>
+          <a:noFill/>
+          <a:ln w="57150" cap="flat" cmpd="sng" algn="ctr">
+            <a:solidFill>
+              <a:srgbClr val="FF0000"/>
+            </a:solidFill>
+            <a:prstDash val="solid"/>
+            <a:round/>
+            <a:headEnd type="none" w="med" len="med"/>
+            <a:tailEnd type="none" w="med" len="med"/>
+          </a:ln>
+          <a:effectLst/>
+          <a:extLst/>
+        </p:spPr>
+        <p:txBody>
+          <a:bodyPr vert="horz" wrap="square" lIns="91440" tIns="45720" rIns="91440" bIns="45720" numCol="1" rtlCol="0" anchor="t" anchorCtr="0" compatLnSpc="1">
+            <a:prstTxWarp prst="textNoShape">
+              <a:avLst/>
+            </a:prstTxWarp>
+          </a:bodyPr>
+          <a:lstStyle/>
+          <a:p>
+            <a:pPr marL="0" marR="0" indent="0" algn="l" defTabSz="914400" rtl="0" eaLnBrk="1" fontAlgn="base" latinLnBrk="0" hangingPunct="1">
+              <a:lnSpc>
+                <a:spcPct val="100000"/>
+              </a:lnSpc>
+              <a:spcBef>
+                <a:spcPct val="0"/>
+              </a:spcBef>
+              <a:spcAft>
+                <a:spcPct val="0"/>
+              </a:spcAft>
+              <a:buClrTx/>
+              <a:buSzTx/>
+              <a:buFontTx/>
+              <a:buNone/>
+              <a:tabLst/>
+            </a:pPr>
+            <a:endParaRPr kumimoji="0" lang="ko-KR" altLang="en-US" sz="1800" b="0" i="0" u="none" strike="noStrike" cap="none" normalizeH="0" baseline="0" smtClean="0">
+              <a:ln>
+                <a:noFill/>
+              </a:ln>
+              <a:solidFill>
+                <a:schemeClr val="tx1"/>
+              </a:solidFill>
+              <a:effectLst/>
+              <a:latin typeface="Arial" charset="0"/>
+              <a:cs typeface="Arial" charset="0"/>
+            </a:endParaRPr>
+          </a:p>
+        </p:txBody>
+      </p:sp>
+      <p:sp>
+        <p:nvSpPr>
+          <p:cNvPr id="6" name="직사각형 5"/>
+          <p:cNvSpPr/>
+          <p:nvPr/>
+        </p:nvSpPr>
+        <p:spPr bwMode="auto">
+          <a:xfrm>
+            <a:off x="3995935" y="2708920"/>
+            <a:ext cx="1008113" cy="240926"/>
           </a:xfrm>
           <a:prstGeom prst="rect">
             <a:avLst/>
@@ -8020,6 +8814,59 @@
                       </p:childTnLst>
                     </p:cTn>
                   </p:par>
+                  <p:par>
+                    <p:cTn id="8" fill="hold">
+                      <p:stCondLst>
+                        <p:cond delay="indefinite"/>
+                      </p:stCondLst>
+                      <p:childTnLst>
+                        <p:par>
+                          <p:cTn id="9" fill="hold">
+                            <p:stCondLst>
+                              <p:cond delay="0"/>
+                            </p:stCondLst>
+                            <p:childTnLst>
+                              <p:par>
+                                <p:cTn id="10" presetID="16" presetClass="entr" presetSubtype="21" fill="hold" grpId="0" nodeType="clickEffect">
+                                  <p:stCondLst>
+                                    <p:cond delay="0"/>
+                                  </p:stCondLst>
+                                  <p:childTnLst>
+                                    <p:set>
+                                      <p:cBhvr>
+                                        <p:cTn id="11" dur="1" fill="hold">
+                                          <p:stCondLst>
+                                            <p:cond delay="0"/>
+                                          </p:stCondLst>
+                                        </p:cTn>
+                                        <p:tgtEl>
+                                          <p:spTgt spid="6"/>
+                                        </p:tgtEl>
+                                        <p:attrNameLst>
+                                          <p:attrName>style.visibility</p:attrName>
+                                        </p:attrNameLst>
+                                      </p:cBhvr>
+                                      <p:to>
+                                        <p:strVal val="visible"/>
+                                      </p:to>
+                                    </p:set>
+                                    <p:animEffect transition="in" filter="barn(inVertical)">
+                                      <p:cBhvr>
+                                        <p:cTn id="12" dur="500"/>
+                                        <p:tgtEl>
+                                          <p:spTgt spid="6"/>
+                                        </p:tgtEl>
+                                      </p:cBhvr>
+                                    </p:animEffect>
+                                  </p:childTnLst>
+                                </p:cTn>
+                              </p:par>
+                            </p:childTnLst>
+                          </p:cTn>
+                        </p:par>
+                      </p:childTnLst>
+                    </p:cTn>
+                  </p:par>
                 </p:childTnLst>
               </p:cTn>
               <p:prevCondLst>
@@ -8043,6 +8890,7 @@
     </p:tnLst>
     <p:bldLst>
       <p:bldP spid="4" grpId="0" animBg="1"/>
+      <p:bldP spid="6" grpId="0" animBg="1"/>
     </p:bldLst>
   </p:timing>
 </p:sld>
